--- a/docs/TofinoBackend.pptx
+++ b/docs/TofinoBackend.pptx
@@ -9,12 +9,21 @@
     <p:sldId id="265" r:id="rId3"/>
     <p:sldId id="266" r:id="rId4"/>
     <p:sldId id="267" r:id="rId5"/>
-    <p:sldId id="257" r:id="rId6"/>
-    <p:sldId id="263" r:id="rId7"/>
-    <p:sldId id="264" r:id="rId8"/>
-    <p:sldId id="261" r:id="rId9"/>
-    <p:sldId id="260" r:id="rId10"/>
-    <p:sldId id="258" r:id="rId11"/>
+    <p:sldId id="268" r:id="rId6"/>
+    <p:sldId id="257" r:id="rId7"/>
+    <p:sldId id="263" r:id="rId8"/>
+    <p:sldId id="264" r:id="rId9"/>
+    <p:sldId id="261" r:id="rId10"/>
+    <p:sldId id="260" r:id="rId11"/>
+    <p:sldId id="258" r:id="rId12"/>
+    <p:sldId id="269" r:id="rId13"/>
+    <p:sldId id="270" r:id="rId14"/>
+    <p:sldId id="271" r:id="rId15"/>
+    <p:sldId id="272" r:id="rId16"/>
+    <p:sldId id="273" r:id="rId17"/>
+    <p:sldId id="274" r:id="rId18"/>
+    <p:sldId id="275" r:id="rId19"/>
+    <p:sldId id="276" r:id="rId20"/>
   </p:sldIdLst>
   <p:sldSz cx="9144000" cy="6858000" type="screen4x3"/>
   <p:notesSz cx="6858000" cy="9144000"/>
@@ -297,7 +306,7 @@
           <a:p>
             <a:fld id="{0BF5D9D2-BD25-2143-B3BA-B0130A348D1D}" type="datetimeFigureOut">
               <a:rPr lang="en-US" smtClean="0"/>
-              <a:t>8/15/16</a:t>
+              <a:t>9/1/16</a:t>
             </a:fld>
             <a:endParaRPr lang="en-US"/>
           </a:p>
@@ -467,7 +476,7 @@
           <a:p>
             <a:fld id="{0BF5D9D2-BD25-2143-B3BA-B0130A348D1D}" type="datetimeFigureOut">
               <a:rPr lang="en-US" smtClean="0"/>
-              <a:t>8/15/16</a:t>
+              <a:t>9/1/16</a:t>
             </a:fld>
             <a:endParaRPr lang="en-US"/>
           </a:p>
@@ -647,7 +656,7 @@
           <a:p>
             <a:fld id="{0BF5D9D2-BD25-2143-B3BA-B0130A348D1D}" type="datetimeFigureOut">
               <a:rPr lang="en-US" smtClean="0"/>
-              <a:t>8/15/16</a:t>
+              <a:t>9/1/16</a:t>
             </a:fld>
             <a:endParaRPr lang="en-US"/>
           </a:p>
@@ -817,7 +826,7 @@
           <a:p>
             <a:fld id="{0BF5D9D2-BD25-2143-B3BA-B0130A348D1D}" type="datetimeFigureOut">
               <a:rPr lang="en-US" smtClean="0"/>
-              <a:t>8/15/16</a:t>
+              <a:t>9/1/16</a:t>
             </a:fld>
             <a:endParaRPr lang="en-US"/>
           </a:p>
@@ -1063,7 +1072,7 @@
           <a:p>
             <a:fld id="{0BF5D9D2-BD25-2143-B3BA-B0130A348D1D}" type="datetimeFigureOut">
               <a:rPr lang="en-US" smtClean="0"/>
-              <a:t>8/15/16</a:t>
+              <a:t>9/1/16</a:t>
             </a:fld>
             <a:endParaRPr lang="en-US"/>
           </a:p>
@@ -1351,7 +1360,7 @@
           <a:p>
             <a:fld id="{0BF5D9D2-BD25-2143-B3BA-B0130A348D1D}" type="datetimeFigureOut">
               <a:rPr lang="en-US" smtClean="0"/>
-              <a:t>8/15/16</a:t>
+              <a:t>9/1/16</a:t>
             </a:fld>
             <a:endParaRPr lang="en-US"/>
           </a:p>
@@ -1773,7 +1782,7 @@
           <a:p>
             <a:fld id="{0BF5D9D2-BD25-2143-B3BA-B0130A348D1D}" type="datetimeFigureOut">
               <a:rPr lang="en-US" smtClean="0"/>
-              <a:t>8/15/16</a:t>
+              <a:t>9/1/16</a:t>
             </a:fld>
             <a:endParaRPr lang="en-US"/>
           </a:p>
@@ -1891,7 +1900,7 @@
           <a:p>
             <a:fld id="{0BF5D9D2-BD25-2143-B3BA-B0130A348D1D}" type="datetimeFigureOut">
               <a:rPr lang="en-US" smtClean="0"/>
-              <a:t>8/15/16</a:t>
+              <a:t>9/1/16</a:t>
             </a:fld>
             <a:endParaRPr lang="en-US"/>
           </a:p>
@@ -1986,7 +1995,7 @@
           <a:p>
             <a:fld id="{0BF5D9D2-BD25-2143-B3BA-B0130A348D1D}" type="datetimeFigureOut">
               <a:rPr lang="en-US" smtClean="0"/>
-              <a:t>8/15/16</a:t>
+              <a:t>9/1/16</a:t>
             </a:fld>
             <a:endParaRPr lang="en-US"/>
           </a:p>
@@ -2263,7 +2272,7 @@
           <a:p>
             <a:fld id="{0BF5D9D2-BD25-2143-B3BA-B0130A348D1D}" type="datetimeFigureOut">
               <a:rPr lang="en-US" smtClean="0"/>
-              <a:t>8/15/16</a:t>
+              <a:t>9/1/16</a:t>
             </a:fld>
             <a:endParaRPr lang="en-US"/>
           </a:p>
@@ -2516,7 +2525,7 @@
           <a:p>
             <a:fld id="{0BF5D9D2-BD25-2143-B3BA-B0130A348D1D}" type="datetimeFigureOut">
               <a:rPr lang="en-US" smtClean="0"/>
-              <a:t>8/15/16</a:t>
+              <a:t>9/1/16</a:t>
             </a:fld>
             <a:endParaRPr lang="en-US"/>
           </a:p>
@@ -2729,7 +2738,7 @@
           <a:p>
             <a:fld id="{0BF5D9D2-BD25-2143-B3BA-B0130A348D1D}" type="datetimeFigureOut">
               <a:rPr lang="en-US" smtClean="0"/>
-              <a:t>8/15/16</a:t>
+              <a:t>9/1/16</a:t>
             </a:fld>
             <a:endParaRPr lang="en-US"/>
           </a:p>
@@ -3195,7 +3204,620 @@
           <a:bodyPr/>
           <a:lstStyle/>
           <a:p>
-            <a:endParaRPr lang="en-US"/>
+            <a:r>
+              <a:rPr lang="en-US" dirty="0" smtClean="0"/>
+              <a:t> </a:t>
+            </a:r>
+            <a:endParaRPr lang="en-US" dirty="0"/>
+          </a:p>
+        </p:txBody>
+      </p:sp>
+      <p:sp>
+        <p:nvSpPr>
+          <p:cNvPr id="3" name="Text Placeholder 2"/>
+          <p:cNvSpPr>
+            <a:spLocks noGrp="1"/>
+          </p:cNvSpPr>
+          <p:nvPr>
+            <p:ph type="body" idx="1"/>
+          </p:nvPr>
+        </p:nvSpPr>
+        <p:spPr/>
+        <p:txBody>
+          <a:bodyPr/>
+          <a:lstStyle/>
+          <a:p>
+            <a:r>
+              <a:rPr lang="en-US" dirty="0" smtClean="0"/>
+              <a:t> </a:t>
+            </a:r>
+            <a:endParaRPr lang="en-US" dirty="0"/>
+          </a:p>
+        </p:txBody>
+      </p:sp>
+      <p:sp>
+        <p:nvSpPr>
+          <p:cNvPr id="4" name="Content Placeholder 3"/>
+          <p:cNvSpPr>
+            <a:spLocks noGrp="1"/>
+          </p:cNvSpPr>
+          <p:nvPr>
+            <p:ph sz="half" idx="2"/>
+          </p:nvPr>
+        </p:nvSpPr>
+        <p:spPr>
+          <a:xfrm>
+            <a:off x="457200" y="1535113"/>
+            <a:ext cx="4040188" cy="4591050"/>
+          </a:xfrm>
+        </p:spPr>
+        <p:txBody>
+          <a:bodyPr/>
+          <a:lstStyle/>
+          <a:p>
+            <a:pPr marL="0" indent="0">
+              <a:buNone/>
+            </a:pPr>
+            <a:r>
+              <a:rPr lang="en-US" dirty="0"/>
+              <a:t>control ingress {</a:t>
+            </a:r>
+          </a:p>
+          <a:p>
+            <a:pPr marL="0" indent="0">
+              <a:buNone/>
+            </a:pPr>
+            <a:r>
+              <a:rPr lang="en-US" dirty="0"/>
+              <a:t>    if (data.b2 == 1) {</a:t>
+            </a:r>
+          </a:p>
+          <a:p>
+            <a:pPr marL="0" indent="0">
+              <a:buNone/>
+            </a:pPr>
+            <a:r>
+              <a:rPr lang="en-US" dirty="0"/>
+              <a:t>        apply(test1);</a:t>
+            </a:r>
+          </a:p>
+          <a:p>
+            <a:pPr marL="0" indent="0">
+              <a:buNone/>
+            </a:pPr>
+            <a:r>
+              <a:rPr lang="da-DK" dirty="0"/>
+              <a:t>    } </a:t>
+            </a:r>
+            <a:r>
+              <a:rPr lang="da-DK" dirty="0" err="1"/>
+              <a:t>else</a:t>
+            </a:r>
+            <a:r>
+              <a:rPr lang="da-DK" dirty="0"/>
+              <a:t> {</a:t>
+            </a:r>
+          </a:p>
+          <a:p>
+            <a:pPr marL="0" indent="0">
+              <a:buNone/>
+            </a:pPr>
+            <a:r>
+              <a:rPr lang="en-US" dirty="0"/>
+              <a:t>        apply(test2);</a:t>
+            </a:r>
+          </a:p>
+          <a:p>
+            <a:pPr marL="0" indent="0">
+              <a:buNone/>
+            </a:pPr>
+            <a:r>
+              <a:rPr lang="en-US" dirty="0"/>
+              <a:t>    }</a:t>
+            </a:r>
+          </a:p>
+          <a:p>
+            <a:pPr marL="0" indent="0">
+              <a:buNone/>
+            </a:pPr>
+            <a:r>
+              <a:rPr lang="en-US" dirty="0"/>
+              <a:t>}</a:t>
+            </a:r>
+          </a:p>
+          <a:p>
+            <a:endParaRPr lang="en-US" dirty="0"/>
+          </a:p>
+        </p:txBody>
+      </p:sp>
+      <p:sp>
+        <p:nvSpPr>
+          <p:cNvPr id="5" name="Text Placeholder 4"/>
+          <p:cNvSpPr>
+            <a:spLocks noGrp="1"/>
+          </p:cNvSpPr>
+          <p:nvPr>
+            <p:ph type="body" sz="quarter" idx="3"/>
+          </p:nvPr>
+        </p:nvSpPr>
+        <p:spPr/>
+        <p:txBody>
+          <a:bodyPr/>
+          <a:lstStyle/>
+          <a:p>
+            <a:r>
+              <a:rPr lang="en-US" dirty="0" smtClean="0"/>
+              <a:t> </a:t>
+            </a:r>
+            <a:endParaRPr lang="en-US" dirty="0"/>
+          </a:p>
+        </p:txBody>
+      </p:sp>
+      <p:sp>
+        <p:nvSpPr>
+          <p:cNvPr id="6" name="Content Placeholder 5"/>
+          <p:cNvSpPr>
+            <a:spLocks noGrp="1"/>
+          </p:cNvSpPr>
+          <p:nvPr>
+            <p:ph sz="quarter" idx="4"/>
+          </p:nvPr>
+        </p:nvSpPr>
+        <p:spPr>
+          <a:xfrm>
+            <a:off x="3465871" y="1535113"/>
+            <a:ext cx="5604387" cy="4591050"/>
+          </a:xfrm>
+        </p:spPr>
+        <p:txBody>
+          <a:bodyPr>
+            <a:normAutofit/>
+          </a:bodyPr>
+          <a:lstStyle/>
+          <a:p>
+            <a:pPr marL="0" indent="0">
+              <a:buNone/>
+            </a:pPr>
+            <a:r>
+              <a:rPr lang="en-US" sz="1600" dirty="0"/>
+              <a:t>  </a:t>
+            </a:r>
+            <a:r>
+              <a:rPr lang="en-US" sz="1600" dirty="0" err="1"/>
+              <a:t>mau</a:t>
+            </a:r>
+            <a:r>
+              <a:rPr lang="en-US" sz="1600" dirty="0"/>
+              <a:t>: [1050] MAU::</a:t>
+            </a:r>
+            <a:r>
+              <a:rPr lang="en-US" sz="1600" dirty="0" err="1"/>
+              <a:t>TableSeq</a:t>
+            </a:r>
+            <a:r>
+              <a:rPr lang="en-US" sz="1600" dirty="0"/>
+              <a:t> </a:t>
+            </a:r>
+            <a:r>
+              <a:rPr lang="en-US" sz="1600" dirty="0" err="1"/>
+              <a:t>deps</a:t>
+            </a:r>
+            <a:r>
+              <a:rPr lang="en-US" sz="1600" dirty="0"/>
+              <a:t>=</a:t>
+            </a:r>
+          </a:p>
+          <a:p>
+            <a:pPr marL="0" indent="0">
+              <a:buNone/>
+            </a:pPr>
+            <a:r>
+              <a:rPr lang="en-US" sz="1600" dirty="0"/>
+              <a:t>    [1052] MAU::Table name=cond-0 </a:t>
+            </a:r>
+            <a:r>
+              <a:rPr lang="en-US" sz="1600" dirty="0" err="1"/>
+              <a:t>gress</a:t>
+            </a:r>
+            <a:r>
+              <a:rPr lang="en-US" sz="1600" dirty="0"/>
+              <a:t>=ingress </a:t>
+            </a:r>
+            <a:r>
+              <a:rPr lang="en-US" sz="1600" dirty="0" err="1"/>
+              <a:t>logical_id</a:t>
+            </a:r>
+            <a:r>
+              <a:rPr lang="en-US" sz="1600" dirty="0"/>
+              <a:t>=-1 </a:t>
+            </a:r>
+          </a:p>
+          <a:p>
+            <a:pPr marL="0" indent="0">
+              <a:buNone/>
+            </a:pPr>
+            <a:r>
+              <a:rPr lang="pl-PL" sz="1600" dirty="0"/>
+              <a:t>      </a:t>
+            </a:r>
+            <a:r>
+              <a:rPr lang="pl-PL" sz="1600" dirty="0" err="1"/>
+              <a:t>gateway_row</a:t>
+            </a:r>
+            <a:r>
+              <a:rPr lang="pl-PL" sz="1600" dirty="0"/>
+              <a:t>: [594] </a:t>
+            </a:r>
+            <a:r>
+              <a:rPr lang="pl-PL" sz="1600" dirty="0" err="1"/>
+              <a:t>Equ</a:t>
+            </a:r>
+            <a:endParaRPr lang="pl-PL" sz="1600" dirty="0"/>
+          </a:p>
+          <a:p>
+            <a:pPr marL="0" indent="0">
+              <a:buNone/>
+            </a:pPr>
+            <a:r>
+              <a:rPr lang="pl-PL" sz="1600" dirty="0"/>
+              <a:t>        ...</a:t>
+            </a:r>
+          </a:p>
+          <a:p>
+            <a:pPr marL="0" indent="0">
+              <a:buNone/>
+            </a:pPr>
+            <a:r>
+              <a:rPr lang="pl-PL" sz="1600" dirty="0"/>
+              <a:t>      </a:t>
+            </a:r>
+            <a:r>
+              <a:rPr lang="pl-PL" sz="1600" dirty="0" smtClean="0"/>
+              <a:t>$</a:t>
+            </a:r>
+            <a:r>
+              <a:rPr lang="pl-PL" sz="1600" dirty="0" err="1" smtClean="0"/>
+              <a:t>true</a:t>
+            </a:r>
+            <a:r>
+              <a:rPr lang="pl-PL" sz="1600" dirty="0"/>
+              <a:t>: [1056] MAU::</a:t>
+            </a:r>
+            <a:r>
+              <a:rPr lang="pl-PL" sz="1600" dirty="0" err="1"/>
+              <a:t>TableSeq</a:t>
+            </a:r>
+            <a:r>
+              <a:rPr lang="pl-PL" sz="1600" dirty="0"/>
+              <a:t> </a:t>
+            </a:r>
+            <a:r>
+              <a:rPr lang="pl-PL" sz="1600" dirty="0" err="1"/>
+              <a:t>deps</a:t>
+            </a:r>
+            <a:r>
+              <a:rPr lang="pl-PL" sz="1600" dirty="0"/>
+              <a:t>=</a:t>
+            </a:r>
+          </a:p>
+          <a:p>
+            <a:pPr marL="0" indent="0">
+              <a:buNone/>
+            </a:pPr>
+            <a:r>
+              <a:rPr lang="pl-PL" sz="1600" dirty="0"/>
+              <a:t>        [1058] MAU::</a:t>
+            </a:r>
+            <a:r>
+              <a:rPr lang="pl-PL" sz="1600" dirty="0" err="1"/>
+              <a:t>Table</a:t>
+            </a:r>
+            <a:r>
+              <a:rPr lang="pl-PL" sz="1600" dirty="0"/>
+              <a:t> </a:t>
+            </a:r>
+            <a:r>
+              <a:rPr lang="pl-PL" sz="1600" dirty="0" err="1"/>
+              <a:t>name</a:t>
+            </a:r>
+            <a:r>
+              <a:rPr lang="pl-PL" sz="1600" dirty="0"/>
+              <a:t>=test1 </a:t>
+            </a:r>
+            <a:r>
+              <a:rPr lang="pl-PL" sz="1600" dirty="0" err="1"/>
+              <a:t>gress</a:t>
+            </a:r>
+            <a:r>
+              <a:rPr lang="pl-PL" sz="1600" dirty="0"/>
+              <a:t>=</a:t>
+            </a:r>
+            <a:r>
+              <a:rPr lang="pl-PL" sz="1600" dirty="0" err="1"/>
+              <a:t>ingress</a:t>
+            </a:r>
+            <a:r>
+              <a:rPr lang="pl-PL" sz="1600" dirty="0"/>
+              <a:t> </a:t>
+            </a:r>
+            <a:r>
+              <a:rPr lang="pl-PL" sz="1600" dirty="0" err="1"/>
+              <a:t>logical_id</a:t>
+            </a:r>
+            <a:r>
+              <a:rPr lang="pl-PL" sz="1600" dirty="0"/>
+              <a:t>=-1 </a:t>
+            </a:r>
+          </a:p>
+          <a:p>
+            <a:pPr marL="0" indent="0">
+              <a:buNone/>
+            </a:pPr>
+            <a:r>
+              <a:rPr lang="en-US" sz="1600" dirty="0"/>
+              <a:t>          </a:t>
+            </a:r>
+            <a:r>
+              <a:rPr lang="en-US" sz="1600" dirty="0" err="1"/>
+              <a:t>match_table</a:t>
+            </a:r>
+            <a:r>
+              <a:rPr lang="en-US" sz="1600" dirty="0"/>
+              <a:t>: [449] V1Table name=test1</a:t>
+            </a:r>
+          </a:p>
+          <a:p>
+            <a:pPr marL="0" indent="0">
+              <a:buNone/>
+            </a:pPr>
+            <a:r>
+              <a:rPr lang="en-US" sz="1600" dirty="0"/>
+              <a:t>          [607] </a:t>
+            </a:r>
+            <a:r>
+              <a:rPr lang="en-US" sz="1600" dirty="0" err="1"/>
+              <a:t>ActionFunction</a:t>
+            </a:r>
+            <a:r>
+              <a:rPr lang="en-US" sz="1600" dirty="0"/>
+              <a:t> name=setb1</a:t>
+            </a:r>
+          </a:p>
+          <a:p>
+            <a:pPr marL="0" indent="0">
+              <a:buNone/>
+            </a:pPr>
+            <a:r>
+              <a:rPr lang="en-US" sz="1600" dirty="0"/>
+              <a:t>            ...</a:t>
+            </a:r>
+          </a:p>
+          <a:p>
+            <a:pPr marL="0" indent="0">
+              <a:buNone/>
+            </a:pPr>
+            <a:r>
+              <a:rPr lang="en-US" sz="1600" dirty="0"/>
+              <a:t>          [63] </a:t>
+            </a:r>
+            <a:r>
+              <a:rPr lang="en-US" sz="1600" dirty="0" err="1"/>
+              <a:t>ActionFunction</a:t>
+            </a:r>
+            <a:r>
+              <a:rPr lang="en-US" sz="1600" dirty="0"/>
+              <a:t> name=</a:t>
+            </a:r>
+            <a:r>
+              <a:rPr lang="en-US" sz="1600" dirty="0" err="1"/>
+              <a:t>noop</a:t>
+            </a:r>
+            <a:endParaRPr lang="en-US" sz="1600" dirty="0"/>
+          </a:p>
+          <a:p>
+            <a:pPr marL="0" indent="0">
+              <a:buNone/>
+            </a:pPr>
+            <a:r>
+              <a:rPr lang="da-DK" sz="1600" dirty="0"/>
+              <a:t>      </a:t>
+            </a:r>
+            <a:r>
+              <a:rPr lang="da-DK" sz="1600" dirty="0" smtClean="0"/>
+              <a:t>$false</a:t>
+            </a:r>
+            <a:r>
+              <a:rPr lang="da-DK" sz="1600" dirty="0"/>
+              <a:t>: [1062] MAU::</a:t>
+            </a:r>
+            <a:r>
+              <a:rPr lang="da-DK" sz="1600" dirty="0" err="1"/>
+              <a:t>TableSeq</a:t>
+            </a:r>
+            <a:r>
+              <a:rPr lang="da-DK" sz="1600" dirty="0"/>
+              <a:t> </a:t>
+            </a:r>
+            <a:r>
+              <a:rPr lang="da-DK" sz="1600" dirty="0" err="1"/>
+              <a:t>deps</a:t>
+            </a:r>
+            <a:r>
+              <a:rPr lang="da-DK" sz="1600" dirty="0" smtClean="0"/>
+              <a:t>=</a:t>
+            </a:r>
+          </a:p>
+          <a:p>
+            <a:pPr marL="0" indent="0">
+              <a:buNone/>
+            </a:pPr>
+            <a:r>
+              <a:rPr lang="da-DK" sz="1600" dirty="0" smtClean="0"/>
+              <a:t>        </a:t>
+            </a:r>
+            <a:r>
+              <a:rPr lang="da-DK" sz="1600" dirty="0"/>
+              <a:t>[1064] MAU::</a:t>
+            </a:r>
+            <a:r>
+              <a:rPr lang="da-DK" sz="1600" dirty="0" err="1"/>
+              <a:t>Table</a:t>
+            </a:r>
+            <a:r>
+              <a:rPr lang="da-DK" sz="1600" dirty="0"/>
+              <a:t> </a:t>
+            </a:r>
+            <a:r>
+              <a:rPr lang="da-DK" sz="1600" dirty="0" err="1"/>
+              <a:t>name</a:t>
+            </a:r>
+            <a:r>
+              <a:rPr lang="da-DK" sz="1600" dirty="0"/>
+              <a:t>=test2 </a:t>
+            </a:r>
+            <a:r>
+              <a:rPr lang="da-DK" sz="1600" dirty="0" err="1"/>
+              <a:t>gress</a:t>
+            </a:r>
+            <a:r>
+              <a:rPr lang="da-DK" sz="1600" dirty="0"/>
+              <a:t>=</a:t>
+            </a:r>
+            <a:r>
+              <a:rPr lang="da-DK" sz="1600" dirty="0" err="1"/>
+              <a:t>ingress</a:t>
+            </a:r>
+            <a:r>
+              <a:rPr lang="da-DK" sz="1600" dirty="0"/>
+              <a:t> </a:t>
+            </a:r>
+            <a:r>
+              <a:rPr lang="da-DK" sz="1600" dirty="0" err="1"/>
+              <a:t>logical_id</a:t>
+            </a:r>
+            <a:r>
+              <a:rPr lang="da-DK" sz="1600" dirty="0"/>
+              <a:t>=-1 </a:t>
+            </a:r>
+          </a:p>
+          <a:p>
+            <a:pPr marL="0" indent="0">
+              <a:buNone/>
+            </a:pPr>
+            <a:r>
+              <a:rPr lang="en-US" sz="1600" dirty="0"/>
+              <a:t>          </a:t>
+            </a:r>
+            <a:r>
+              <a:rPr lang="en-US" sz="1600" dirty="0" err="1"/>
+              <a:t>match_table</a:t>
+            </a:r>
+            <a:r>
+              <a:rPr lang="en-US" sz="1600" dirty="0"/>
+              <a:t>: [457] V1Table name=test2</a:t>
+            </a:r>
+          </a:p>
+          <a:p>
+            <a:pPr marL="0" indent="0">
+              <a:buNone/>
+            </a:pPr>
+            <a:r>
+              <a:rPr lang="en-US" sz="1600" dirty="0"/>
+              <a:t>          [607] </a:t>
+            </a:r>
+            <a:r>
+              <a:rPr lang="en-US" sz="1600" dirty="0" err="1"/>
+              <a:t>ActionFunction</a:t>
+            </a:r>
+            <a:r>
+              <a:rPr lang="en-US" sz="1600" dirty="0"/>
+              <a:t> name=setb1...</a:t>
+            </a:r>
+          </a:p>
+          <a:p>
+            <a:pPr marL="0" indent="0">
+              <a:buNone/>
+            </a:pPr>
+            <a:r>
+              <a:rPr lang="en-US" sz="1600" dirty="0"/>
+              <a:t>          [63] </a:t>
+            </a:r>
+            <a:r>
+              <a:rPr lang="en-US" sz="1600" dirty="0" err="1"/>
+              <a:t>ActionFunction</a:t>
+            </a:r>
+            <a:r>
+              <a:rPr lang="en-US" sz="1600" dirty="0"/>
+              <a:t> name=</a:t>
+            </a:r>
+            <a:r>
+              <a:rPr lang="en-US" sz="1600" dirty="0" err="1"/>
+              <a:t>noop</a:t>
+            </a:r>
+            <a:endParaRPr lang="en-US" sz="1600" dirty="0"/>
+          </a:p>
+          <a:p>
+            <a:pPr marL="0" indent="0">
+              <a:buNone/>
+            </a:pPr>
+            <a:endParaRPr lang="en-US" sz="1200" dirty="0"/>
+          </a:p>
+        </p:txBody>
+      </p:sp>
+    </p:spTree>
+    <p:extLst>
+      <p:ext uri="{BB962C8B-B14F-4D97-AF65-F5344CB8AC3E}">
+        <p14:creationId xmlns:p14="http://schemas.microsoft.com/office/powerpoint/2010/main" val="1798580766"/>
+      </p:ext>
+    </p:extLst>
+  </p:cSld>
+  <p:clrMapOvr>
+    <a:masterClrMapping/>
+  </p:clrMapOvr>
+</p:sld>
+</file>
+
+<file path=ppt/slides/slide11.xml><?xml version="1.0" encoding="utf-8"?>
+<p:sld xmlns:a="http://schemas.openxmlformats.org/drawingml/2006/main" xmlns:r="http://schemas.openxmlformats.org/officeDocument/2006/relationships" xmlns:p="http://schemas.openxmlformats.org/presentationml/2006/main">
+  <p:cSld>
+    <p:spTree>
+      <p:nvGrpSpPr>
+        <p:cNvPr id="1" name=""/>
+        <p:cNvGrpSpPr/>
+        <p:nvPr/>
+      </p:nvGrpSpPr>
+      <p:grpSpPr>
+        <a:xfrm>
+          <a:off x="0" y="0"/>
+          <a:ext cx="0" cy="0"/>
+          <a:chOff x="0" y="0"/>
+          <a:chExt cx="0" cy="0"/>
+        </a:xfrm>
+      </p:grpSpPr>
+      <p:sp>
+        <p:nvSpPr>
+          <p:cNvPr id="2" name="Title 1"/>
+          <p:cNvSpPr>
+            <a:spLocks noGrp="1"/>
+          </p:cNvSpPr>
+          <p:nvPr>
+            <p:ph type="title"/>
+          </p:nvPr>
+        </p:nvSpPr>
+        <p:spPr/>
+        <p:txBody>
+          <a:bodyPr/>
+          <a:lstStyle/>
+          <a:p>
+            <a:r>
+              <a:rPr lang="en-US" dirty="0" err="1" smtClean="0"/>
+              <a:t>Tofino</a:t>
+            </a:r>
+            <a:r>
+              <a:rPr lang="en-US" dirty="0" smtClean="0"/>
+              <a:t> Backend Passes</a:t>
+            </a:r>
+            <a:endParaRPr lang="en-US" dirty="0"/>
           </a:p>
         </p:txBody>
       </p:sp>
@@ -3214,7 +3836,17 @@
           <a:bodyPr/>
           <a:lstStyle/>
           <a:p>
-            <a:endParaRPr lang="en-US"/>
+            <a:r>
+              <a:rPr lang="en-US" dirty="0" smtClean="0"/>
+              <a:t>A series of transforms lowering the IR to a pattern that matches up with the hardware constraints and requirements.</a:t>
+            </a:r>
+          </a:p>
+          <a:p>
+            <a:r>
+              <a:rPr lang="en-US" dirty="0" smtClean="0"/>
+              <a:t>Try to make the passes independent so they can run in any order, but dependencies do exist.</a:t>
+            </a:r>
+            <a:endParaRPr lang="en-US" dirty="0"/>
           </a:p>
         </p:txBody>
       </p:sp>
@@ -3222,6 +3854,1763 @@
     <p:extLst>
       <p:ext uri="{BB962C8B-B14F-4D97-AF65-F5344CB8AC3E}">
         <p14:creationId xmlns:p14="http://schemas.microsoft.com/office/powerpoint/2010/main" val="1842422973"/>
+      </p:ext>
+    </p:extLst>
+  </p:cSld>
+  <p:clrMapOvr>
+    <a:masterClrMapping/>
+  </p:clrMapOvr>
+</p:sld>
+</file>
+
+<file path=ppt/slides/slide12.xml><?xml version="1.0" encoding="utf-8"?>
+<p:sld xmlns:a="http://schemas.openxmlformats.org/drawingml/2006/main" xmlns:r="http://schemas.openxmlformats.org/officeDocument/2006/relationships" xmlns:p="http://schemas.openxmlformats.org/presentationml/2006/main">
+  <p:cSld>
+    <p:spTree>
+      <p:nvGrpSpPr>
+        <p:cNvPr id="1" name=""/>
+        <p:cNvGrpSpPr/>
+        <p:nvPr/>
+      </p:nvGrpSpPr>
+      <p:grpSpPr>
+        <a:xfrm>
+          <a:off x="0" y="0"/>
+          <a:ext cx="0" cy="0"/>
+          <a:chOff x="0" y="0"/>
+          <a:chExt cx="0" cy="0"/>
+        </a:xfrm>
+      </p:grpSpPr>
+      <p:sp>
+        <p:nvSpPr>
+          <p:cNvPr id="2" name="Title 1"/>
+          <p:cNvSpPr>
+            <a:spLocks noGrp="1"/>
+          </p:cNvSpPr>
+          <p:nvPr>
+            <p:ph type="title"/>
+          </p:nvPr>
+        </p:nvSpPr>
+        <p:spPr/>
+        <p:txBody>
+          <a:bodyPr/>
+          <a:lstStyle/>
+          <a:p>
+            <a:r>
+              <a:rPr lang="en-US" dirty="0" err="1" smtClean="0"/>
+              <a:t>Tofino</a:t>
+            </a:r>
+            <a:r>
+              <a:rPr lang="en-US" dirty="0" smtClean="0"/>
+              <a:t> Backend Passes</a:t>
+            </a:r>
+            <a:endParaRPr lang="en-US" dirty="0"/>
+          </a:p>
+        </p:txBody>
+      </p:sp>
+      <p:sp>
+        <p:nvSpPr>
+          <p:cNvPr id="3" name="Content Placeholder 2"/>
+          <p:cNvSpPr>
+            <a:spLocks noGrp="1"/>
+          </p:cNvSpPr>
+          <p:nvPr>
+            <p:ph idx="1"/>
+          </p:nvPr>
+        </p:nvSpPr>
+        <p:spPr>
+          <a:xfrm>
+            <a:off x="457200" y="1600200"/>
+            <a:ext cx="3770671" cy="4525963"/>
+          </a:xfrm>
+        </p:spPr>
+        <p:txBody>
+          <a:bodyPr>
+            <a:normAutofit fontScale="47500" lnSpcReduction="20000"/>
+          </a:bodyPr>
+          <a:lstStyle/>
+          <a:p>
+            <a:r>
+              <a:rPr lang="en-US" dirty="0" smtClean="0"/>
+              <a:t>Metadata management passes</a:t>
+            </a:r>
+          </a:p>
+          <a:p>
+            <a:pPr lvl="1"/>
+            <a:r>
+              <a:rPr lang="en-US" dirty="0" err="1"/>
+              <a:t>AddBridgedMetadata</a:t>
+            </a:r>
+            <a:endParaRPr lang="en-US" dirty="0"/>
+          </a:p>
+          <a:p>
+            <a:pPr lvl="1"/>
+            <a:r>
+              <a:rPr lang="en-US" dirty="0" err="1"/>
+              <a:t>AddMetadataShims</a:t>
+            </a:r>
+            <a:endParaRPr lang="en-US" dirty="0"/>
+          </a:p>
+          <a:p>
+            <a:pPr lvl="1"/>
+            <a:r>
+              <a:rPr lang="en-US" dirty="0" err="1" smtClean="0"/>
+              <a:t>CreateThreadLocalInstances</a:t>
+            </a:r>
+            <a:endParaRPr lang="en-US" dirty="0" smtClean="0"/>
+          </a:p>
+          <a:p>
+            <a:r>
+              <a:rPr lang="en-US" dirty="0" smtClean="0"/>
+              <a:t>Gateway transforms</a:t>
+            </a:r>
+          </a:p>
+          <a:p>
+            <a:pPr lvl="1"/>
+            <a:r>
+              <a:rPr lang="en-US" dirty="0" err="1" smtClean="0"/>
+              <a:t>CanonGatewayExpr</a:t>
+            </a:r>
+            <a:endParaRPr lang="en-US" dirty="0" smtClean="0"/>
+          </a:p>
+          <a:p>
+            <a:pPr lvl="1"/>
+            <a:r>
+              <a:rPr lang="en-US" dirty="0" err="1" smtClean="0"/>
+              <a:t>SplitComplexGateways</a:t>
+            </a:r>
+            <a:endParaRPr lang="en-US" dirty="0" smtClean="0"/>
+          </a:p>
+          <a:p>
+            <a:pPr lvl="1"/>
+            <a:r>
+              <a:rPr lang="en-US" dirty="0" err="1" smtClean="0"/>
+              <a:t>CheckGatewayExpr</a:t>
+            </a:r>
+            <a:endParaRPr lang="en-US" dirty="0" smtClean="0"/>
+          </a:p>
+          <a:p>
+            <a:pPr lvl="1"/>
+            <a:r>
+              <a:rPr lang="en-US" dirty="0" err="1" smtClean="0"/>
+              <a:t>SpreadGatewayAcrossSeq</a:t>
+            </a:r>
+            <a:endParaRPr lang="en-US" dirty="0" smtClean="0"/>
+          </a:p>
+          <a:p>
+            <a:r>
+              <a:rPr lang="en-US" dirty="0" smtClean="0"/>
+              <a:t>Informational passes</a:t>
+            </a:r>
+          </a:p>
+          <a:p>
+            <a:pPr lvl="1"/>
+            <a:r>
+              <a:rPr lang="en-US" dirty="0" err="1" smtClean="0"/>
+              <a:t>PhvInfo</a:t>
+            </a:r>
+            <a:endParaRPr lang="en-US" dirty="0" smtClean="0"/>
+          </a:p>
+          <a:p>
+            <a:pPr lvl="1"/>
+            <a:r>
+              <a:rPr lang="en-US" dirty="0" err="1" smtClean="0"/>
+              <a:t>FieldDefUse</a:t>
+            </a:r>
+            <a:endParaRPr lang="en-US" dirty="0" smtClean="0"/>
+          </a:p>
+          <a:p>
+            <a:pPr lvl="1"/>
+            <a:r>
+              <a:rPr lang="en-US" dirty="0" err="1" smtClean="0"/>
+              <a:t>FindDependencyGraph</a:t>
+            </a:r>
+            <a:endParaRPr lang="en-US" dirty="0" smtClean="0"/>
+          </a:p>
+          <a:p>
+            <a:pPr lvl="1"/>
+            <a:r>
+              <a:rPr lang="en-US" dirty="0" err="1" smtClean="0"/>
+              <a:t>TablesMutuallyExclusive</a:t>
+            </a:r>
+            <a:endParaRPr lang="en-US" dirty="0" smtClean="0"/>
+          </a:p>
+          <a:p>
+            <a:pPr lvl="1"/>
+            <a:r>
+              <a:rPr lang="en-US" dirty="0" err="1" smtClean="0"/>
+              <a:t>TableFindSeqDependencies</a:t>
+            </a:r>
+            <a:endParaRPr lang="en-US" dirty="0" smtClean="0"/>
+          </a:p>
+          <a:p>
+            <a:r>
+              <a:rPr lang="en-US" dirty="0" smtClean="0"/>
+              <a:t>Table Layout and Placement</a:t>
+            </a:r>
+          </a:p>
+          <a:p>
+            <a:pPr lvl="1"/>
+            <a:r>
+              <a:rPr lang="en-US" dirty="0" err="1" smtClean="0"/>
+              <a:t>TableLayout</a:t>
+            </a:r>
+            <a:endParaRPr lang="en-US" dirty="0" smtClean="0"/>
+          </a:p>
+          <a:p>
+            <a:pPr lvl="1"/>
+            <a:r>
+              <a:rPr lang="en-US" dirty="0" err="1" smtClean="0"/>
+              <a:t>TablePlacement</a:t>
+            </a:r>
+            <a:endParaRPr lang="en-US" dirty="0" smtClean="0"/>
+          </a:p>
+          <a:p>
+            <a:pPr lvl="1"/>
+            <a:r>
+              <a:rPr lang="en-US" dirty="0" err="1" smtClean="0"/>
+              <a:t>IXBarRealign</a:t>
+            </a:r>
+            <a:endParaRPr lang="en-US" dirty="0" smtClean="0"/>
+          </a:p>
+        </p:txBody>
+      </p:sp>
+      <p:sp>
+        <p:nvSpPr>
+          <p:cNvPr id="4" name="Content Placeholder 2"/>
+          <p:cNvSpPr txBox="1">
+            <a:spLocks/>
+          </p:cNvSpPr>
+          <p:nvPr/>
+        </p:nvSpPr>
+        <p:spPr>
+          <a:xfrm>
+            <a:off x="4367160" y="1600200"/>
+            <a:ext cx="3908323" cy="4678363"/>
+          </a:xfrm>
+          <a:prstGeom prst="rect">
+            <a:avLst/>
+          </a:prstGeom>
+        </p:spPr>
+        <p:txBody>
+          <a:bodyPr vert="horz" lIns="91440" tIns="45720" rIns="91440" bIns="45720" rtlCol="0">
+            <a:normAutofit/>
+          </a:bodyPr>
+          <a:lstStyle>
+            <a:lvl1pPr marL="342900" indent="-342900" algn="l" defTabSz="457200" rtl="0" eaLnBrk="1" latinLnBrk="0" hangingPunct="1">
+              <a:spcBef>
+                <a:spcPct val="20000"/>
+              </a:spcBef>
+              <a:buFont typeface="Arial"/>
+              <a:buChar char="•"/>
+              <a:defRPr sz="3200" kern="1200">
+                <a:solidFill>
+                  <a:schemeClr val="tx1"/>
+                </a:solidFill>
+                <a:latin typeface="+mn-lt"/>
+                <a:ea typeface="+mn-ea"/>
+                <a:cs typeface="+mn-cs"/>
+              </a:defRPr>
+            </a:lvl1pPr>
+            <a:lvl2pPr marL="742950" indent="-285750" algn="l" defTabSz="457200" rtl="0" eaLnBrk="1" latinLnBrk="0" hangingPunct="1">
+              <a:spcBef>
+                <a:spcPct val="20000"/>
+              </a:spcBef>
+              <a:buFont typeface="Arial"/>
+              <a:buChar char="–"/>
+              <a:defRPr sz="2800" kern="1200">
+                <a:solidFill>
+                  <a:schemeClr val="tx1"/>
+                </a:solidFill>
+                <a:latin typeface="+mn-lt"/>
+                <a:ea typeface="+mn-ea"/>
+                <a:cs typeface="+mn-cs"/>
+              </a:defRPr>
+            </a:lvl2pPr>
+            <a:lvl3pPr marL="1143000" indent="-228600" algn="l" defTabSz="457200" rtl="0" eaLnBrk="1" latinLnBrk="0" hangingPunct="1">
+              <a:spcBef>
+                <a:spcPct val="20000"/>
+              </a:spcBef>
+              <a:buFont typeface="Arial"/>
+              <a:buChar char="•"/>
+              <a:defRPr sz="2400" kern="1200">
+                <a:solidFill>
+                  <a:schemeClr val="tx1"/>
+                </a:solidFill>
+                <a:latin typeface="+mn-lt"/>
+                <a:ea typeface="+mn-ea"/>
+                <a:cs typeface="+mn-cs"/>
+              </a:defRPr>
+            </a:lvl3pPr>
+            <a:lvl4pPr marL="1600200" indent="-228600" algn="l" defTabSz="457200" rtl="0" eaLnBrk="1" latinLnBrk="0" hangingPunct="1">
+              <a:spcBef>
+                <a:spcPct val="20000"/>
+              </a:spcBef>
+              <a:buFont typeface="Arial"/>
+              <a:buChar char="–"/>
+              <a:defRPr sz="2000" kern="1200">
+                <a:solidFill>
+                  <a:schemeClr val="tx1"/>
+                </a:solidFill>
+                <a:latin typeface="+mn-lt"/>
+                <a:ea typeface="+mn-ea"/>
+                <a:cs typeface="+mn-cs"/>
+              </a:defRPr>
+            </a:lvl4pPr>
+            <a:lvl5pPr marL="2057400" indent="-228600" algn="l" defTabSz="457200" rtl="0" eaLnBrk="1" latinLnBrk="0" hangingPunct="1">
+              <a:spcBef>
+                <a:spcPct val="20000"/>
+              </a:spcBef>
+              <a:buFont typeface="Arial"/>
+              <a:buChar char="»"/>
+              <a:defRPr sz="2000" kern="1200">
+                <a:solidFill>
+                  <a:schemeClr val="tx1"/>
+                </a:solidFill>
+                <a:latin typeface="+mn-lt"/>
+                <a:ea typeface="+mn-ea"/>
+                <a:cs typeface="+mn-cs"/>
+              </a:defRPr>
+            </a:lvl5pPr>
+            <a:lvl6pPr marL="2514600" indent="-228600" algn="l" defTabSz="457200" rtl="0" eaLnBrk="1" latinLnBrk="0" hangingPunct="1">
+              <a:spcBef>
+                <a:spcPct val="20000"/>
+              </a:spcBef>
+              <a:buFont typeface="Arial"/>
+              <a:buChar char="•"/>
+              <a:defRPr sz="2000" kern="1200">
+                <a:solidFill>
+                  <a:schemeClr val="tx1"/>
+                </a:solidFill>
+                <a:latin typeface="+mn-lt"/>
+                <a:ea typeface="+mn-ea"/>
+                <a:cs typeface="+mn-cs"/>
+              </a:defRPr>
+            </a:lvl6pPr>
+            <a:lvl7pPr marL="2971800" indent="-228600" algn="l" defTabSz="457200" rtl="0" eaLnBrk="1" latinLnBrk="0" hangingPunct="1">
+              <a:spcBef>
+                <a:spcPct val="20000"/>
+              </a:spcBef>
+              <a:buFont typeface="Arial"/>
+              <a:buChar char="•"/>
+              <a:defRPr sz="2000" kern="1200">
+                <a:solidFill>
+                  <a:schemeClr val="tx1"/>
+                </a:solidFill>
+                <a:latin typeface="+mn-lt"/>
+                <a:ea typeface="+mn-ea"/>
+                <a:cs typeface="+mn-cs"/>
+              </a:defRPr>
+            </a:lvl7pPr>
+            <a:lvl8pPr marL="3429000" indent="-228600" algn="l" defTabSz="457200" rtl="0" eaLnBrk="1" latinLnBrk="0" hangingPunct="1">
+              <a:spcBef>
+                <a:spcPct val="20000"/>
+              </a:spcBef>
+              <a:buFont typeface="Arial"/>
+              <a:buChar char="•"/>
+              <a:defRPr sz="2000" kern="1200">
+                <a:solidFill>
+                  <a:schemeClr val="tx1"/>
+                </a:solidFill>
+                <a:latin typeface="+mn-lt"/>
+                <a:ea typeface="+mn-ea"/>
+                <a:cs typeface="+mn-cs"/>
+              </a:defRPr>
+            </a:lvl8pPr>
+            <a:lvl9pPr marL="3886200" indent="-228600" algn="l" defTabSz="457200" rtl="0" eaLnBrk="1" latinLnBrk="0" hangingPunct="1">
+              <a:spcBef>
+                <a:spcPct val="20000"/>
+              </a:spcBef>
+              <a:buFont typeface="Arial"/>
+              <a:buChar char="•"/>
+              <a:defRPr sz="2000" kern="1200">
+                <a:solidFill>
+                  <a:schemeClr val="tx1"/>
+                </a:solidFill>
+                <a:latin typeface="+mn-lt"/>
+                <a:ea typeface="+mn-ea"/>
+                <a:cs typeface="+mn-cs"/>
+              </a:defRPr>
+            </a:lvl9pPr>
+          </a:lstStyle>
+          <a:p>
+            <a:pPr>
+              <a:lnSpc>
+                <a:spcPct val="80000"/>
+              </a:lnSpc>
+            </a:pPr>
+            <a:r>
+              <a:rPr lang="en-US" sz="1500" dirty="0" smtClean="0"/>
+              <a:t>Parser/</a:t>
+            </a:r>
+            <a:r>
+              <a:rPr lang="en-US" sz="1500" dirty="0" err="1" smtClean="0"/>
+              <a:t>Deparser</a:t>
+            </a:r>
+            <a:r>
+              <a:rPr lang="en-US" sz="1500" dirty="0" smtClean="0"/>
+              <a:t> passes</a:t>
+            </a:r>
+          </a:p>
+          <a:p>
+            <a:pPr lvl="1">
+              <a:lnSpc>
+                <a:spcPct val="80000"/>
+              </a:lnSpc>
+            </a:pPr>
+            <a:r>
+              <a:rPr lang="en-US" sz="1300" dirty="0" err="1" smtClean="0"/>
+              <a:t>ComputeShifts</a:t>
+            </a:r>
+            <a:endParaRPr lang="en-US" sz="1300" dirty="0" smtClean="0"/>
+          </a:p>
+          <a:p>
+            <a:pPr lvl="1">
+              <a:lnSpc>
+                <a:spcPct val="80000"/>
+              </a:lnSpc>
+            </a:pPr>
+            <a:r>
+              <a:rPr lang="en-US" sz="1300" dirty="0" err="1" smtClean="0"/>
+              <a:t>SplitExtractEmit</a:t>
+            </a:r>
+            <a:endParaRPr lang="en-US" sz="1300" dirty="0" smtClean="0"/>
+          </a:p>
+          <a:p>
+            <a:pPr lvl="1">
+              <a:lnSpc>
+                <a:spcPct val="80000"/>
+              </a:lnSpc>
+            </a:pPr>
+            <a:r>
+              <a:rPr lang="en-US" sz="1300" dirty="0" err="1" smtClean="0"/>
+              <a:t>SplitBigStates</a:t>
+            </a:r>
+            <a:endParaRPr lang="en-US" sz="1300" dirty="0" smtClean="0"/>
+          </a:p>
+          <a:p>
+            <a:pPr lvl="1">
+              <a:lnSpc>
+                <a:spcPct val="80000"/>
+              </a:lnSpc>
+            </a:pPr>
+            <a:r>
+              <a:rPr lang="en-US" sz="1300" dirty="0" err="1" smtClean="0"/>
+              <a:t>LoadMatchKeys</a:t>
+            </a:r>
+            <a:endParaRPr lang="en-US" sz="1300" dirty="0" smtClean="0"/>
+          </a:p>
+          <a:p>
+            <a:pPr>
+              <a:lnSpc>
+                <a:spcPct val="80000"/>
+              </a:lnSpc>
+            </a:pPr>
+            <a:r>
+              <a:rPr lang="en-US" sz="1500" dirty="0" smtClean="0"/>
+              <a:t>PHV </a:t>
+            </a:r>
+            <a:r>
+              <a:rPr lang="en-US" sz="1500" dirty="0" smtClean="0"/>
+              <a:t>Allocation</a:t>
+            </a:r>
+          </a:p>
+          <a:p>
+            <a:pPr lvl="1">
+              <a:lnSpc>
+                <a:spcPct val="80000"/>
+              </a:lnSpc>
+            </a:pPr>
+            <a:r>
+              <a:rPr lang="en-US" sz="1300" dirty="0" smtClean="0"/>
+              <a:t>PHV::</a:t>
+            </a:r>
+            <a:r>
+              <a:rPr lang="en-US" sz="1300" dirty="0" err="1" smtClean="0"/>
+              <a:t>TrivialAlloc</a:t>
+            </a:r>
+            <a:endParaRPr lang="en-US" sz="1300" dirty="0" smtClean="0"/>
+          </a:p>
+          <a:p>
+            <a:pPr lvl="1">
+              <a:lnSpc>
+                <a:spcPct val="80000"/>
+              </a:lnSpc>
+            </a:pPr>
+            <a:r>
+              <a:rPr lang="en-US" sz="1300" dirty="0" err="1" smtClean="0"/>
+              <a:t>PhvAllocator</a:t>
+            </a:r>
+            <a:endParaRPr lang="en-US" sz="1300" dirty="0" smtClean="0"/>
+          </a:p>
+          <a:p>
+            <a:pPr lvl="1">
+              <a:lnSpc>
+                <a:spcPct val="80000"/>
+              </a:lnSpc>
+            </a:pPr>
+            <a:r>
+              <a:rPr lang="en-US" sz="1300" dirty="0" err="1" smtClean="0"/>
+              <a:t>MauPhvConstraints</a:t>
+            </a:r>
+            <a:endParaRPr lang="en-US" sz="1300" dirty="0" smtClean="0"/>
+          </a:p>
+          <a:p>
+            <a:pPr lvl="1">
+              <a:lnSpc>
+                <a:spcPct val="80000"/>
+              </a:lnSpc>
+            </a:pPr>
+            <a:r>
+              <a:rPr lang="en-US" sz="1300" dirty="0" err="1" smtClean="0"/>
+              <a:t>SplitPhvUse</a:t>
+            </a:r>
+            <a:endParaRPr lang="en-US" sz="1300" dirty="0" smtClean="0"/>
+          </a:p>
+          <a:p>
+            <a:pPr>
+              <a:lnSpc>
+                <a:spcPct val="80000"/>
+              </a:lnSpc>
+            </a:pPr>
+            <a:r>
+              <a:rPr lang="en-US" sz="1500" dirty="0" smtClean="0"/>
+              <a:t>Miscellaneous passes</a:t>
+            </a:r>
+            <a:endParaRPr lang="en-US" sz="1500" dirty="0" smtClean="0"/>
+          </a:p>
+          <a:p>
+            <a:pPr lvl="1">
+              <a:lnSpc>
+                <a:spcPct val="80000"/>
+              </a:lnSpc>
+            </a:pPr>
+            <a:r>
+              <a:rPr lang="en-US" sz="1300" dirty="0" err="1"/>
+              <a:t>CopyHeaderEliminator</a:t>
+            </a:r>
+            <a:endParaRPr lang="en-US" sz="1300" dirty="0"/>
+          </a:p>
+          <a:p>
+            <a:pPr lvl="1">
+              <a:lnSpc>
+                <a:spcPct val="80000"/>
+              </a:lnSpc>
+            </a:pPr>
+            <a:r>
+              <a:rPr lang="en-US" sz="1300" dirty="0" err="1"/>
+              <a:t>CheckTableNameDuplicate</a:t>
+            </a:r>
+            <a:endParaRPr lang="en-US" sz="1300" dirty="0"/>
+          </a:p>
+          <a:p>
+            <a:pPr lvl="1">
+              <a:lnSpc>
+                <a:spcPct val="80000"/>
+              </a:lnSpc>
+            </a:pPr>
+            <a:r>
+              <a:rPr lang="en-US" sz="1300" dirty="0" err="1"/>
+              <a:t>DumpPipe</a:t>
+            </a:r>
+            <a:endParaRPr lang="en-US" sz="1300" dirty="0"/>
+          </a:p>
+          <a:p>
+            <a:pPr lvl="1">
+              <a:lnSpc>
+                <a:spcPct val="80000"/>
+              </a:lnSpc>
+            </a:pPr>
+            <a:r>
+              <a:rPr lang="en-US" sz="1300" dirty="0" err="1"/>
+              <a:t>ElimUnused</a:t>
+            </a:r>
+            <a:endParaRPr lang="en-US" sz="1300" dirty="0"/>
+          </a:p>
+          <a:p>
+            <a:pPr lvl="1">
+              <a:lnSpc>
+                <a:spcPct val="80000"/>
+              </a:lnSpc>
+            </a:pPr>
+            <a:r>
+              <a:rPr lang="en-US" sz="1300" dirty="0" err="1" smtClean="0"/>
+              <a:t>InstructionSelection</a:t>
+            </a:r>
+            <a:endParaRPr lang="en-US" sz="1500" dirty="0" smtClean="0"/>
+          </a:p>
+          <a:p>
+            <a:pPr>
+              <a:lnSpc>
+                <a:spcPct val="80000"/>
+              </a:lnSpc>
+            </a:pPr>
+            <a:r>
+              <a:rPr lang="en-US" sz="1500" dirty="0" err="1" smtClean="0"/>
+              <a:t>Asm</a:t>
+            </a:r>
+            <a:r>
+              <a:rPr lang="en-US" sz="1500" dirty="0" smtClean="0"/>
+              <a:t> Generation</a:t>
+            </a:r>
+          </a:p>
+          <a:p>
+            <a:pPr lvl="1">
+              <a:lnSpc>
+                <a:spcPct val="80000"/>
+              </a:lnSpc>
+            </a:pPr>
+            <a:r>
+              <a:rPr lang="en-US" sz="1300" dirty="0" err="1" smtClean="0"/>
+              <a:t>ParserAsmOutput</a:t>
+            </a:r>
+            <a:endParaRPr lang="en-US" sz="1300" dirty="0" smtClean="0"/>
+          </a:p>
+          <a:p>
+            <a:pPr lvl="1">
+              <a:lnSpc>
+                <a:spcPct val="80000"/>
+              </a:lnSpc>
+            </a:pPr>
+            <a:r>
+              <a:rPr lang="en-US" sz="1300" dirty="0" err="1" smtClean="0"/>
+              <a:t>MauAsmOutput</a:t>
+            </a:r>
+            <a:endParaRPr lang="en-US" sz="1300" dirty="0" smtClean="0"/>
+          </a:p>
+          <a:p>
+            <a:pPr lvl="1">
+              <a:lnSpc>
+                <a:spcPct val="80000"/>
+              </a:lnSpc>
+            </a:pPr>
+            <a:r>
+              <a:rPr lang="en-US" sz="1300" dirty="0" err="1" smtClean="0"/>
+              <a:t>DeparserAsmOutput</a:t>
+            </a:r>
+            <a:endParaRPr lang="en-US" sz="1300" dirty="0" smtClean="0"/>
+          </a:p>
+          <a:p>
+            <a:pPr marL="457200" lvl="1" indent="0">
+              <a:buFont typeface="Arial"/>
+              <a:buNone/>
+            </a:pPr>
+            <a:endParaRPr lang="en-US" sz="1600" dirty="0" smtClean="0"/>
+          </a:p>
+        </p:txBody>
+      </p:sp>
+    </p:spTree>
+    <p:extLst>
+      <p:ext uri="{BB962C8B-B14F-4D97-AF65-F5344CB8AC3E}">
+        <p14:creationId xmlns:p14="http://schemas.microsoft.com/office/powerpoint/2010/main" val="1342512550"/>
+      </p:ext>
+    </p:extLst>
+  </p:cSld>
+  <p:clrMapOvr>
+    <a:masterClrMapping/>
+  </p:clrMapOvr>
+</p:sld>
+</file>
+
+<file path=ppt/slides/slide13.xml><?xml version="1.0" encoding="utf-8"?>
+<p:sld xmlns:a="http://schemas.openxmlformats.org/drawingml/2006/main" xmlns:r="http://schemas.openxmlformats.org/officeDocument/2006/relationships" xmlns:p="http://schemas.openxmlformats.org/presentationml/2006/main">
+  <p:cSld>
+    <p:spTree>
+      <p:nvGrpSpPr>
+        <p:cNvPr id="1" name=""/>
+        <p:cNvGrpSpPr/>
+        <p:nvPr/>
+      </p:nvGrpSpPr>
+      <p:grpSpPr>
+        <a:xfrm>
+          <a:off x="0" y="0"/>
+          <a:ext cx="0" cy="0"/>
+          <a:chOff x="0" y="0"/>
+          <a:chExt cx="0" cy="0"/>
+        </a:xfrm>
+      </p:grpSpPr>
+      <p:sp>
+        <p:nvSpPr>
+          <p:cNvPr id="2" name="Title 1"/>
+          <p:cNvSpPr>
+            <a:spLocks noGrp="1"/>
+          </p:cNvSpPr>
+          <p:nvPr>
+            <p:ph type="title"/>
+          </p:nvPr>
+        </p:nvSpPr>
+        <p:spPr/>
+        <p:txBody>
+          <a:bodyPr/>
+          <a:lstStyle/>
+          <a:p>
+            <a:r>
+              <a:rPr lang="en-US" dirty="0" smtClean="0"/>
+              <a:t>Informational Passes</a:t>
+            </a:r>
+            <a:endParaRPr lang="en-US" dirty="0"/>
+          </a:p>
+        </p:txBody>
+      </p:sp>
+      <p:sp>
+        <p:nvSpPr>
+          <p:cNvPr id="3" name="Content Placeholder 2"/>
+          <p:cNvSpPr>
+            <a:spLocks noGrp="1"/>
+          </p:cNvSpPr>
+          <p:nvPr>
+            <p:ph idx="1"/>
+          </p:nvPr>
+        </p:nvSpPr>
+        <p:spPr/>
+        <p:txBody>
+          <a:bodyPr>
+            <a:normAutofit fontScale="55000" lnSpcReduction="20000"/>
+          </a:bodyPr>
+          <a:lstStyle/>
+          <a:p>
+            <a:r>
+              <a:rPr lang="en-US" dirty="0" err="1" smtClean="0"/>
+              <a:t>PhvInfo</a:t>
+            </a:r>
+            <a:endParaRPr lang="en-US" dirty="0" smtClean="0"/>
+          </a:p>
+          <a:p>
+            <a:pPr lvl="1"/>
+            <a:r>
+              <a:rPr lang="en-US" dirty="0" smtClean="0"/>
+              <a:t>Collects all the fields and other things in the program that need to be allocated in the PHV</a:t>
+            </a:r>
+          </a:p>
+          <a:p>
+            <a:pPr lvl="1"/>
+            <a:r>
+              <a:rPr lang="en-US" dirty="0" smtClean="0"/>
+              <a:t>Place for PHV allocation to store its results</a:t>
+            </a:r>
+          </a:p>
+          <a:p>
+            <a:pPr lvl="1"/>
+            <a:r>
+              <a:rPr lang="en-US" dirty="0" smtClean="0"/>
+              <a:t>Helper functions for getting the information (a </a:t>
+            </a:r>
+            <a:r>
+              <a:rPr lang="en-US" dirty="0" err="1" smtClean="0"/>
+              <a:t>PhvInfo</a:t>
+            </a:r>
+            <a:r>
+              <a:rPr lang="en-US" dirty="0" smtClean="0"/>
+              <a:t>::Field) related to any IR::Expression</a:t>
+            </a:r>
+          </a:p>
+          <a:p>
+            <a:r>
+              <a:rPr lang="en-US" dirty="0" err="1" smtClean="0"/>
+              <a:t>FieldDefUse</a:t>
+            </a:r>
+            <a:endParaRPr lang="en-US" dirty="0" smtClean="0"/>
+          </a:p>
+          <a:p>
+            <a:pPr lvl="1"/>
+            <a:r>
+              <a:rPr lang="en-US" dirty="0" smtClean="0"/>
+              <a:t>Collects information about all program components that read and write every field</a:t>
+            </a:r>
+          </a:p>
+          <a:p>
+            <a:pPr lvl="1"/>
+            <a:r>
+              <a:rPr lang="en-US" dirty="0" smtClean="0"/>
+              <a:t>Helper functions for querying the writes that reach any given read or reads that use any given write</a:t>
+            </a:r>
+          </a:p>
+          <a:p>
+            <a:pPr lvl="1"/>
+            <a:r>
+              <a:rPr lang="en-US" dirty="0" smtClean="0"/>
+              <a:t>Conflict matrix recording fields with overlapping live ranges (after table placement)</a:t>
+            </a:r>
+          </a:p>
+          <a:p>
+            <a:r>
+              <a:rPr lang="en-US" dirty="0" err="1" smtClean="0"/>
+              <a:t>FindDependencyGraph</a:t>
+            </a:r>
+            <a:endParaRPr lang="en-US" dirty="0" smtClean="0"/>
+          </a:p>
+          <a:p>
+            <a:pPr lvl="1"/>
+            <a:r>
+              <a:rPr lang="en-US" dirty="0" smtClean="0"/>
+              <a:t>Finds Match/Action/</a:t>
+            </a:r>
+            <a:r>
+              <a:rPr lang="en-US" dirty="0" err="1" smtClean="0"/>
+              <a:t>WriteAfterRead</a:t>
+            </a:r>
+            <a:r>
+              <a:rPr lang="en-US" dirty="0" smtClean="0"/>
+              <a:t> dependencies between tables globally</a:t>
+            </a:r>
+          </a:p>
+          <a:p>
+            <a:r>
+              <a:rPr lang="en-US" dirty="0" err="1" smtClean="0"/>
+              <a:t>TableFindSeqDependencies</a:t>
+            </a:r>
+            <a:endParaRPr lang="en-US" dirty="0" smtClean="0"/>
+          </a:p>
+          <a:p>
+            <a:pPr lvl="1"/>
+            <a:r>
+              <a:rPr lang="en-US" dirty="0" smtClean="0"/>
+              <a:t>Find dependencies between tables in a </a:t>
+            </a:r>
+            <a:r>
+              <a:rPr lang="en-US" dirty="0" err="1" smtClean="0"/>
+              <a:t>TableSeq</a:t>
+            </a:r>
+            <a:r>
+              <a:rPr lang="en-US" dirty="0" smtClean="0"/>
+              <a:t> (including between control dependent tables)</a:t>
+            </a:r>
+          </a:p>
+          <a:p>
+            <a:r>
+              <a:rPr lang="en-US" dirty="0" err="1" smtClean="0"/>
+              <a:t>TablesMutuallyExclusive</a:t>
+            </a:r>
+            <a:endParaRPr lang="en-US" dirty="0" smtClean="0"/>
+          </a:p>
+          <a:p>
+            <a:pPr lvl="1"/>
+            <a:r>
+              <a:rPr lang="en-US" dirty="0" smtClean="0"/>
+              <a:t>Find table pairs that are mutually exclusive (can never both run on a single packet)</a:t>
+            </a:r>
+            <a:endParaRPr lang="en-US" dirty="0"/>
+          </a:p>
+        </p:txBody>
+      </p:sp>
+    </p:spTree>
+    <p:extLst>
+      <p:ext uri="{BB962C8B-B14F-4D97-AF65-F5344CB8AC3E}">
+        <p14:creationId xmlns:p14="http://schemas.microsoft.com/office/powerpoint/2010/main" val="2032543220"/>
+      </p:ext>
+    </p:extLst>
+  </p:cSld>
+  <p:clrMapOvr>
+    <a:masterClrMapping/>
+  </p:clrMapOvr>
+</p:sld>
+</file>
+
+<file path=ppt/slides/slide14.xml><?xml version="1.0" encoding="utf-8"?>
+<p:sld xmlns:a="http://schemas.openxmlformats.org/drawingml/2006/main" xmlns:r="http://schemas.openxmlformats.org/officeDocument/2006/relationships" xmlns:p="http://schemas.openxmlformats.org/presentationml/2006/main">
+  <p:cSld>
+    <p:spTree>
+      <p:nvGrpSpPr>
+        <p:cNvPr id="1" name=""/>
+        <p:cNvGrpSpPr/>
+        <p:nvPr/>
+      </p:nvGrpSpPr>
+      <p:grpSpPr>
+        <a:xfrm>
+          <a:off x="0" y="0"/>
+          <a:ext cx="0" cy="0"/>
+          <a:chOff x="0" y="0"/>
+          <a:chExt cx="0" cy="0"/>
+        </a:xfrm>
+      </p:grpSpPr>
+      <p:sp>
+        <p:nvSpPr>
+          <p:cNvPr id="2" name="Title 1"/>
+          <p:cNvSpPr>
+            <a:spLocks noGrp="1"/>
+          </p:cNvSpPr>
+          <p:nvPr>
+            <p:ph type="title"/>
+          </p:nvPr>
+        </p:nvSpPr>
+        <p:spPr/>
+        <p:txBody>
+          <a:bodyPr>
+            <a:normAutofit/>
+          </a:bodyPr>
+          <a:lstStyle/>
+          <a:p>
+            <a:r>
+              <a:rPr lang="en-US" dirty="0" smtClean="0"/>
+              <a:t>Metadata management</a:t>
+            </a:r>
+            <a:endParaRPr lang="en-US" dirty="0"/>
+          </a:p>
+        </p:txBody>
+      </p:sp>
+      <p:sp>
+        <p:nvSpPr>
+          <p:cNvPr id="3" name="Content Placeholder 2"/>
+          <p:cNvSpPr>
+            <a:spLocks noGrp="1"/>
+          </p:cNvSpPr>
+          <p:nvPr>
+            <p:ph idx="1"/>
+          </p:nvPr>
+        </p:nvSpPr>
+        <p:spPr/>
+        <p:txBody>
+          <a:bodyPr>
+            <a:normAutofit fontScale="92500"/>
+          </a:bodyPr>
+          <a:lstStyle/>
+          <a:p>
+            <a:r>
+              <a:rPr lang="en-US" dirty="0" err="1" smtClean="0"/>
+              <a:t>AddBridgedMetadata</a:t>
+            </a:r>
+            <a:endParaRPr lang="en-US" dirty="0"/>
+          </a:p>
+          <a:p>
+            <a:pPr lvl="1"/>
+            <a:r>
+              <a:rPr lang="en-US" dirty="0" smtClean="0"/>
+              <a:t>Adds a fake header </a:t>
+            </a:r>
+            <a:r>
+              <a:rPr lang="en-US" dirty="0" err="1" smtClean="0"/>
+              <a:t>deparsed</a:t>
+            </a:r>
+            <a:r>
+              <a:rPr lang="en-US" dirty="0" smtClean="0"/>
+              <a:t> by ingress and parsed by egress to carry metadata from ingress to egress</a:t>
+            </a:r>
+          </a:p>
+          <a:p>
+            <a:r>
+              <a:rPr lang="en-US" dirty="0" err="1" smtClean="0"/>
+              <a:t>AddMetadataShims</a:t>
+            </a:r>
+            <a:endParaRPr lang="en-US" dirty="0" smtClean="0"/>
+          </a:p>
+          <a:p>
+            <a:pPr lvl="1"/>
+            <a:r>
+              <a:rPr lang="en-US" dirty="0" smtClean="0"/>
+              <a:t>Add extra extracts for input metadata for both ingress and egress</a:t>
+            </a:r>
+          </a:p>
+          <a:p>
+            <a:r>
+              <a:rPr lang="en-US" dirty="0" err="1" smtClean="0"/>
+              <a:t>CreateThreadLocalInstances</a:t>
+            </a:r>
+            <a:endParaRPr lang="en-US" dirty="0" smtClean="0"/>
+          </a:p>
+          <a:p>
+            <a:pPr lvl="1"/>
+            <a:r>
+              <a:rPr lang="en-US" dirty="0" smtClean="0"/>
+              <a:t>Ensure all fields have unique names across both ingress and egress</a:t>
+            </a:r>
+          </a:p>
+        </p:txBody>
+      </p:sp>
+    </p:spTree>
+    <p:extLst>
+      <p:ext uri="{BB962C8B-B14F-4D97-AF65-F5344CB8AC3E}">
+        <p14:creationId xmlns:p14="http://schemas.microsoft.com/office/powerpoint/2010/main" val="3225936690"/>
+      </p:ext>
+    </p:extLst>
+  </p:cSld>
+  <p:clrMapOvr>
+    <a:masterClrMapping/>
+  </p:clrMapOvr>
+</p:sld>
+</file>
+
+<file path=ppt/slides/slide15.xml><?xml version="1.0" encoding="utf-8"?>
+<p:sld xmlns:a="http://schemas.openxmlformats.org/drawingml/2006/main" xmlns:r="http://schemas.openxmlformats.org/officeDocument/2006/relationships" xmlns:p="http://schemas.openxmlformats.org/presentationml/2006/main">
+  <p:cSld>
+    <p:spTree>
+      <p:nvGrpSpPr>
+        <p:cNvPr id="1" name=""/>
+        <p:cNvGrpSpPr/>
+        <p:nvPr/>
+      </p:nvGrpSpPr>
+      <p:grpSpPr>
+        <a:xfrm>
+          <a:off x="0" y="0"/>
+          <a:ext cx="0" cy="0"/>
+          <a:chOff x="0" y="0"/>
+          <a:chExt cx="0" cy="0"/>
+        </a:xfrm>
+      </p:grpSpPr>
+      <p:sp>
+        <p:nvSpPr>
+          <p:cNvPr id="2" name="Title 1"/>
+          <p:cNvSpPr>
+            <a:spLocks noGrp="1"/>
+          </p:cNvSpPr>
+          <p:nvPr>
+            <p:ph type="title"/>
+          </p:nvPr>
+        </p:nvSpPr>
+        <p:spPr/>
+        <p:txBody>
+          <a:bodyPr/>
+          <a:lstStyle/>
+          <a:p>
+            <a:r>
+              <a:rPr lang="en-US" dirty="0" smtClean="0"/>
+              <a:t>Gateway Transforms</a:t>
+            </a:r>
+            <a:endParaRPr lang="en-US" dirty="0"/>
+          </a:p>
+        </p:txBody>
+      </p:sp>
+      <p:sp>
+        <p:nvSpPr>
+          <p:cNvPr id="3" name="Content Placeholder 2"/>
+          <p:cNvSpPr>
+            <a:spLocks noGrp="1"/>
+          </p:cNvSpPr>
+          <p:nvPr>
+            <p:ph idx="1"/>
+          </p:nvPr>
+        </p:nvSpPr>
+        <p:spPr/>
+        <p:txBody>
+          <a:bodyPr>
+            <a:normAutofit fontScale="77500" lnSpcReduction="20000"/>
+          </a:bodyPr>
+          <a:lstStyle/>
+          <a:p>
+            <a:r>
+              <a:rPr lang="en-US" dirty="0" err="1" smtClean="0"/>
+              <a:t>CanonGatewayExpr</a:t>
+            </a:r>
+            <a:endParaRPr lang="en-US" dirty="0" smtClean="0"/>
+          </a:p>
+          <a:p>
+            <a:pPr lvl="1"/>
+            <a:r>
+              <a:rPr lang="en-US" dirty="0" smtClean="0"/>
+              <a:t>Transforms gateway expressions into canonical (disjunctive normal) form for easier processing</a:t>
+            </a:r>
+          </a:p>
+          <a:p>
+            <a:r>
+              <a:rPr lang="en-US" dirty="0" err="1" smtClean="0"/>
+              <a:t>SplitComplexGateways</a:t>
+            </a:r>
+            <a:endParaRPr lang="en-US" dirty="0" smtClean="0"/>
+          </a:p>
+          <a:p>
+            <a:pPr lvl="1"/>
+            <a:r>
+              <a:rPr lang="en-US" dirty="0" smtClean="0"/>
+              <a:t>Find gateway expressions that are too complex to fit in a single </a:t>
+            </a:r>
+            <a:r>
+              <a:rPr lang="en-US" dirty="0" err="1" smtClean="0"/>
+              <a:t>Tofino</a:t>
+            </a:r>
+            <a:r>
+              <a:rPr lang="en-US" dirty="0" smtClean="0"/>
+              <a:t> gateway block and split them</a:t>
+            </a:r>
+          </a:p>
+          <a:p>
+            <a:r>
+              <a:rPr lang="en-US" dirty="0" err="1" smtClean="0"/>
+              <a:t>CheckGatewayExpr</a:t>
+            </a:r>
+            <a:endParaRPr lang="en-US" dirty="0" smtClean="0"/>
+          </a:p>
+          <a:p>
+            <a:pPr lvl="1"/>
+            <a:r>
+              <a:rPr lang="en-US" dirty="0" smtClean="0"/>
+              <a:t>Check for gateway expressions that are too complex for </a:t>
+            </a:r>
+            <a:r>
+              <a:rPr lang="en-US" dirty="0" err="1" smtClean="0"/>
+              <a:t>Tofino</a:t>
+            </a:r>
+            <a:r>
+              <a:rPr lang="en-US" dirty="0" smtClean="0"/>
+              <a:t> and issue error messages</a:t>
+            </a:r>
+          </a:p>
+          <a:p>
+            <a:r>
+              <a:rPr lang="en-US" dirty="0" err="1" smtClean="0"/>
+              <a:t>SpreadGatewayAcrossSeq</a:t>
+            </a:r>
+            <a:endParaRPr lang="en-US" dirty="0" smtClean="0"/>
+          </a:p>
+          <a:p>
+            <a:pPr lvl="1"/>
+            <a:r>
+              <a:rPr lang="en-US" dirty="0" smtClean="0"/>
+              <a:t>Find gateways that control a sequence of tables and duplicate them so each table has its own gateway, rather than all being control dependent on a single gateway (improves table placement possibilities)</a:t>
+            </a:r>
+          </a:p>
+        </p:txBody>
+      </p:sp>
+    </p:spTree>
+    <p:extLst>
+      <p:ext uri="{BB962C8B-B14F-4D97-AF65-F5344CB8AC3E}">
+        <p14:creationId xmlns:p14="http://schemas.microsoft.com/office/powerpoint/2010/main" val="1996634768"/>
+      </p:ext>
+    </p:extLst>
+  </p:cSld>
+  <p:clrMapOvr>
+    <a:masterClrMapping/>
+  </p:clrMapOvr>
+</p:sld>
+</file>
+
+<file path=ppt/slides/slide16.xml><?xml version="1.0" encoding="utf-8"?>
+<p:sld xmlns:a="http://schemas.openxmlformats.org/drawingml/2006/main" xmlns:r="http://schemas.openxmlformats.org/officeDocument/2006/relationships" xmlns:p="http://schemas.openxmlformats.org/presentationml/2006/main">
+  <p:cSld>
+    <p:spTree>
+      <p:nvGrpSpPr>
+        <p:cNvPr id="1" name=""/>
+        <p:cNvGrpSpPr/>
+        <p:nvPr/>
+      </p:nvGrpSpPr>
+      <p:grpSpPr>
+        <a:xfrm>
+          <a:off x="0" y="0"/>
+          <a:ext cx="0" cy="0"/>
+          <a:chOff x="0" y="0"/>
+          <a:chExt cx="0" cy="0"/>
+        </a:xfrm>
+      </p:grpSpPr>
+      <p:sp>
+        <p:nvSpPr>
+          <p:cNvPr id="2" name="Title 1"/>
+          <p:cNvSpPr>
+            <a:spLocks noGrp="1"/>
+          </p:cNvSpPr>
+          <p:nvPr>
+            <p:ph type="title"/>
+          </p:nvPr>
+        </p:nvSpPr>
+        <p:spPr/>
+        <p:txBody>
+          <a:bodyPr/>
+          <a:lstStyle/>
+          <a:p>
+            <a:r>
+              <a:rPr lang="en-US" dirty="0" smtClean="0"/>
+              <a:t>Table Layout and Placement</a:t>
+            </a:r>
+            <a:endParaRPr lang="en-US" dirty="0"/>
+          </a:p>
+        </p:txBody>
+      </p:sp>
+      <p:sp>
+        <p:nvSpPr>
+          <p:cNvPr id="3" name="Content Placeholder 2"/>
+          <p:cNvSpPr>
+            <a:spLocks noGrp="1"/>
+          </p:cNvSpPr>
+          <p:nvPr>
+            <p:ph idx="1"/>
+          </p:nvPr>
+        </p:nvSpPr>
+        <p:spPr/>
+        <p:txBody>
+          <a:bodyPr>
+            <a:normAutofit fontScale="70000" lnSpcReduction="20000"/>
+          </a:bodyPr>
+          <a:lstStyle/>
+          <a:p>
+            <a:r>
+              <a:rPr lang="en-US" dirty="0" err="1" smtClean="0"/>
+              <a:t>TableLayout</a:t>
+            </a:r>
+            <a:endParaRPr lang="en-US" dirty="0" smtClean="0"/>
+          </a:p>
+          <a:p>
+            <a:pPr lvl="1"/>
+            <a:r>
+              <a:rPr lang="en-US" dirty="0" smtClean="0"/>
+              <a:t>Figure out the “shape” of tables – how many </a:t>
+            </a:r>
+            <a:r>
+              <a:rPr lang="en-US" dirty="0" err="1" smtClean="0"/>
+              <a:t>xbar</a:t>
+            </a:r>
+            <a:r>
+              <a:rPr lang="en-US" dirty="0" smtClean="0"/>
+              <a:t> groups and width of matches, how to pack action data into overhead or action data tables, how many ways for exact match</a:t>
+            </a:r>
+          </a:p>
+          <a:p>
+            <a:r>
+              <a:rPr lang="en-US" dirty="0" err="1" smtClean="0"/>
+              <a:t>TablePlacement</a:t>
+            </a:r>
+            <a:endParaRPr lang="en-US" dirty="0" smtClean="0"/>
+          </a:p>
+          <a:p>
+            <a:pPr lvl="1"/>
+            <a:r>
+              <a:rPr lang="en-US" dirty="0" smtClean="0"/>
+              <a:t>Pick logical order for tables, reordering non-dependent tables to fit</a:t>
+            </a:r>
+          </a:p>
+          <a:p>
+            <a:pPr lvl="1"/>
+            <a:r>
+              <a:rPr lang="en-US" dirty="0" smtClean="0"/>
+              <a:t>Split tables across stages if they’re too big for one stage</a:t>
+            </a:r>
+          </a:p>
+          <a:p>
+            <a:pPr lvl="1"/>
+            <a:r>
+              <a:rPr lang="en-US" dirty="0" smtClean="0"/>
+              <a:t>Combine match tables with gateways in a single logical table</a:t>
+            </a:r>
+          </a:p>
+          <a:p>
+            <a:pPr lvl="1"/>
+            <a:r>
+              <a:rPr lang="en-US" dirty="0" smtClean="0"/>
+              <a:t>Allocate rams, </a:t>
+            </a:r>
+            <a:r>
+              <a:rPr lang="en-US" dirty="0" err="1" smtClean="0"/>
+              <a:t>tcams</a:t>
+            </a:r>
+            <a:r>
+              <a:rPr lang="en-US" dirty="0" smtClean="0"/>
+              <a:t>, and </a:t>
+            </a:r>
+            <a:r>
+              <a:rPr lang="en-US" dirty="0" err="1" smtClean="0"/>
+              <a:t>ixbar</a:t>
+            </a:r>
+            <a:r>
+              <a:rPr lang="en-US" dirty="0" smtClean="0"/>
+              <a:t> space for tables</a:t>
+            </a:r>
+          </a:p>
+          <a:p>
+            <a:r>
+              <a:rPr lang="en-US" dirty="0" err="1" smtClean="0"/>
+              <a:t>IXBar</a:t>
+            </a:r>
+            <a:r>
+              <a:rPr lang="en-US" dirty="0" smtClean="0"/>
+              <a:t> realign</a:t>
+            </a:r>
+          </a:p>
+          <a:p>
+            <a:pPr lvl="1"/>
+            <a:r>
+              <a:rPr lang="en-US" dirty="0" smtClean="0"/>
+              <a:t>Rearrange data in </a:t>
+            </a:r>
+            <a:r>
+              <a:rPr lang="en-US" dirty="0" err="1" smtClean="0"/>
+              <a:t>ixbar</a:t>
+            </a:r>
+            <a:r>
+              <a:rPr lang="en-US" dirty="0" smtClean="0"/>
+              <a:t> to meet alignment constraints with respect to PHV use.</a:t>
+            </a:r>
+          </a:p>
+          <a:p>
+            <a:pPr lvl="1"/>
+            <a:r>
+              <a:rPr lang="en-US" dirty="0" smtClean="0"/>
+              <a:t>Backtrack to redo Layout and Placement if it fails</a:t>
+            </a:r>
+            <a:endParaRPr lang="en-US" dirty="0"/>
+          </a:p>
+        </p:txBody>
+      </p:sp>
+    </p:spTree>
+    <p:extLst>
+      <p:ext uri="{BB962C8B-B14F-4D97-AF65-F5344CB8AC3E}">
+        <p14:creationId xmlns:p14="http://schemas.microsoft.com/office/powerpoint/2010/main" val="3657982899"/>
+      </p:ext>
+    </p:extLst>
+  </p:cSld>
+  <p:clrMapOvr>
+    <a:masterClrMapping/>
+  </p:clrMapOvr>
+</p:sld>
+</file>
+
+<file path=ppt/slides/slide17.xml><?xml version="1.0" encoding="utf-8"?>
+<p:sld xmlns:a="http://schemas.openxmlformats.org/drawingml/2006/main" xmlns:r="http://schemas.openxmlformats.org/officeDocument/2006/relationships" xmlns:p="http://schemas.openxmlformats.org/presentationml/2006/main">
+  <p:cSld>
+    <p:spTree>
+      <p:nvGrpSpPr>
+        <p:cNvPr id="1" name=""/>
+        <p:cNvGrpSpPr/>
+        <p:nvPr/>
+      </p:nvGrpSpPr>
+      <p:grpSpPr>
+        <a:xfrm>
+          <a:off x="0" y="0"/>
+          <a:ext cx="0" cy="0"/>
+          <a:chOff x="0" y="0"/>
+          <a:chExt cx="0" cy="0"/>
+        </a:xfrm>
+      </p:grpSpPr>
+      <p:sp>
+        <p:nvSpPr>
+          <p:cNvPr id="2" name="Title 1"/>
+          <p:cNvSpPr>
+            <a:spLocks noGrp="1"/>
+          </p:cNvSpPr>
+          <p:nvPr>
+            <p:ph type="title"/>
+          </p:nvPr>
+        </p:nvSpPr>
+        <p:spPr/>
+        <p:txBody>
+          <a:bodyPr/>
+          <a:lstStyle/>
+          <a:p>
+            <a:r>
+              <a:rPr lang="en-US" dirty="0" smtClean="0"/>
+              <a:t>Parser/</a:t>
+            </a:r>
+            <a:r>
+              <a:rPr lang="en-US" dirty="0" err="1" smtClean="0"/>
+              <a:t>Deparser</a:t>
+            </a:r>
+            <a:r>
+              <a:rPr lang="en-US" dirty="0" smtClean="0"/>
+              <a:t> related passes</a:t>
+            </a:r>
+            <a:endParaRPr lang="en-US" dirty="0"/>
+          </a:p>
+        </p:txBody>
+      </p:sp>
+      <p:sp>
+        <p:nvSpPr>
+          <p:cNvPr id="3" name="Content Placeholder 2"/>
+          <p:cNvSpPr>
+            <a:spLocks noGrp="1"/>
+          </p:cNvSpPr>
+          <p:nvPr>
+            <p:ph idx="1"/>
+          </p:nvPr>
+        </p:nvSpPr>
+        <p:spPr/>
+        <p:txBody>
+          <a:bodyPr>
+            <a:normAutofit fontScale="85000" lnSpcReduction="10000"/>
+          </a:bodyPr>
+          <a:lstStyle/>
+          <a:p>
+            <a:r>
+              <a:rPr lang="en-US" dirty="0" err="1" smtClean="0"/>
+              <a:t>ComputeShifts</a:t>
+            </a:r>
+            <a:endParaRPr lang="en-US" dirty="0"/>
+          </a:p>
+          <a:p>
+            <a:pPr lvl="1"/>
+            <a:r>
+              <a:rPr lang="en-US" dirty="0" smtClean="0"/>
+              <a:t>Figure out how much to shift out of input buffer in each parser state and where everything is as a result</a:t>
+            </a:r>
+          </a:p>
+          <a:p>
+            <a:r>
+              <a:rPr lang="en-US" dirty="0" err="1" smtClean="0"/>
+              <a:t>SplitExtractEmit</a:t>
+            </a:r>
+            <a:endParaRPr lang="en-US" dirty="0" smtClean="0"/>
+          </a:p>
+          <a:p>
+            <a:pPr lvl="1"/>
+            <a:r>
+              <a:rPr lang="en-US" dirty="0" smtClean="0"/>
+              <a:t>Split extract and emit primitives to split a single PHV container each</a:t>
+            </a:r>
+          </a:p>
+          <a:p>
+            <a:r>
+              <a:rPr lang="en-US" dirty="0" err="1" smtClean="0"/>
+              <a:t>SplitBigStates</a:t>
+            </a:r>
+            <a:endParaRPr lang="en-US" dirty="0" smtClean="0"/>
+          </a:p>
+          <a:p>
+            <a:pPr lvl="1"/>
+            <a:r>
+              <a:rPr lang="en-US" dirty="0" smtClean="0"/>
+              <a:t>Split states that have too many extracts of a single size</a:t>
+            </a:r>
+          </a:p>
+          <a:p>
+            <a:r>
+              <a:rPr lang="en-US" dirty="0" err="1" smtClean="0"/>
+              <a:t>LoadMatchKeys</a:t>
+            </a:r>
+            <a:endParaRPr lang="en-US" dirty="0" smtClean="0"/>
+          </a:p>
+          <a:p>
+            <a:pPr lvl="1"/>
+            <a:r>
+              <a:rPr lang="en-US" dirty="0" smtClean="0"/>
+              <a:t>Figure out how parser match keys get loaded in a state prior to where they are used</a:t>
+            </a:r>
+            <a:endParaRPr lang="en-US" dirty="0"/>
+          </a:p>
+        </p:txBody>
+      </p:sp>
+    </p:spTree>
+    <p:extLst>
+      <p:ext uri="{BB962C8B-B14F-4D97-AF65-F5344CB8AC3E}">
+        <p14:creationId xmlns:p14="http://schemas.microsoft.com/office/powerpoint/2010/main" val="1265151548"/>
+      </p:ext>
+    </p:extLst>
+  </p:cSld>
+  <p:clrMapOvr>
+    <a:masterClrMapping/>
+  </p:clrMapOvr>
+</p:sld>
+</file>
+
+<file path=ppt/slides/slide18.xml><?xml version="1.0" encoding="utf-8"?>
+<p:sld xmlns:a="http://schemas.openxmlformats.org/drawingml/2006/main" xmlns:r="http://schemas.openxmlformats.org/officeDocument/2006/relationships" xmlns:p="http://schemas.openxmlformats.org/presentationml/2006/main">
+  <p:cSld>
+    <p:spTree>
+      <p:nvGrpSpPr>
+        <p:cNvPr id="1" name=""/>
+        <p:cNvGrpSpPr/>
+        <p:nvPr/>
+      </p:nvGrpSpPr>
+      <p:grpSpPr>
+        <a:xfrm>
+          <a:off x="0" y="0"/>
+          <a:ext cx="0" cy="0"/>
+          <a:chOff x="0" y="0"/>
+          <a:chExt cx="0" cy="0"/>
+        </a:xfrm>
+      </p:grpSpPr>
+      <p:sp>
+        <p:nvSpPr>
+          <p:cNvPr id="2" name="Title 1"/>
+          <p:cNvSpPr>
+            <a:spLocks noGrp="1"/>
+          </p:cNvSpPr>
+          <p:nvPr>
+            <p:ph type="title"/>
+          </p:nvPr>
+        </p:nvSpPr>
+        <p:spPr/>
+        <p:txBody>
+          <a:bodyPr/>
+          <a:lstStyle/>
+          <a:p>
+            <a:r>
+              <a:rPr lang="en-US" dirty="0" smtClean="0"/>
+              <a:t>PHV Allocation</a:t>
+            </a:r>
+            <a:endParaRPr lang="en-US" dirty="0"/>
+          </a:p>
+        </p:txBody>
+      </p:sp>
+      <p:sp>
+        <p:nvSpPr>
+          <p:cNvPr id="3" name="Content Placeholder 2"/>
+          <p:cNvSpPr>
+            <a:spLocks noGrp="1"/>
+          </p:cNvSpPr>
+          <p:nvPr>
+            <p:ph idx="1"/>
+          </p:nvPr>
+        </p:nvSpPr>
+        <p:spPr/>
+        <p:txBody>
+          <a:bodyPr>
+            <a:normAutofit fontScale="70000" lnSpcReduction="20000"/>
+          </a:bodyPr>
+          <a:lstStyle/>
+          <a:p>
+            <a:r>
+              <a:rPr lang="en-US" dirty="0" smtClean="0"/>
+              <a:t>PHV::</a:t>
+            </a:r>
+            <a:r>
+              <a:rPr lang="en-US" dirty="0" err="1" smtClean="0"/>
+              <a:t>TrivialAlloc</a:t>
+            </a:r>
+            <a:endParaRPr lang="en-US" dirty="0" smtClean="0"/>
+          </a:p>
+          <a:p>
+            <a:pPr lvl="1"/>
+            <a:r>
+              <a:rPr lang="en-US" dirty="0" smtClean="0"/>
+              <a:t>Trivial PHV allocator that just allocates every field to its own PHV container of the appropriate size.</a:t>
+            </a:r>
+          </a:p>
+          <a:p>
+            <a:pPr lvl="1"/>
+            <a:r>
+              <a:rPr lang="en-US" dirty="0" smtClean="0"/>
+              <a:t>Minimal support for combining containers only when needed for bit/byte alignment in parser/</a:t>
+            </a:r>
+            <a:r>
+              <a:rPr lang="en-US" dirty="0" err="1" smtClean="0"/>
+              <a:t>deparser</a:t>
+            </a:r>
+            <a:endParaRPr lang="en-US" dirty="0" smtClean="0"/>
+          </a:p>
+          <a:p>
+            <a:r>
+              <a:rPr lang="en-US" dirty="0" err="1" smtClean="0"/>
+              <a:t>PhvAllocator</a:t>
+            </a:r>
+            <a:endParaRPr lang="en-US" dirty="0" smtClean="0"/>
+          </a:p>
+          <a:p>
+            <a:pPr lvl="1"/>
+            <a:r>
+              <a:rPr lang="en-US" dirty="0" err="1" smtClean="0"/>
+              <a:t>Ortools</a:t>
+            </a:r>
+            <a:r>
+              <a:rPr lang="en-US" dirty="0" smtClean="0"/>
+              <a:t> based PHV allocator</a:t>
+            </a:r>
+          </a:p>
+          <a:p>
+            <a:r>
+              <a:rPr lang="en-US" dirty="0" err="1" smtClean="0"/>
+              <a:t>MauPhvConstraints</a:t>
+            </a:r>
+            <a:endParaRPr lang="en-US" dirty="0" smtClean="0"/>
+          </a:p>
+          <a:p>
+            <a:pPr lvl="1"/>
+            <a:r>
+              <a:rPr lang="en-US" dirty="0" smtClean="0"/>
+              <a:t>Finds some constraints based on field use in MAU pipe and stores them in the </a:t>
+            </a:r>
+            <a:r>
+              <a:rPr lang="en-US" dirty="0" err="1" smtClean="0"/>
+              <a:t>PhvInfo</a:t>
+            </a:r>
+            <a:endParaRPr lang="en-US" dirty="0" smtClean="0"/>
+          </a:p>
+          <a:p>
+            <a:pPr lvl="1"/>
+            <a:r>
+              <a:rPr lang="en-US" dirty="0" smtClean="0"/>
+              <a:t>Currently unused</a:t>
+            </a:r>
+          </a:p>
+          <a:p>
+            <a:r>
+              <a:rPr lang="en-US" dirty="0" err="1" smtClean="0"/>
+              <a:t>SplitPhvUse</a:t>
+            </a:r>
+            <a:endParaRPr lang="en-US" dirty="0" smtClean="0"/>
+          </a:p>
+          <a:p>
+            <a:pPr lvl="1"/>
+            <a:r>
+              <a:rPr lang="en-US" dirty="0" smtClean="0"/>
+              <a:t>Split operations in the pipeline based on PHV allocation (wide fields split across containers turn into multiple operations)</a:t>
+            </a:r>
+            <a:endParaRPr lang="en-US" dirty="0"/>
+          </a:p>
+        </p:txBody>
+      </p:sp>
+    </p:spTree>
+    <p:extLst>
+      <p:ext uri="{BB962C8B-B14F-4D97-AF65-F5344CB8AC3E}">
+        <p14:creationId xmlns:p14="http://schemas.microsoft.com/office/powerpoint/2010/main" val="3063547899"/>
+      </p:ext>
+    </p:extLst>
+  </p:cSld>
+  <p:clrMapOvr>
+    <a:masterClrMapping/>
+  </p:clrMapOvr>
+</p:sld>
+</file>
+
+<file path=ppt/slides/slide19.xml><?xml version="1.0" encoding="utf-8"?>
+<p:sld xmlns:a="http://schemas.openxmlformats.org/drawingml/2006/main" xmlns:r="http://schemas.openxmlformats.org/officeDocument/2006/relationships" xmlns:p="http://schemas.openxmlformats.org/presentationml/2006/main">
+  <p:cSld>
+    <p:spTree>
+      <p:nvGrpSpPr>
+        <p:cNvPr id="1" name=""/>
+        <p:cNvGrpSpPr/>
+        <p:nvPr/>
+      </p:nvGrpSpPr>
+      <p:grpSpPr>
+        <a:xfrm>
+          <a:off x="0" y="0"/>
+          <a:ext cx="0" cy="0"/>
+          <a:chOff x="0" y="0"/>
+          <a:chExt cx="0" cy="0"/>
+        </a:xfrm>
+      </p:grpSpPr>
+      <p:sp>
+        <p:nvSpPr>
+          <p:cNvPr id="2" name="Title 1"/>
+          <p:cNvSpPr>
+            <a:spLocks noGrp="1"/>
+          </p:cNvSpPr>
+          <p:nvPr>
+            <p:ph type="title"/>
+          </p:nvPr>
+        </p:nvSpPr>
+        <p:spPr/>
+        <p:txBody>
+          <a:bodyPr/>
+          <a:lstStyle/>
+          <a:p>
+            <a:r>
+              <a:rPr lang="en-US" dirty="0" smtClean="0"/>
+              <a:t>Miscellaneous passes</a:t>
+            </a:r>
+            <a:endParaRPr lang="en-US" dirty="0"/>
+          </a:p>
+        </p:txBody>
+      </p:sp>
+      <p:sp>
+        <p:nvSpPr>
+          <p:cNvPr id="3" name="Content Placeholder 2"/>
+          <p:cNvSpPr>
+            <a:spLocks noGrp="1"/>
+          </p:cNvSpPr>
+          <p:nvPr>
+            <p:ph idx="1"/>
+          </p:nvPr>
+        </p:nvSpPr>
+        <p:spPr/>
+        <p:txBody>
+          <a:bodyPr>
+            <a:normAutofit fontScale="70000" lnSpcReduction="20000"/>
+          </a:bodyPr>
+          <a:lstStyle/>
+          <a:p>
+            <a:r>
+              <a:rPr lang="en-US" dirty="0" err="1" smtClean="0"/>
+              <a:t>CopyHeaderEliminator</a:t>
+            </a:r>
+            <a:r>
+              <a:rPr lang="en-US" dirty="0" smtClean="0"/>
+              <a:t>	</a:t>
+            </a:r>
+          </a:p>
+          <a:p>
+            <a:pPr lvl="1"/>
+            <a:r>
+              <a:rPr lang="en-US" dirty="0" smtClean="0"/>
+              <a:t>Turn add/remove/</a:t>
+            </a:r>
+            <a:r>
+              <a:rPr lang="en-US" dirty="0" err="1" smtClean="0"/>
+              <a:t>copy_header</a:t>
+            </a:r>
+            <a:r>
+              <a:rPr lang="en-US" dirty="0" smtClean="0"/>
+              <a:t> primitives into a sequence of simple assignments</a:t>
+            </a:r>
+          </a:p>
+          <a:p>
+            <a:r>
+              <a:rPr lang="en-US" dirty="0" err="1" smtClean="0"/>
+              <a:t>CheckTableNameDuplicate</a:t>
+            </a:r>
+            <a:endParaRPr lang="en-US" dirty="0" smtClean="0"/>
+          </a:p>
+          <a:p>
+            <a:pPr lvl="1"/>
+            <a:r>
+              <a:rPr lang="en-US" dirty="0" smtClean="0"/>
+              <a:t>Sanity check</a:t>
+            </a:r>
+          </a:p>
+          <a:p>
+            <a:r>
+              <a:rPr lang="en-US" dirty="0" err="1" smtClean="0"/>
+              <a:t>DumpPipe</a:t>
+            </a:r>
+            <a:endParaRPr lang="en-US" dirty="0"/>
+          </a:p>
+          <a:p>
+            <a:pPr lvl="1"/>
+            <a:r>
+              <a:rPr lang="en-US" dirty="0" smtClean="0"/>
+              <a:t>Dump the current IR in reasonable compact form if –v flag was used</a:t>
+            </a:r>
+          </a:p>
+          <a:p>
+            <a:r>
+              <a:rPr lang="en-US" dirty="0" err="1" smtClean="0"/>
+              <a:t>ElimUnused</a:t>
+            </a:r>
+            <a:endParaRPr lang="en-US" dirty="0" smtClean="0"/>
+          </a:p>
+          <a:p>
+            <a:pPr lvl="1"/>
+            <a:r>
+              <a:rPr lang="en-US" dirty="0" smtClean="0"/>
+              <a:t>Dead code elimination</a:t>
+            </a:r>
+          </a:p>
+          <a:p>
+            <a:pPr lvl="1"/>
+            <a:r>
+              <a:rPr lang="en-US" dirty="0" smtClean="0"/>
+              <a:t>Remove trailing headers that are just parsed and </a:t>
+            </a:r>
+            <a:r>
+              <a:rPr lang="en-US" dirty="0" err="1" smtClean="0"/>
+              <a:t>deparsed</a:t>
+            </a:r>
+            <a:r>
+              <a:rPr lang="en-US" dirty="0" smtClean="0"/>
+              <a:t> and never touched in the pipe</a:t>
+            </a:r>
+          </a:p>
+          <a:p>
+            <a:r>
+              <a:rPr lang="en-US" dirty="0" err="1" smtClean="0"/>
+              <a:t>InstructionSelection</a:t>
+            </a:r>
+            <a:endParaRPr lang="en-US" dirty="0" smtClean="0"/>
+          </a:p>
+          <a:p>
+            <a:pPr lvl="1"/>
+            <a:r>
+              <a:rPr lang="en-US" dirty="0" smtClean="0"/>
+              <a:t>Convert primitives into </a:t>
+            </a:r>
+            <a:r>
+              <a:rPr lang="en-US" dirty="0" err="1" smtClean="0"/>
+              <a:t>tofino</a:t>
+            </a:r>
+            <a:r>
+              <a:rPr lang="en-US" smtClean="0"/>
+              <a:t> instructions</a:t>
+            </a:r>
+            <a:endParaRPr lang="en-US" dirty="0"/>
+          </a:p>
+        </p:txBody>
+      </p:sp>
+    </p:spTree>
+    <p:extLst>
+      <p:ext uri="{BB962C8B-B14F-4D97-AF65-F5344CB8AC3E}">
+        <p14:creationId xmlns:p14="http://schemas.microsoft.com/office/powerpoint/2010/main" val="104052101"/>
       </p:ext>
     </p:extLst>
   </p:cSld>
@@ -3282,10 +5671,6 @@
           <a:lstStyle/>
           <a:p>
             <a:pPr algn="ctr"/>
-            <a:r>
-              <a:rPr lang="en-US" dirty="0" smtClean="0"/>
-              <a:t/>
-            </a:r>
             <a:endParaRPr lang="en-US" dirty="0"/>
           </a:p>
         </p:txBody>
@@ -3544,10 +5929,6 @@
           <a:lstStyle/>
           <a:p>
             <a:pPr algn="ctr"/>
-            <a:r>
-              <a:rPr lang="en-US" dirty="0" smtClean="0"/>
-              <a:t/>
-            </a:r>
             <a:endParaRPr lang="en-US" dirty="0"/>
           </a:p>
         </p:txBody>
@@ -4607,7 +6988,15 @@
           <a:bodyPr/>
           <a:lstStyle/>
           <a:p>
-            <a:endParaRPr lang="en-US"/>
+            <a:r>
+              <a:rPr lang="en-US" dirty="0" err="1" smtClean="0"/>
+              <a:t>Tofino</a:t>
+            </a:r>
+            <a:r>
+              <a:rPr lang="en-US" dirty="0" smtClean="0"/>
+              <a:t> Backend IR</a:t>
+            </a:r>
+            <a:endParaRPr lang="en-US" dirty="0"/>
           </a:p>
         </p:txBody>
       </p:sp>
@@ -4992,16 +7381,28 @@
           <a:lstStyle/>
           <a:p>
             <a:r>
-              <a:rPr lang="en-US" dirty="0" smtClean="0"/>
-              <a:t>Anatomy of a </a:t>
-            </a:r>
-            <a:r>
               <a:rPr lang="en-US" dirty="0" err="1" smtClean="0"/>
               <a:t>Tofino</a:t>
             </a:r>
             <a:r>
               <a:rPr lang="en-US" dirty="0" smtClean="0"/>
-              <a:t> Table</a:t>
+              <a:t> </a:t>
+            </a:r>
+            <a:r>
+              <a:rPr lang="en-US" dirty="0" smtClean="0"/>
+              <a:t>Parser/</a:t>
+            </a:r>
+            <a:r>
+              <a:rPr lang="en-US" dirty="0" err="1" smtClean="0"/>
+              <a:t>Deparser</a:t>
+            </a:r>
+            <a:r>
+              <a:rPr lang="en-US" dirty="0" smtClean="0"/>
+              <a:t> </a:t>
+            </a:r>
+            <a:r>
+              <a:rPr lang="en-US" dirty="0" smtClean="0"/>
+              <a:t>IR</a:t>
             </a:r>
             <a:endParaRPr lang="en-US" dirty="0"/>
           </a:p>
@@ -5009,1437 +7410,57 @@
       </p:sp>
       <p:sp>
         <p:nvSpPr>
-          <p:cNvPr id="4" name="Rectangle 3"/>
-          <p:cNvSpPr/>
-          <p:nvPr/>
-        </p:nvSpPr>
-        <p:spPr>
-          <a:xfrm>
-            <a:off x="374470" y="1479918"/>
-            <a:ext cx="529143" cy="2548216"/>
-          </a:xfrm>
-          <a:prstGeom prst="rect">
-            <a:avLst/>
-          </a:prstGeom>
-        </p:spPr>
-        <p:style>
-          <a:lnRef idx="1">
-            <a:schemeClr val="accent1"/>
-          </a:lnRef>
-          <a:fillRef idx="3">
-            <a:schemeClr val="accent1"/>
-          </a:fillRef>
-          <a:effectRef idx="2">
-            <a:schemeClr val="accent1"/>
-          </a:effectRef>
-          <a:fontRef idx="minor">
-            <a:schemeClr val="lt1"/>
-          </a:fontRef>
-        </p:style>
-        <p:txBody>
-          <a:bodyPr rtlCol="0" anchor="ctr"/>
-          <a:lstStyle/>
-          <a:p>
-            <a:pPr algn="ctr"/>
-            <a:r>
-              <a:rPr lang="en-US" dirty="0"/>
-              <a:t>i</a:t>
+          <p:cNvPr id="3" name="Content Placeholder 2"/>
+          <p:cNvSpPr>
+            <a:spLocks noGrp="1"/>
+          </p:cNvSpPr>
+          <p:nvPr>
+            <p:ph idx="1"/>
+          </p:nvPr>
+        </p:nvSpPr>
+        <p:spPr/>
+        <p:txBody>
+          <a:bodyPr/>
+          <a:lstStyle/>
+          <a:p>
+            <a:r>
+              <a:rPr lang="en-US" dirty="0" smtClean="0"/>
+              <a:t>Parser is an unrolled </a:t>
+            </a:r>
+            <a:r>
+              <a:rPr lang="en-US" dirty="0" smtClean="0"/>
+              <a:t>state </a:t>
+            </a:r>
+            <a:r>
+              <a:rPr lang="en-US" dirty="0" smtClean="0"/>
+              <a:t>machine</a:t>
+            </a:r>
+          </a:p>
+          <a:p>
+            <a:pPr lvl="1"/>
+            <a:r>
+              <a:rPr lang="en-US" dirty="0" smtClean="0"/>
+              <a:t>Each state has a list of extract/</a:t>
+            </a:r>
+            <a:r>
+              <a:rPr lang="en-US" dirty="0" err="1" smtClean="0"/>
+              <a:t>set_metadata</a:t>
+            </a:r>
+            <a:r>
+              <a:rPr lang="en-US" dirty="0" smtClean="0"/>
+              <a:t> primitives and a match to select the next state</a:t>
             </a:r>
             <a:endParaRPr lang="en-US" dirty="0" smtClean="0"/>
           </a:p>
           <a:p>
-            <a:pPr algn="ctr"/>
+            <a:r>
+              <a:rPr lang="en-US" dirty="0" err="1" smtClean="0"/>
+              <a:t>Deparser</a:t>
+            </a:r>
             <a:r>
               <a:rPr lang="en-US" dirty="0" smtClean="0"/>
-              <a:t>P</a:t>
-            </a:r>
-          </a:p>
-          <a:p>
-            <a:pPr algn="ctr"/>
-            <a:r>
-              <a:rPr lang="en-US" dirty="0" smtClean="0"/>
-              <a:t>H</a:t>
-            </a:r>
-          </a:p>
-          <a:p>
-            <a:pPr algn="ctr"/>
-            <a:r>
-              <a:rPr lang="en-US" dirty="0"/>
-              <a:t>V</a:t>
-            </a:r>
-          </a:p>
-        </p:txBody>
-      </p:sp>
-      <p:sp>
-        <p:nvSpPr>
-          <p:cNvPr id="5" name="Rectangle 4"/>
-          <p:cNvSpPr/>
-          <p:nvPr/>
-        </p:nvSpPr>
-        <p:spPr>
-          <a:xfrm>
-            <a:off x="1090849" y="1764862"/>
-            <a:ext cx="1107130" cy="1294462"/>
-          </a:xfrm>
-          <a:prstGeom prst="rect">
-            <a:avLst/>
-          </a:prstGeom>
-        </p:spPr>
-        <p:style>
-          <a:lnRef idx="1">
-            <a:schemeClr val="accent1"/>
-          </a:lnRef>
-          <a:fillRef idx="3">
-            <a:schemeClr val="accent1"/>
-          </a:fillRef>
-          <a:effectRef idx="2">
-            <a:schemeClr val="accent1"/>
-          </a:effectRef>
-          <a:fontRef idx="minor">
-            <a:schemeClr val="lt1"/>
-          </a:fontRef>
-        </p:style>
-        <p:txBody>
-          <a:bodyPr rtlCol="0" anchor="ctr"/>
-          <a:lstStyle/>
-          <a:p>
-            <a:pPr algn="ctr"/>
-            <a:r>
-              <a:rPr lang="en-US" dirty="0" smtClean="0"/>
-              <a:t>Input</a:t>
-            </a:r>
-          </a:p>
-          <a:p>
-            <a:pPr algn="ctr"/>
-            <a:r>
-              <a:rPr lang="en-US" dirty="0" err="1" smtClean="0"/>
-              <a:t>xbar</a:t>
-            </a:r>
-            <a:endParaRPr lang="en-US" dirty="0"/>
-          </a:p>
-        </p:txBody>
-      </p:sp>
-      <p:sp>
-        <p:nvSpPr>
-          <p:cNvPr id="6" name="Rectangle 5"/>
-          <p:cNvSpPr/>
-          <p:nvPr/>
-        </p:nvSpPr>
-        <p:spPr>
-          <a:xfrm>
-            <a:off x="1090849" y="3254714"/>
-            <a:ext cx="1107130" cy="512900"/>
-          </a:xfrm>
-          <a:prstGeom prst="rect">
-            <a:avLst/>
-          </a:prstGeom>
-        </p:spPr>
-        <p:style>
-          <a:lnRef idx="1">
-            <a:schemeClr val="accent1"/>
-          </a:lnRef>
-          <a:fillRef idx="3">
-            <a:schemeClr val="accent1"/>
-          </a:fillRef>
-          <a:effectRef idx="2">
-            <a:schemeClr val="accent1"/>
-          </a:effectRef>
-          <a:fontRef idx="minor">
-            <a:schemeClr val="lt1"/>
-          </a:fontRef>
-        </p:style>
-        <p:txBody>
-          <a:bodyPr rtlCol="0" anchor="ctr"/>
-          <a:lstStyle/>
-          <a:p>
-            <a:pPr algn="ctr"/>
-            <a:r>
-              <a:rPr lang="en-US" dirty="0" smtClean="0"/>
-              <a:t>hash</a:t>
-            </a:r>
-            <a:endParaRPr lang="en-US" dirty="0"/>
-          </a:p>
-        </p:txBody>
-      </p:sp>
-      <p:sp>
-        <p:nvSpPr>
-          <p:cNvPr id="7" name="Rectangle 6"/>
-          <p:cNvSpPr/>
-          <p:nvPr/>
-        </p:nvSpPr>
-        <p:spPr>
-          <a:xfrm>
-            <a:off x="2580590" y="2489435"/>
-            <a:ext cx="1123412" cy="1278179"/>
-          </a:xfrm>
-          <a:prstGeom prst="rect">
-            <a:avLst/>
-          </a:prstGeom>
-        </p:spPr>
-        <p:style>
-          <a:lnRef idx="1">
-            <a:schemeClr val="accent1"/>
-          </a:lnRef>
-          <a:fillRef idx="3">
-            <a:schemeClr val="accent1"/>
-          </a:fillRef>
-          <a:effectRef idx="2">
-            <a:schemeClr val="accent1"/>
-          </a:effectRef>
-          <a:fontRef idx="minor">
-            <a:schemeClr val="lt1"/>
-          </a:fontRef>
-        </p:style>
-        <p:txBody>
-          <a:bodyPr rtlCol="0" anchor="ctr"/>
-          <a:lstStyle/>
-          <a:p>
-            <a:pPr algn="ctr"/>
-            <a:r>
-              <a:rPr lang="en-US" dirty="0" smtClean="0"/>
-              <a:t>Match</a:t>
-            </a:r>
-          </a:p>
-          <a:p>
-            <a:pPr algn="ctr"/>
-            <a:r>
-              <a:rPr lang="en-US" dirty="0" smtClean="0"/>
-              <a:t>table</a:t>
-            </a:r>
-            <a:endParaRPr lang="en-US" dirty="0"/>
-          </a:p>
-        </p:txBody>
-      </p:sp>
-      <p:sp>
-        <p:nvSpPr>
-          <p:cNvPr id="8" name="Rectangle 7"/>
-          <p:cNvSpPr/>
-          <p:nvPr/>
-        </p:nvSpPr>
-        <p:spPr>
-          <a:xfrm>
-            <a:off x="2580590" y="1764862"/>
-            <a:ext cx="1123412" cy="472194"/>
-          </a:xfrm>
-          <a:prstGeom prst="rect">
-            <a:avLst/>
-          </a:prstGeom>
-        </p:spPr>
-        <p:style>
-          <a:lnRef idx="1">
-            <a:schemeClr val="accent1"/>
-          </a:lnRef>
-          <a:fillRef idx="3">
-            <a:schemeClr val="accent1"/>
-          </a:fillRef>
-          <a:effectRef idx="2">
-            <a:schemeClr val="accent1"/>
-          </a:effectRef>
-          <a:fontRef idx="minor">
-            <a:schemeClr val="lt1"/>
-          </a:fontRef>
-        </p:style>
-        <p:txBody>
-          <a:bodyPr rtlCol="0" anchor="ctr"/>
-          <a:lstStyle/>
-          <a:p>
-            <a:pPr algn="ctr"/>
-            <a:r>
-              <a:rPr lang="en-US" dirty="0" smtClean="0"/>
-              <a:t>gateway</a:t>
-            </a:r>
-            <a:endParaRPr lang="en-US" dirty="0"/>
-          </a:p>
-        </p:txBody>
-      </p:sp>
-      <p:sp>
-        <p:nvSpPr>
-          <p:cNvPr id="9" name="Rectangle 8"/>
-          <p:cNvSpPr/>
-          <p:nvPr/>
-        </p:nvSpPr>
-        <p:spPr>
-          <a:xfrm>
-            <a:off x="3997066" y="1764862"/>
-            <a:ext cx="1628132" cy="2002752"/>
-          </a:xfrm>
-          <a:prstGeom prst="rect">
-            <a:avLst/>
-          </a:prstGeom>
-        </p:spPr>
-        <p:style>
-          <a:lnRef idx="1">
-            <a:schemeClr val="accent1"/>
-          </a:lnRef>
-          <a:fillRef idx="3">
-            <a:schemeClr val="accent1"/>
-          </a:fillRef>
-          <a:effectRef idx="2">
-            <a:schemeClr val="accent1"/>
-          </a:effectRef>
-          <a:fontRef idx="minor">
-            <a:schemeClr val="lt1"/>
-          </a:fontRef>
-        </p:style>
-        <p:txBody>
-          <a:bodyPr rtlCol="0" anchor="ctr"/>
-          <a:lstStyle/>
-          <a:p>
-            <a:pPr algn="ctr"/>
-            <a:r>
-              <a:rPr lang="en-US" dirty="0" smtClean="0"/>
-              <a:t>Match</a:t>
-            </a:r>
-          </a:p>
-          <a:p>
-            <a:pPr algn="ctr"/>
-            <a:r>
-              <a:rPr lang="en-US" dirty="0" smtClean="0"/>
-              <a:t>central</a:t>
-            </a:r>
-            <a:endParaRPr lang="en-US" dirty="0"/>
-          </a:p>
-        </p:txBody>
-      </p:sp>
-      <p:sp>
-        <p:nvSpPr>
-          <p:cNvPr id="10" name="Rectangle 9"/>
-          <p:cNvSpPr/>
-          <p:nvPr/>
-        </p:nvSpPr>
-        <p:spPr>
-          <a:xfrm>
-            <a:off x="3997066" y="1764862"/>
-            <a:ext cx="675675" cy="553606"/>
-          </a:xfrm>
-          <a:prstGeom prst="rect">
-            <a:avLst/>
-          </a:prstGeom>
-        </p:spPr>
-        <p:style>
-          <a:lnRef idx="1">
-            <a:schemeClr val="accent1"/>
-          </a:lnRef>
-          <a:fillRef idx="3">
-            <a:schemeClr val="accent1"/>
-          </a:fillRef>
-          <a:effectRef idx="2">
-            <a:schemeClr val="accent1"/>
-          </a:effectRef>
-          <a:fontRef idx="minor">
-            <a:schemeClr val="lt1"/>
-          </a:fontRef>
-        </p:style>
-        <p:txBody>
-          <a:bodyPr rtlCol="0" anchor="ctr"/>
-          <a:lstStyle/>
-          <a:p>
-            <a:pPr algn="ctr"/>
-            <a:r>
-              <a:rPr lang="en-US" dirty="0" err="1" smtClean="0"/>
-              <a:t>Pred</a:t>
-            </a:r>
-            <a:endParaRPr lang="en-US" dirty="0"/>
-          </a:p>
-        </p:txBody>
-      </p:sp>
-      <p:sp>
-        <p:nvSpPr>
-          <p:cNvPr id="11" name="Right Arrow 10"/>
-          <p:cNvSpPr/>
-          <p:nvPr/>
-        </p:nvSpPr>
-        <p:spPr>
-          <a:xfrm flipV="1">
-            <a:off x="903613" y="2237056"/>
-            <a:ext cx="187236" cy="480335"/>
-          </a:xfrm>
-          <a:prstGeom prst="rightArrow">
-            <a:avLst/>
-          </a:prstGeom>
-        </p:spPr>
-        <p:style>
-          <a:lnRef idx="1">
-            <a:schemeClr val="accent1"/>
-          </a:lnRef>
-          <a:fillRef idx="3">
-            <a:schemeClr val="accent1"/>
-          </a:fillRef>
-          <a:effectRef idx="2">
-            <a:schemeClr val="accent1"/>
-          </a:effectRef>
-          <a:fontRef idx="minor">
-            <a:schemeClr val="lt1"/>
-          </a:fontRef>
-        </p:style>
-        <p:txBody>
-          <a:bodyPr rtlCol="0" anchor="ctr"/>
-          <a:lstStyle/>
-          <a:p>
-            <a:pPr algn="ctr"/>
-            <a:endParaRPr lang="en-US"/>
-          </a:p>
-        </p:txBody>
-      </p:sp>
-      <p:sp>
-        <p:nvSpPr>
-          <p:cNvPr id="12" name="Right Arrow 11"/>
-          <p:cNvSpPr/>
-          <p:nvPr/>
-        </p:nvSpPr>
-        <p:spPr>
-          <a:xfrm flipV="1">
-            <a:off x="2197979" y="1764861"/>
-            <a:ext cx="382611" cy="480335"/>
-          </a:xfrm>
-          <a:prstGeom prst="rightArrow">
-            <a:avLst/>
-          </a:prstGeom>
-        </p:spPr>
-        <p:style>
-          <a:lnRef idx="1">
-            <a:schemeClr val="accent1"/>
-          </a:lnRef>
-          <a:fillRef idx="3">
-            <a:schemeClr val="accent1"/>
-          </a:fillRef>
-          <a:effectRef idx="2">
-            <a:schemeClr val="accent1"/>
-          </a:effectRef>
-          <a:fontRef idx="minor">
-            <a:schemeClr val="lt1"/>
-          </a:fontRef>
-        </p:style>
-        <p:txBody>
-          <a:bodyPr rtlCol="0" anchor="ctr"/>
-          <a:lstStyle/>
-          <a:p>
-            <a:pPr algn="ctr"/>
-            <a:endParaRPr lang="en-US"/>
-          </a:p>
-        </p:txBody>
-      </p:sp>
-      <p:sp>
-        <p:nvSpPr>
-          <p:cNvPr id="13" name="Right Arrow 12"/>
-          <p:cNvSpPr/>
-          <p:nvPr/>
-        </p:nvSpPr>
-        <p:spPr>
-          <a:xfrm flipV="1">
-            <a:off x="2214260" y="2489435"/>
-            <a:ext cx="382611" cy="480335"/>
-          </a:xfrm>
-          <a:prstGeom prst="rightArrow">
-            <a:avLst/>
-          </a:prstGeom>
-        </p:spPr>
-        <p:style>
-          <a:lnRef idx="1">
-            <a:schemeClr val="accent1"/>
-          </a:lnRef>
-          <a:fillRef idx="3">
-            <a:schemeClr val="accent1"/>
-          </a:fillRef>
-          <a:effectRef idx="2">
-            <a:schemeClr val="accent1"/>
-          </a:effectRef>
-          <a:fontRef idx="minor">
-            <a:schemeClr val="lt1"/>
-          </a:fontRef>
-        </p:style>
-        <p:txBody>
-          <a:bodyPr rtlCol="0" anchor="ctr"/>
-          <a:lstStyle/>
-          <a:p>
-            <a:pPr algn="ctr"/>
-            <a:endParaRPr lang="en-US"/>
-          </a:p>
-        </p:txBody>
-      </p:sp>
-      <p:sp>
-        <p:nvSpPr>
-          <p:cNvPr id="14" name="Right Arrow 13"/>
-          <p:cNvSpPr/>
-          <p:nvPr/>
-        </p:nvSpPr>
-        <p:spPr>
-          <a:xfrm flipV="1">
-            <a:off x="2197979" y="3254714"/>
-            <a:ext cx="382611" cy="480335"/>
-          </a:xfrm>
-          <a:prstGeom prst="rightArrow">
-            <a:avLst/>
-          </a:prstGeom>
-        </p:spPr>
-        <p:style>
-          <a:lnRef idx="1">
-            <a:schemeClr val="accent1"/>
-          </a:lnRef>
-          <a:fillRef idx="3">
-            <a:schemeClr val="accent1"/>
-          </a:fillRef>
-          <a:effectRef idx="2">
-            <a:schemeClr val="accent1"/>
-          </a:effectRef>
-          <a:fontRef idx="minor">
-            <a:schemeClr val="lt1"/>
-          </a:fontRef>
-        </p:style>
-        <p:txBody>
-          <a:bodyPr rtlCol="0" anchor="ctr"/>
-          <a:lstStyle/>
-          <a:p>
-            <a:pPr algn="ctr"/>
-            <a:endParaRPr lang="en-US"/>
-          </a:p>
-        </p:txBody>
-      </p:sp>
-      <p:sp>
-        <p:nvSpPr>
-          <p:cNvPr id="15" name="Right Arrow 14"/>
-          <p:cNvSpPr/>
-          <p:nvPr/>
-        </p:nvSpPr>
-        <p:spPr>
-          <a:xfrm flipV="1">
-            <a:off x="3704003" y="2717389"/>
-            <a:ext cx="293064" cy="480335"/>
-          </a:xfrm>
-          <a:prstGeom prst="rightArrow">
-            <a:avLst/>
-          </a:prstGeom>
-        </p:spPr>
-        <p:style>
-          <a:lnRef idx="1">
-            <a:schemeClr val="accent1"/>
-          </a:lnRef>
-          <a:fillRef idx="3">
-            <a:schemeClr val="accent1"/>
-          </a:fillRef>
-          <a:effectRef idx="2">
-            <a:schemeClr val="accent1"/>
-          </a:effectRef>
-          <a:fontRef idx="minor">
-            <a:schemeClr val="lt1"/>
-          </a:fontRef>
-        </p:style>
-        <p:txBody>
-          <a:bodyPr rtlCol="0" anchor="ctr"/>
-          <a:lstStyle/>
-          <a:p>
-            <a:pPr algn="ctr"/>
-            <a:endParaRPr lang="en-US"/>
-          </a:p>
-        </p:txBody>
-      </p:sp>
-      <p:sp>
-        <p:nvSpPr>
-          <p:cNvPr id="16" name="Bent Arrow 15"/>
-          <p:cNvSpPr/>
-          <p:nvPr/>
-        </p:nvSpPr>
-        <p:spPr>
-          <a:xfrm rot="5400000">
-            <a:off x="6774773" y="1458635"/>
-            <a:ext cx="232032" cy="934029"/>
-          </a:xfrm>
-          <a:prstGeom prst="bentArrow">
-            <a:avLst>
-              <a:gd name="adj1" fmla="val 42656"/>
-              <a:gd name="adj2" fmla="val 50000"/>
-              <a:gd name="adj3" fmla="val 50000"/>
-              <a:gd name="adj4" fmla="val 50000"/>
-            </a:avLst>
-          </a:prstGeom>
-        </p:spPr>
-        <p:style>
-          <a:lnRef idx="1">
-            <a:schemeClr val="accent1"/>
-          </a:lnRef>
-          <a:fillRef idx="3">
-            <a:schemeClr val="accent1"/>
-          </a:fillRef>
-          <a:effectRef idx="2">
-            <a:schemeClr val="accent1"/>
-          </a:effectRef>
-          <a:fontRef idx="minor">
-            <a:schemeClr val="lt1"/>
-          </a:fontRef>
-        </p:style>
-        <p:txBody>
-          <a:bodyPr rtlCol="0" anchor="ctr"/>
-          <a:lstStyle/>
-          <a:p>
-            <a:pPr algn="ctr"/>
-            <a:endParaRPr lang="en-US">
-              <a:solidFill>
-                <a:schemeClr val="tx1"/>
-              </a:solidFill>
-            </a:endParaRPr>
-          </a:p>
-        </p:txBody>
-      </p:sp>
-      <p:sp>
-        <p:nvSpPr>
-          <p:cNvPr id="17" name="Down Arrow 16"/>
-          <p:cNvSpPr/>
-          <p:nvPr/>
-        </p:nvSpPr>
-        <p:spPr>
-          <a:xfrm>
-            <a:off x="1432757" y="3059324"/>
-            <a:ext cx="415174" cy="195390"/>
-          </a:xfrm>
-          <a:prstGeom prst="downArrow">
-            <a:avLst/>
-          </a:prstGeom>
-        </p:spPr>
-        <p:style>
-          <a:lnRef idx="1">
-            <a:schemeClr val="accent1"/>
-          </a:lnRef>
-          <a:fillRef idx="3">
-            <a:schemeClr val="accent1"/>
-          </a:fillRef>
-          <a:effectRef idx="2">
-            <a:schemeClr val="accent1"/>
-          </a:effectRef>
-          <a:fontRef idx="minor">
-            <a:schemeClr val="lt1"/>
-          </a:fontRef>
-        </p:style>
-        <p:txBody>
-          <a:bodyPr rtlCol="0" anchor="ctr"/>
-          <a:lstStyle/>
-          <a:p>
-            <a:pPr algn="ctr"/>
-            <a:endParaRPr lang="en-US"/>
-          </a:p>
-        </p:txBody>
-      </p:sp>
-      <p:sp>
-        <p:nvSpPr>
-          <p:cNvPr id="18" name="Rectangle 17"/>
-          <p:cNvSpPr/>
-          <p:nvPr/>
-        </p:nvSpPr>
-        <p:spPr>
-          <a:xfrm>
-            <a:off x="5902774" y="1764861"/>
-            <a:ext cx="521002" cy="276803"/>
-          </a:xfrm>
-          <a:prstGeom prst="rect">
-            <a:avLst/>
-          </a:prstGeom>
-        </p:spPr>
-        <p:style>
-          <a:lnRef idx="1">
-            <a:schemeClr val="accent1"/>
-          </a:lnRef>
-          <a:fillRef idx="3">
-            <a:schemeClr val="accent1"/>
-          </a:fillRef>
-          <a:effectRef idx="2">
-            <a:schemeClr val="accent1"/>
-          </a:effectRef>
-          <a:fontRef idx="minor">
-            <a:schemeClr val="lt1"/>
-          </a:fontRef>
-        </p:style>
-        <p:txBody>
-          <a:bodyPr rtlCol="0" anchor="ctr"/>
-          <a:lstStyle/>
-          <a:p>
-            <a:pPr algn="ctr"/>
-            <a:r>
-              <a:rPr lang="en-US" sz="1000" dirty="0" err="1" smtClean="0"/>
-              <a:t>imem</a:t>
-            </a:r>
-            <a:endParaRPr lang="en-US" sz="1000" dirty="0"/>
-          </a:p>
-        </p:txBody>
-      </p:sp>
-      <p:sp>
-        <p:nvSpPr>
-          <p:cNvPr id="19" name="Rectangle 18"/>
-          <p:cNvSpPr/>
-          <p:nvPr/>
-        </p:nvSpPr>
-        <p:spPr>
-          <a:xfrm>
-            <a:off x="5902774" y="2237056"/>
-            <a:ext cx="824129" cy="630671"/>
-          </a:xfrm>
-          <a:prstGeom prst="rect">
-            <a:avLst/>
-          </a:prstGeom>
-        </p:spPr>
-        <p:style>
-          <a:lnRef idx="1">
-            <a:schemeClr val="accent1"/>
-          </a:lnRef>
-          <a:fillRef idx="3">
-            <a:schemeClr val="accent1"/>
-          </a:fillRef>
-          <a:effectRef idx="2">
-            <a:schemeClr val="accent1"/>
-          </a:effectRef>
-          <a:fontRef idx="minor">
-            <a:schemeClr val="lt1"/>
-          </a:fontRef>
-        </p:style>
-        <p:txBody>
-          <a:bodyPr rtlCol="0" anchor="ctr"/>
-          <a:lstStyle/>
-          <a:p>
-            <a:pPr algn="ctr"/>
-            <a:r>
-              <a:rPr lang="en-US" sz="1000" dirty="0" smtClean="0"/>
-              <a:t>Action</a:t>
-            </a:r>
-          </a:p>
-          <a:p>
-            <a:pPr algn="ctr"/>
-            <a:r>
-              <a:rPr lang="en-US" sz="1000" dirty="0" smtClean="0"/>
-              <a:t>Data</a:t>
-            </a:r>
-            <a:endParaRPr lang="en-US" sz="1000" dirty="0"/>
-          </a:p>
-        </p:txBody>
-      </p:sp>
-      <p:sp>
-        <p:nvSpPr>
-          <p:cNvPr id="20" name="Rectangle 19"/>
-          <p:cNvSpPr/>
-          <p:nvPr/>
-        </p:nvSpPr>
-        <p:spPr>
-          <a:xfrm>
-            <a:off x="6101798" y="3254392"/>
-            <a:ext cx="693032" cy="521241"/>
-          </a:xfrm>
-          <a:prstGeom prst="rect">
-            <a:avLst/>
-          </a:prstGeom>
-        </p:spPr>
-        <p:style>
-          <a:lnRef idx="1">
-            <a:schemeClr val="accent1"/>
-          </a:lnRef>
-          <a:fillRef idx="3">
-            <a:schemeClr val="accent1"/>
-          </a:fillRef>
-          <a:effectRef idx="2">
-            <a:schemeClr val="accent1"/>
-          </a:effectRef>
-          <a:fontRef idx="minor">
-            <a:schemeClr val="lt1"/>
-          </a:fontRef>
-        </p:style>
-        <p:txBody>
-          <a:bodyPr rtlCol="0" anchor="ctr"/>
-          <a:lstStyle/>
-          <a:p>
-            <a:pPr algn="ctr"/>
-            <a:endParaRPr lang="en-US"/>
-          </a:p>
-        </p:txBody>
-      </p:sp>
-      <p:sp>
-        <p:nvSpPr>
-          <p:cNvPr id="21" name="Rectangle 20"/>
-          <p:cNvSpPr/>
-          <p:nvPr/>
-        </p:nvSpPr>
-        <p:spPr>
-          <a:xfrm>
-            <a:off x="6001095" y="3148560"/>
-            <a:ext cx="693032" cy="521241"/>
-          </a:xfrm>
-          <a:prstGeom prst="rect">
-            <a:avLst/>
-          </a:prstGeom>
-        </p:spPr>
-        <p:style>
-          <a:lnRef idx="1">
-            <a:schemeClr val="accent1"/>
-          </a:lnRef>
-          <a:fillRef idx="3">
-            <a:schemeClr val="accent1"/>
-          </a:fillRef>
-          <a:effectRef idx="2">
-            <a:schemeClr val="accent1"/>
-          </a:effectRef>
-          <a:fontRef idx="minor">
-            <a:schemeClr val="lt1"/>
-          </a:fontRef>
-        </p:style>
-        <p:txBody>
-          <a:bodyPr rtlCol="0" anchor="ctr"/>
-          <a:lstStyle/>
-          <a:p>
-            <a:pPr algn="ctr"/>
-            <a:endParaRPr lang="en-US"/>
-          </a:p>
-        </p:txBody>
-      </p:sp>
-      <p:sp>
-        <p:nvSpPr>
-          <p:cNvPr id="22" name="Rectangle 21"/>
-          <p:cNvSpPr/>
-          <p:nvPr/>
-        </p:nvSpPr>
-        <p:spPr>
-          <a:xfrm>
-            <a:off x="5902774" y="3059323"/>
-            <a:ext cx="693032" cy="521241"/>
-          </a:xfrm>
-          <a:prstGeom prst="rect">
-            <a:avLst/>
-          </a:prstGeom>
-        </p:spPr>
-        <p:style>
-          <a:lnRef idx="1">
-            <a:schemeClr val="accent1"/>
-          </a:lnRef>
-          <a:fillRef idx="3">
-            <a:schemeClr val="accent1"/>
-          </a:fillRef>
-          <a:effectRef idx="2">
-            <a:schemeClr val="accent1"/>
-          </a:effectRef>
-          <a:fontRef idx="minor">
-            <a:schemeClr val="lt1"/>
-          </a:fontRef>
-        </p:style>
-        <p:txBody>
-          <a:bodyPr rtlCol="0" anchor="ctr"/>
-          <a:lstStyle/>
-          <a:p>
-            <a:pPr algn="ctr"/>
-            <a:r>
-              <a:rPr lang="en-US" sz="1000" dirty="0" smtClean="0"/>
-              <a:t>counter meter selection</a:t>
-            </a:r>
-            <a:endParaRPr lang="en-US" sz="1000" dirty="0"/>
-          </a:p>
-        </p:txBody>
-      </p:sp>
-      <p:sp>
-        <p:nvSpPr>
-          <p:cNvPr id="23" name="Right Arrow 22"/>
-          <p:cNvSpPr/>
-          <p:nvPr/>
-        </p:nvSpPr>
-        <p:spPr>
-          <a:xfrm flipV="1">
-            <a:off x="5618485" y="2318467"/>
-            <a:ext cx="284290" cy="480335"/>
-          </a:xfrm>
-          <a:prstGeom prst="rightArrow">
-            <a:avLst/>
-          </a:prstGeom>
-        </p:spPr>
-        <p:style>
-          <a:lnRef idx="1">
-            <a:schemeClr val="accent1"/>
-          </a:lnRef>
-          <a:fillRef idx="3">
-            <a:schemeClr val="accent1"/>
-          </a:fillRef>
-          <a:effectRef idx="2">
-            <a:schemeClr val="accent1"/>
-          </a:effectRef>
-          <a:fontRef idx="minor">
-            <a:schemeClr val="lt1"/>
-          </a:fontRef>
-        </p:style>
-        <p:txBody>
-          <a:bodyPr rtlCol="0" anchor="ctr"/>
-          <a:lstStyle/>
-          <a:p>
-            <a:pPr algn="ctr"/>
-            <a:endParaRPr lang="en-US"/>
-          </a:p>
-        </p:txBody>
-      </p:sp>
-      <p:sp>
-        <p:nvSpPr>
-          <p:cNvPr id="24" name="Right Arrow 23"/>
-          <p:cNvSpPr/>
-          <p:nvPr/>
-        </p:nvSpPr>
-        <p:spPr>
-          <a:xfrm flipV="1">
-            <a:off x="5618485" y="1753397"/>
-            <a:ext cx="284290" cy="263734"/>
-          </a:xfrm>
-          <a:prstGeom prst="rightArrow">
-            <a:avLst/>
-          </a:prstGeom>
-        </p:spPr>
-        <p:style>
-          <a:lnRef idx="1">
-            <a:schemeClr val="accent1"/>
-          </a:lnRef>
-          <a:fillRef idx="3">
-            <a:schemeClr val="accent1"/>
-          </a:fillRef>
-          <a:effectRef idx="2">
-            <a:schemeClr val="accent1"/>
-          </a:effectRef>
-          <a:fontRef idx="minor">
-            <a:schemeClr val="lt1"/>
-          </a:fontRef>
-        </p:style>
-        <p:txBody>
-          <a:bodyPr rtlCol="0" anchor="ctr"/>
-          <a:lstStyle/>
-          <a:p>
-            <a:pPr algn="ctr"/>
-            <a:endParaRPr lang="en-US"/>
-          </a:p>
-        </p:txBody>
-      </p:sp>
-      <p:sp>
-        <p:nvSpPr>
-          <p:cNvPr id="25" name="Right Arrow 24"/>
-          <p:cNvSpPr/>
-          <p:nvPr/>
-        </p:nvSpPr>
-        <p:spPr>
-          <a:xfrm flipV="1">
-            <a:off x="5641725" y="3014545"/>
-            <a:ext cx="261049" cy="480335"/>
-          </a:xfrm>
-          <a:prstGeom prst="rightArrow">
-            <a:avLst/>
-          </a:prstGeom>
-        </p:spPr>
-        <p:style>
-          <a:lnRef idx="1">
-            <a:schemeClr val="accent1"/>
-          </a:lnRef>
-          <a:fillRef idx="3">
-            <a:schemeClr val="accent1"/>
-          </a:fillRef>
-          <a:effectRef idx="2">
-            <a:schemeClr val="accent1"/>
-          </a:effectRef>
-          <a:fontRef idx="minor">
-            <a:schemeClr val="lt1"/>
-          </a:fontRef>
-        </p:style>
-        <p:txBody>
-          <a:bodyPr rtlCol="0" anchor="ctr"/>
-          <a:lstStyle/>
-          <a:p>
-            <a:pPr algn="ctr"/>
-            <a:endParaRPr lang="en-US"/>
-          </a:p>
-        </p:txBody>
-      </p:sp>
-      <p:sp>
-        <p:nvSpPr>
-          <p:cNvPr id="26" name="Rectangle 25"/>
-          <p:cNvSpPr/>
-          <p:nvPr/>
-        </p:nvSpPr>
-        <p:spPr>
-          <a:xfrm>
-            <a:off x="6997290" y="2041664"/>
-            <a:ext cx="548968" cy="972881"/>
-          </a:xfrm>
-          <a:prstGeom prst="rect">
-            <a:avLst/>
-          </a:prstGeom>
-        </p:spPr>
-        <p:style>
-          <a:lnRef idx="1">
-            <a:schemeClr val="accent1"/>
-          </a:lnRef>
-          <a:fillRef idx="3">
-            <a:schemeClr val="accent1"/>
-          </a:fillRef>
-          <a:effectRef idx="2">
-            <a:schemeClr val="accent1"/>
-          </a:effectRef>
-          <a:fontRef idx="minor">
-            <a:schemeClr val="lt1"/>
-          </a:fontRef>
-        </p:style>
-        <p:txBody>
-          <a:bodyPr rtlCol="0" anchor="ctr"/>
-          <a:lstStyle/>
-          <a:p>
-            <a:pPr algn="ctr"/>
-            <a:r>
-              <a:rPr lang="en-US" sz="1200" dirty="0" smtClean="0"/>
-              <a:t>VLIW</a:t>
-            </a:r>
-          </a:p>
-          <a:p>
-            <a:pPr algn="ctr"/>
-            <a:r>
-              <a:rPr lang="en-US" sz="1200" dirty="0" smtClean="0"/>
-              <a:t>ALUs</a:t>
-            </a:r>
-            <a:endParaRPr lang="en-US" sz="1200" dirty="0"/>
-          </a:p>
-        </p:txBody>
-      </p:sp>
-      <p:sp>
-        <p:nvSpPr>
-          <p:cNvPr id="27" name="Rectangle 26"/>
-          <p:cNvSpPr/>
-          <p:nvPr/>
-        </p:nvSpPr>
-        <p:spPr>
-          <a:xfrm>
-            <a:off x="7761774" y="1443281"/>
-            <a:ext cx="529143" cy="2548216"/>
-          </a:xfrm>
-          <a:prstGeom prst="rect">
-            <a:avLst/>
-          </a:prstGeom>
-        </p:spPr>
-        <p:style>
-          <a:lnRef idx="1">
-            <a:schemeClr val="accent1"/>
-          </a:lnRef>
-          <a:fillRef idx="3">
-            <a:schemeClr val="accent1"/>
-          </a:fillRef>
-          <a:effectRef idx="2">
-            <a:schemeClr val="accent1"/>
-          </a:effectRef>
-          <a:fontRef idx="minor">
-            <a:schemeClr val="lt1"/>
-          </a:fontRef>
-        </p:style>
-        <p:txBody>
-          <a:bodyPr rtlCol="0" anchor="ctr"/>
-          <a:lstStyle/>
-          <a:p>
-            <a:pPr algn="ctr"/>
-            <a:r>
-              <a:rPr lang="en-US" dirty="0" smtClean="0"/>
-              <a:t>o</a:t>
-            </a:r>
-          </a:p>
-          <a:p>
-            <a:pPr algn="ctr"/>
-            <a:r>
-              <a:rPr lang="en-US" dirty="0" smtClean="0"/>
-              <a:t>P</a:t>
-            </a:r>
-          </a:p>
-          <a:p>
-            <a:pPr algn="ctr"/>
-            <a:r>
-              <a:rPr lang="en-US" dirty="0" smtClean="0"/>
-              <a:t>H</a:t>
-            </a:r>
-          </a:p>
-          <a:p>
-            <a:pPr algn="ctr"/>
-            <a:r>
-              <a:rPr lang="en-US" dirty="0"/>
-              <a:t>V</a:t>
-            </a:r>
-          </a:p>
-        </p:txBody>
-      </p:sp>
-      <p:sp>
-        <p:nvSpPr>
-          <p:cNvPr id="29" name="Right Arrow 28"/>
-          <p:cNvSpPr/>
-          <p:nvPr/>
-        </p:nvSpPr>
-        <p:spPr>
-          <a:xfrm flipV="1">
-            <a:off x="7546257" y="2265655"/>
-            <a:ext cx="215517" cy="480335"/>
-          </a:xfrm>
-          <a:prstGeom prst="rightArrow">
-            <a:avLst/>
-          </a:prstGeom>
-        </p:spPr>
-        <p:style>
-          <a:lnRef idx="1">
-            <a:schemeClr val="accent1"/>
-          </a:lnRef>
-          <a:fillRef idx="3">
-            <a:schemeClr val="accent1"/>
-          </a:fillRef>
-          <a:effectRef idx="2">
-            <a:schemeClr val="accent1"/>
-          </a:effectRef>
-          <a:fontRef idx="minor">
-            <a:schemeClr val="lt1"/>
-          </a:fontRef>
-        </p:style>
-        <p:txBody>
-          <a:bodyPr rtlCol="0" anchor="ctr"/>
-          <a:lstStyle/>
-          <a:p>
-            <a:pPr algn="ctr"/>
-            <a:endParaRPr lang="en-US"/>
-          </a:p>
-        </p:txBody>
-      </p:sp>
-      <p:sp>
-        <p:nvSpPr>
-          <p:cNvPr id="30" name="Right Arrow 29"/>
-          <p:cNvSpPr/>
-          <p:nvPr/>
-        </p:nvSpPr>
-        <p:spPr>
-          <a:xfrm flipV="1">
-            <a:off x="6735239" y="2310746"/>
-            <a:ext cx="262052" cy="480335"/>
-          </a:xfrm>
-          <a:prstGeom prst="rightArrow">
-            <a:avLst/>
-          </a:prstGeom>
-        </p:spPr>
-        <p:style>
-          <a:lnRef idx="1">
-            <a:schemeClr val="accent1"/>
-          </a:lnRef>
-          <a:fillRef idx="3">
-            <a:schemeClr val="accent1"/>
-          </a:fillRef>
-          <a:effectRef idx="2">
-            <a:schemeClr val="accent1"/>
-          </a:effectRef>
-          <a:fontRef idx="minor">
-            <a:schemeClr val="lt1"/>
-          </a:fontRef>
-        </p:style>
-        <p:txBody>
-          <a:bodyPr rtlCol="0" anchor="ctr"/>
-          <a:lstStyle/>
-          <a:p>
-            <a:pPr algn="ctr"/>
-            <a:endParaRPr lang="en-US"/>
-          </a:p>
-        </p:txBody>
-      </p:sp>
-      <p:sp>
-        <p:nvSpPr>
-          <p:cNvPr id="31" name="Right Arrow 30"/>
-          <p:cNvSpPr/>
-          <p:nvPr/>
-        </p:nvSpPr>
-        <p:spPr>
-          <a:xfrm flipV="1">
-            <a:off x="5625198" y="2066243"/>
-            <a:ext cx="1372092" cy="170812"/>
-          </a:xfrm>
-          <a:prstGeom prst="rightArrow">
-            <a:avLst/>
-          </a:prstGeom>
-        </p:spPr>
-        <p:style>
-          <a:lnRef idx="1">
-            <a:schemeClr val="accent1"/>
-          </a:lnRef>
-          <a:fillRef idx="3">
-            <a:schemeClr val="accent1"/>
-          </a:fillRef>
-          <a:effectRef idx="2">
-            <a:schemeClr val="accent1"/>
-          </a:effectRef>
-          <a:fontRef idx="minor">
-            <a:schemeClr val="lt1"/>
-          </a:fontRef>
-        </p:style>
-        <p:txBody>
-          <a:bodyPr rtlCol="0" anchor="ctr"/>
-          <a:lstStyle/>
-          <a:p>
-            <a:pPr algn="ctr"/>
-            <a:endParaRPr lang="en-US"/>
-          </a:p>
-        </p:txBody>
-      </p:sp>
-      <p:sp>
-        <p:nvSpPr>
-          <p:cNvPr id="32" name="Bent Arrow 31"/>
-          <p:cNvSpPr/>
-          <p:nvPr/>
-        </p:nvSpPr>
-        <p:spPr>
-          <a:xfrm rot="5400000" flipH="1">
-            <a:off x="3664883" y="253275"/>
-            <a:ext cx="1013588" cy="6536130"/>
-          </a:xfrm>
-          <a:prstGeom prst="bentArrow">
-            <a:avLst>
-              <a:gd name="adj1" fmla="val 8833"/>
-              <a:gd name="adj2" fmla="val 12874"/>
-              <a:gd name="adj3" fmla="val 22575"/>
-              <a:gd name="adj4" fmla="val 43750"/>
-            </a:avLst>
-          </a:prstGeom>
-        </p:spPr>
-        <p:style>
-          <a:lnRef idx="1">
-            <a:schemeClr val="accent1"/>
-          </a:lnRef>
-          <a:fillRef idx="3">
-            <a:schemeClr val="accent1"/>
-          </a:fillRef>
-          <a:effectRef idx="2">
-            <a:schemeClr val="accent1"/>
-          </a:effectRef>
-          <a:fontRef idx="minor">
-            <a:schemeClr val="lt1"/>
-          </a:fontRef>
-        </p:style>
-        <p:txBody>
-          <a:bodyPr rtlCol="0" anchor="ctr"/>
-          <a:lstStyle/>
-          <a:p>
-            <a:pPr algn="ctr"/>
-            <a:endParaRPr lang="en-US">
-              <a:solidFill>
-                <a:schemeClr val="tx1"/>
-              </a:solidFill>
-            </a:endParaRPr>
-          </a:p>
-        </p:txBody>
-      </p:sp>
-      <p:sp>
-        <p:nvSpPr>
-          <p:cNvPr id="33" name="Bent Arrow 32"/>
-          <p:cNvSpPr/>
-          <p:nvPr/>
-        </p:nvSpPr>
-        <p:spPr>
-          <a:xfrm rot="5400000">
-            <a:off x="3432824" y="2258282"/>
-            <a:ext cx="730289" cy="187932"/>
-          </a:xfrm>
-          <a:prstGeom prst="bentArrow">
-            <a:avLst/>
-          </a:prstGeom>
-        </p:spPr>
-        <p:style>
-          <a:lnRef idx="1">
-            <a:schemeClr val="accent1"/>
-          </a:lnRef>
-          <a:fillRef idx="3">
-            <a:schemeClr val="accent1"/>
-          </a:fillRef>
-          <a:effectRef idx="2">
-            <a:schemeClr val="accent1"/>
-          </a:effectRef>
-          <a:fontRef idx="minor">
-            <a:schemeClr val="lt1"/>
-          </a:fontRef>
-        </p:style>
-        <p:txBody>
-          <a:bodyPr rtlCol="0" anchor="ctr"/>
-          <a:lstStyle/>
-          <a:p>
-            <a:pPr algn="ctr"/>
-            <a:endParaRPr lang="en-US">
-              <a:solidFill>
-                <a:schemeClr val="tx1"/>
-              </a:solidFill>
-            </a:endParaRPr>
-          </a:p>
-        </p:txBody>
-      </p:sp>
-      <p:sp>
-        <p:nvSpPr>
-          <p:cNvPr id="34" name="Down Arrow 33"/>
-          <p:cNvSpPr/>
-          <p:nvPr/>
-        </p:nvSpPr>
-        <p:spPr>
-          <a:xfrm>
-            <a:off x="4211484" y="1443281"/>
-            <a:ext cx="196645" cy="321580"/>
-          </a:xfrm>
-          <a:prstGeom prst="downArrow">
-            <a:avLst/>
-          </a:prstGeom>
-        </p:spPr>
-        <p:style>
-          <a:lnRef idx="1">
-            <a:schemeClr val="accent1"/>
-          </a:lnRef>
-          <a:fillRef idx="3">
-            <a:schemeClr val="accent1"/>
-          </a:fillRef>
-          <a:effectRef idx="2">
-            <a:schemeClr val="accent1"/>
-          </a:effectRef>
-          <a:fontRef idx="minor">
-            <a:schemeClr val="lt1"/>
-          </a:fontRef>
-        </p:style>
-        <p:txBody>
-          <a:bodyPr rtlCol="0" anchor="ctr"/>
-          <a:lstStyle/>
-          <a:p>
-            <a:pPr algn="ctr"/>
-            <a:endParaRPr lang="en-US"/>
-          </a:p>
-        </p:txBody>
-      </p:sp>
-      <p:sp>
-        <p:nvSpPr>
-          <p:cNvPr id="35" name="Down Arrow 34"/>
-          <p:cNvSpPr/>
-          <p:nvPr/>
-        </p:nvSpPr>
-        <p:spPr>
-          <a:xfrm>
-            <a:off x="4167239" y="2328644"/>
-            <a:ext cx="240890" cy="1809083"/>
-          </a:xfrm>
-          <a:prstGeom prst="downArrow">
-            <a:avLst/>
-          </a:prstGeom>
-        </p:spPr>
-        <p:style>
-          <a:lnRef idx="1">
-            <a:schemeClr val="accent1"/>
-          </a:lnRef>
-          <a:fillRef idx="3">
-            <a:schemeClr val="accent1"/>
-          </a:fillRef>
-          <a:effectRef idx="2">
-            <a:schemeClr val="accent1"/>
-          </a:effectRef>
-          <a:fontRef idx="minor">
-            <a:schemeClr val="lt1"/>
-          </a:fontRef>
-        </p:style>
-        <p:txBody>
-          <a:bodyPr rtlCol="0" anchor="ctr"/>
-          <a:lstStyle/>
-          <a:p>
-            <a:pPr algn="ctr"/>
-            <a:endParaRPr lang="en-US"/>
-          </a:p>
-        </p:txBody>
-      </p:sp>
-      <p:sp>
-        <p:nvSpPr>
-          <p:cNvPr id="36" name="TextBox 35"/>
-          <p:cNvSpPr txBox="1"/>
-          <p:nvPr/>
-        </p:nvSpPr>
-        <p:spPr>
-          <a:xfrm>
-            <a:off x="3972484" y="1229014"/>
-            <a:ext cx="723738" cy="246221"/>
-          </a:xfrm>
-          <a:prstGeom prst="rect">
-            <a:avLst/>
-          </a:prstGeom>
-          <a:noFill/>
-        </p:spPr>
-        <p:txBody>
-          <a:bodyPr wrap="none" rtlCol="0">
-            <a:spAutoFit/>
-          </a:bodyPr>
-          <a:lstStyle/>
-          <a:p>
-            <a:r>
-              <a:rPr lang="en-US" sz="1000" dirty="0" smtClean="0"/>
-              <a:t>Next table</a:t>
-            </a:r>
-            <a:endParaRPr lang="en-US" sz="1000" dirty="0"/>
-          </a:p>
-        </p:txBody>
-      </p:sp>
-      <p:sp>
-        <p:nvSpPr>
-          <p:cNvPr id="3" name="TextBox 2"/>
-          <p:cNvSpPr txBox="1"/>
-          <p:nvPr/>
-        </p:nvSpPr>
-        <p:spPr>
-          <a:xfrm>
-            <a:off x="374470" y="4588387"/>
-            <a:ext cx="8250977" cy="1477328"/>
-          </a:xfrm>
-          <a:prstGeom prst="rect">
-            <a:avLst/>
-          </a:prstGeom>
-          <a:noFill/>
-        </p:spPr>
-        <p:txBody>
-          <a:bodyPr wrap="none" rtlCol="0">
-            <a:spAutoFit/>
-          </a:bodyPr>
-          <a:lstStyle/>
-          <a:p>
-            <a:pPr marL="285750" indent="-285750">
-              <a:buFont typeface="Arial"/>
-              <a:buChar char="•"/>
-            </a:pPr>
-            <a:r>
-              <a:rPr lang="en-US" dirty="0" smtClean="0"/>
-              <a:t>Many </a:t>
-            </a:r>
-            <a:r>
-              <a:rPr lang="en-US" dirty="0"/>
-              <a:t>components, each of which may or may not </a:t>
-            </a:r>
-            <a:r>
-              <a:rPr lang="en-US" dirty="0" smtClean="0"/>
-              <a:t>be used </a:t>
-            </a:r>
-            <a:r>
-              <a:rPr lang="en-US" dirty="0"/>
-              <a:t>for any given </a:t>
-            </a:r>
-            <a:r>
-              <a:rPr lang="en-US" dirty="0" smtClean="0"/>
-              <a:t>table</a:t>
-            </a:r>
-          </a:p>
-          <a:p>
-            <a:pPr marL="285750" indent="-285750">
-              <a:buFont typeface="Arial"/>
-              <a:buChar char="•"/>
-            </a:pPr>
-            <a:r>
-              <a:rPr lang="en-US" dirty="0" smtClean="0"/>
-              <a:t>Each part uses resources of some type that are shared between all tables in a stage</a:t>
-            </a:r>
-          </a:p>
-          <a:p>
-            <a:pPr marL="285750" indent="-285750">
-              <a:buFont typeface="Arial"/>
-              <a:buChar char="•"/>
-            </a:pPr>
-            <a:r>
-              <a:rPr lang="en-US" dirty="0" smtClean="0"/>
-              <a:t>Any given table and resource can be allocated to ingress or egress</a:t>
-            </a:r>
-          </a:p>
-          <a:p>
-            <a:pPr marL="285750" indent="-285750">
-              <a:buFont typeface="Arial"/>
-              <a:buChar char="•"/>
-            </a:pPr>
-            <a:endParaRPr lang="en-US" dirty="0"/>
-          </a:p>
-          <a:p>
-            <a:pPr marL="285750" indent="-285750">
-              <a:buFont typeface="Arial"/>
-              <a:buChar char="•"/>
-            </a:pPr>
+              <a:t> is a list of emit primitives</a:t>
+            </a:r>
             <a:endParaRPr lang="en-US" dirty="0"/>
           </a:p>
         </p:txBody>
@@ -6447,7 +7468,7 @@
     </p:spTree>
     <p:extLst>
       <p:ext uri="{BB962C8B-B14F-4D97-AF65-F5344CB8AC3E}">
-        <p14:creationId xmlns:p14="http://schemas.microsoft.com/office/powerpoint/2010/main" val="3008119118"/>
+        <p14:creationId xmlns:p14="http://schemas.microsoft.com/office/powerpoint/2010/main" val="3572158399"/>
       </p:ext>
     </p:extLst>
   </p:cSld>
@@ -6476,6 +7497,1504 @@
       </p:grpSpPr>
       <p:sp>
         <p:nvSpPr>
+          <p:cNvPr id="2" name="Title 1"/>
+          <p:cNvSpPr>
+            <a:spLocks noGrp="1"/>
+          </p:cNvSpPr>
+          <p:nvPr>
+            <p:ph type="title"/>
+          </p:nvPr>
+        </p:nvSpPr>
+        <p:spPr/>
+        <p:txBody>
+          <a:bodyPr/>
+          <a:lstStyle/>
+          <a:p>
+            <a:r>
+              <a:rPr lang="en-US" dirty="0" smtClean="0"/>
+              <a:t>Anatomy of a </a:t>
+            </a:r>
+            <a:r>
+              <a:rPr lang="en-US" dirty="0" err="1" smtClean="0"/>
+              <a:t>Tofino</a:t>
+            </a:r>
+            <a:r>
+              <a:rPr lang="en-US" dirty="0" smtClean="0"/>
+              <a:t> Table</a:t>
+            </a:r>
+            <a:endParaRPr lang="en-US" dirty="0"/>
+          </a:p>
+        </p:txBody>
+      </p:sp>
+      <p:sp>
+        <p:nvSpPr>
+          <p:cNvPr id="4" name="Rectangle 3"/>
+          <p:cNvSpPr/>
+          <p:nvPr/>
+        </p:nvSpPr>
+        <p:spPr>
+          <a:xfrm>
+            <a:off x="374470" y="1479918"/>
+            <a:ext cx="529143" cy="2548216"/>
+          </a:xfrm>
+          <a:prstGeom prst="rect">
+            <a:avLst/>
+          </a:prstGeom>
+        </p:spPr>
+        <p:style>
+          <a:lnRef idx="1">
+            <a:schemeClr val="accent1"/>
+          </a:lnRef>
+          <a:fillRef idx="3">
+            <a:schemeClr val="accent1"/>
+          </a:fillRef>
+          <a:effectRef idx="2">
+            <a:schemeClr val="accent1"/>
+          </a:effectRef>
+          <a:fontRef idx="minor">
+            <a:schemeClr val="lt1"/>
+          </a:fontRef>
+        </p:style>
+        <p:txBody>
+          <a:bodyPr rtlCol="0" anchor="ctr"/>
+          <a:lstStyle/>
+          <a:p>
+            <a:pPr algn="ctr"/>
+            <a:r>
+              <a:rPr lang="en-US" dirty="0"/>
+              <a:t>i</a:t>
+            </a:r>
+            <a:endParaRPr lang="en-US" dirty="0" smtClean="0"/>
+          </a:p>
+          <a:p>
+            <a:pPr algn="ctr"/>
+            <a:r>
+              <a:rPr lang="en-US" dirty="0" smtClean="0"/>
+              <a:t>P</a:t>
+            </a:r>
+          </a:p>
+          <a:p>
+            <a:pPr algn="ctr"/>
+            <a:r>
+              <a:rPr lang="en-US" dirty="0" smtClean="0"/>
+              <a:t>H</a:t>
+            </a:r>
+          </a:p>
+          <a:p>
+            <a:pPr algn="ctr"/>
+            <a:r>
+              <a:rPr lang="en-US" dirty="0"/>
+              <a:t>V</a:t>
+            </a:r>
+          </a:p>
+        </p:txBody>
+      </p:sp>
+      <p:sp>
+        <p:nvSpPr>
+          <p:cNvPr id="5" name="Rectangle 4"/>
+          <p:cNvSpPr/>
+          <p:nvPr/>
+        </p:nvSpPr>
+        <p:spPr>
+          <a:xfrm>
+            <a:off x="1090849" y="1764862"/>
+            <a:ext cx="1107130" cy="1294462"/>
+          </a:xfrm>
+          <a:prstGeom prst="rect">
+            <a:avLst/>
+          </a:prstGeom>
+        </p:spPr>
+        <p:style>
+          <a:lnRef idx="1">
+            <a:schemeClr val="accent1"/>
+          </a:lnRef>
+          <a:fillRef idx="3">
+            <a:schemeClr val="accent1"/>
+          </a:fillRef>
+          <a:effectRef idx="2">
+            <a:schemeClr val="accent1"/>
+          </a:effectRef>
+          <a:fontRef idx="minor">
+            <a:schemeClr val="lt1"/>
+          </a:fontRef>
+        </p:style>
+        <p:txBody>
+          <a:bodyPr rtlCol="0" anchor="ctr"/>
+          <a:lstStyle/>
+          <a:p>
+            <a:pPr algn="ctr"/>
+            <a:r>
+              <a:rPr lang="en-US" dirty="0" smtClean="0"/>
+              <a:t>Input</a:t>
+            </a:r>
+          </a:p>
+          <a:p>
+            <a:pPr algn="ctr"/>
+            <a:r>
+              <a:rPr lang="en-US" dirty="0" err="1" smtClean="0"/>
+              <a:t>xbar</a:t>
+            </a:r>
+            <a:endParaRPr lang="en-US" dirty="0"/>
+          </a:p>
+        </p:txBody>
+      </p:sp>
+      <p:sp>
+        <p:nvSpPr>
+          <p:cNvPr id="6" name="Rectangle 5"/>
+          <p:cNvSpPr/>
+          <p:nvPr/>
+        </p:nvSpPr>
+        <p:spPr>
+          <a:xfrm>
+            <a:off x="1090849" y="3254714"/>
+            <a:ext cx="1107130" cy="512900"/>
+          </a:xfrm>
+          <a:prstGeom prst="rect">
+            <a:avLst/>
+          </a:prstGeom>
+        </p:spPr>
+        <p:style>
+          <a:lnRef idx="1">
+            <a:schemeClr val="accent1"/>
+          </a:lnRef>
+          <a:fillRef idx="3">
+            <a:schemeClr val="accent1"/>
+          </a:fillRef>
+          <a:effectRef idx="2">
+            <a:schemeClr val="accent1"/>
+          </a:effectRef>
+          <a:fontRef idx="minor">
+            <a:schemeClr val="lt1"/>
+          </a:fontRef>
+        </p:style>
+        <p:txBody>
+          <a:bodyPr rtlCol="0" anchor="ctr"/>
+          <a:lstStyle/>
+          <a:p>
+            <a:pPr algn="ctr"/>
+            <a:r>
+              <a:rPr lang="en-US" dirty="0" smtClean="0"/>
+              <a:t>hash</a:t>
+            </a:r>
+            <a:endParaRPr lang="en-US" dirty="0"/>
+          </a:p>
+        </p:txBody>
+      </p:sp>
+      <p:sp>
+        <p:nvSpPr>
+          <p:cNvPr id="7" name="Rectangle 6"/>
+          <p:cNvSpPr/>
+          <p:nvPr/>
+        </p:nvSpPr>
+        <p:spPr>
+          <a:xfrm>
+            <a:off x="2580590" y="2489435"/>
+            <a:ext cx="1123412" cy="1278179"/>
+          </a:xfrm>
+          <a:prstGeom prst="rect">
+            <a:avLst/>
+          </a:prstGeom>
+        </p:spPr>
+        <p:style>
+          <a:lnRef idx="1">
+            <a:schemeClr val="accent1"/>
+          </a:lnRef>
+          <a:fillRef idx="3">
+            <a:schemeClr val="accent1"/>
+          </a:fillRef>
+          <a:effectRef idx="2">
+            <a:schemeClr val="accent1"/>
+          </a:effectRef>
+          <a:fontRef idx="minor">
+            <a:schemeClr val="lt1"/>
+          </a:fontRef>
+        </p:style>
+        <p:txBody>
+          <a:bodyPr rtlCol="0" anchor="ctr"/>
+          <a:lstStyle/>
+          <a:p>
+            <a:pPr algn="ctr"/>
+            <a:r>
+              <a:rPr lang="en-US" dirty="0" smtClean="0"/>
+              <a:t>Match</a:t>
+            </a:r>
+          </a:p>
+          <a:p>
+            <a:pPr algn="ctr"/>
+            <a:r>
+              <a:rPr lang="en-US" dirty="0" smtClean="0"/>
+              <a:t>table</a:t>
+            </a:r>
+            <a:endParaRPr lang="en-US" dirty="0"/>
+          </a:p>
+        </p:txBody>
+      </p:sp>
+      <p:sp>
+        <p:nvSpPr>
+          <p:cNvPr id="8" name="Rectangle 7"/>
+          <p:cNvSpPr/>
+          <p:nvPr/>
+        </p:nvSpPr>
+        <p:spPr>
+          <a:xfrm>
+            <a:off x="2580590" y="1764862"/>
+            <a:ext cx="1123412" cy="472194"/>
+          </a:xfrm>
+          <a:prstGeom prst="rect">
+            <a:avLst/>
+          </a:prstGeom>
+        </p:spPr>
+        <p:style>
+          <a:lnRef idx="1">
+            <a:schemeClr val="accent1"/>
+          </a:lnRef>
+          <a:fillRef idx="3">
+            <a:schemeClr val="accent1"/>
+          </a:fillRef>
+          <a:effectRef idx="2">
+            <a:schemeClr val="accent1"/>
+          </a:effectRef>
+          <a:fontRef idx="minor">
+            <a:schemeClr val="lt1"/>
+          </a:fontRef>
+        </p:style>
+        <p:txBody>
+          <a:bodyPr rtlCol="0" anchor="ctr"/>
+          <a:lstStyle/>
+          <a:p>
+            <a:pPr algn="ctr"/>
+            <a:r>
+              <a:rPr lang="en-US" dirty="0" smtClean="0"/>
+              <a:t>gateway</a:t>
+            </a:r>
+            <a:endParaRPr lang="en-US" dirty="0"/>
+          </a:p>
+        </p:txBody>
+      </p:sp>
+      <p:sp>
+        <p:nvSpPr>
+          <p:cNvPr id="9" name="Rectangle 8"/>
+          <p:cNvSpPr/>
+          <p:nvPr/>
+        </p:nvSpPr>
+        <p:spPr>
+          <a:xfrm>
+            <a:off x="3997066" y="1764862"/>
+            <a:ext cx="1628132" cy="2002752"/>
+          </a:xfrm>
+          <a:prstGeom prst="rect">
+            <a:avLst/>
+          </a:prstGeom>
+        </p:spPr>
+        <p:style>
+          <a:lnRef idx="1">
+            <a:schemeClr val="accent1"/>
+          </a:lnRef>
+          <a:fillRef idx="3">
+            <a:schemeClr val="accent1"/>
+          </a:fillRef>
+          <a:effectRef idx="2">
+            <a:schemeClr val="accent1"/>
+          </a:effectRef>
+          <a:fontRef idx="minor">
+            <a:schemeClr val="lt1"/>
+          </a:fontRef>
+        </p:style>
+        <p:txBody>
+          <a:bodyPr rtlCol="0" anchor="ctr"/>
+          <a:lstStyle/>
+          <a:p>
+            <a:pPr algn="ctr"/>
+            <a:r>
+              <a:rPr lang="en-US" dirty="0" smtClean="0"/>
+              <a:t>Match</a:t>
+            </a:r>
+          </a:p>
+          <a:p>
+            <a:pPr algn="ctr"/>
+            <a:r>
+              <a:rPr lang="en-US" dirty="0" smtClean="0"/>
+              <a:t>central</a:t>
+            </a:r>
+            <a:endParaRPr lang="en-US" dirty="0"/>
+          </a:p>
+        </p:txBody>
+      </p:sp>
+      <p:sp>
+        <p:nvSpPr>
+          <p:cNvPr id="10" name="Rectangle 9"/>
+          <p:cNvSpPr/>
+          <p:nvPr/>
+        </p:nvSpPr>
+        <p:spPr>
+          <a:xfrm>
+            <a:off x="3997066" y="1764862"/>
+            <a:ext cx="675675" cy="553606"/>
+          </a:xfrm>
+          <a:prstGeom prst="rect">
+            <a:avLst/>
+          </a:prstGeom>
+        </p:spPr>
+        <p:style>
+          <a:lnRef idx="1">
+            <a:schemeClr val="accent1"/>
+          </a:lnRef>
+          <a:fillRef idx="3">
+            <a:schemeClr val="accent1"/>
+          </a:fillRef>
+          <a:effectRef idx="2">
+            <a:schemeClr val="accent1"/>
+          </a:effectRef>
+          <a:fontRef idx="minor">
+            <a:schemeClr val="lt1"/>
+          </a:fontRef>
+        </p:style>
+        <p:txBody>
+          <a:bodyPr rtlCol="0" anchor="ctr"/>
+          <a:lstStyle/>
+          <a:p>
+            <a:pPr algn="ctr"/>
+            <a:r>
+              <a:rPr lang="en-US" dirty="0" err="1" smtClean="0"/>
+              <a:t>Pred</a:t>
+            </a:r>
+            <a:endParaRPr lang="en-US" dirty="0"/>
+          </a:p>
+        </p:txBody>
+      </p:sp>
+      <p:sp>
+        <p:nvSpPr>
+          <p:cNvPr id="11" name="Right Arrow 10"/>
+          <p:cNvSpPr/>
+          <p:nvPr/>
+        </p:nvSpPr>
+        <p:spPr>
+          <a:xfrm flipV="1">
+            <a:off x="903613" y="2237056"/>
+            <a:ext cx="187236" cy="480335"/>
+          </a:xfrm>
+          <a:prstGeom prst="rightArrow">
+            <a:avLst/>
+          </a:prstGeom>
+        </p:spPr>
+        <p:style>
+          <a:lnRef idx="1">
+            <a:schemeClr val="accent1"/>
+          </a:lnRef>
+          <a:fillRef idx="3">
+            <a:schemeClr val="accent1"/>
+          </a:fillRef>
+          <a:effectRef idx="2">
+            <a:schemeClr val="accent1"/>
+          </a:effectRef>
+          <a:fontRef idx="minor">
+            <a:schemeClr val="lt1"/>
+          </a:fontRef>
+        </p:style>
+        <p:txBody>
+          <a:bodyPr rtlCol="0" anchor="ctr"/>
+          <a:lstStyle/>
+          <a:p>
+            <a:pPr algn="ctr"/>
+            <a:endParaRPr lang="en-US"/>
+          </a:p>
+        </p:txBody>
+      </p:sp>
+      <p:sp>
+        <p:nvSpPr>
+          <p:cNvPr id="12" name="Right Arrow 11"/>
+          <p:cNvSpPr/>
+          <p:nvPr/>
+        </p:nvSpPr>
+        <p:spPr>
+          <a:xfrm flipV="1">
+            <a:off x="2197979" y="1764861"/>
+            <a:ext cx="382611" cy="480335"/>
+          </a:xfrm>
+          <a:prstGeom prst="rightArrow">
+            <a:avLst/>
+          </a:prstGeom>
+        </p:spPr>
+        <p:style>
+          <a:lnRef idx="1">
+            <a:schemeClr val="accent1"/>
+          </a:lnRef>
+          <a:fillRef idx="3">
+            <a:schemeClr val="accent1"/>
+          </a:fillRef>
+          <a:effectRef idx="2">
+            <a:schemeClr val="accent1"/>
+          </a:effectRef>
+          <a:fontRef idx="minor">
+            <a:schemeClr val="lt1"/>
+          </a:fontRef>
+        </p:style>
+        <p:txBody>
+          <a:bodyPr rtlCol="0" anchor="ctr"/>
+          <a:lstStyle/>
+          <a:p>
+            <a:pPr algn="ctr"/>
+            <a:endParaRPr lang="en-US"/>
+          </a:p>
+        </p:txBody>
+      </p:sp>
+      <p:sp>
+        <p:nvSpPr>
+          <p:cNvPr id="13" name="Right Arrow 12"/>
+          <p:cNvSpPr/>
+          <p:nvPr/>
+        </p:nvSpPr>
+        <p:spPr>
+          <a:xfrm flipV="1">
+            <a:off x="2214260" y="2489435"/>
+            <a:ext cx="382611" cy="480335"/>
+          </a:xfrm>
+          <a:prstGeom prst="rightArrow">
+            <a:avLst/>
+          </a:prstGeom>
+        </p:spPr>
+        <p:style>
+          <a:lnRef idx="1">
+            <a:schemeClr val="accent1"/>
+          </a:lnRef>
+          <a:fillRef idx="3">
+            <a:schemeClr val="accent1"/>
+          </a:fillRef>
+          <a:effectRef idx="2">
+            <a:schemeClr val="accent1"/>
+          </a:effectRef>
+          <a:fontRef idx="minor">
+            <a:schemeClr val="lt1"/>
+          </a:fontRef>
+        </p:style>
+        <p:txBody>
+          <a:bodyPr rtlCol="0" anchor="ctr"/>
+          <a:lstStyle/>
+          <a:p>
+            <a:pPr algn="ctr"/>
+            <a:endParaRPr lang="en-US"/>
+          </a:p>
+        </p:txBody>
+      </p:sp>
+      <p:sp>
+        <p:nvSpPr>
+          <p:cNvPr id="14" name="Right Arrow 13"/>
+          <p:cNvSpPr/>
+          <p:nvPr/>
+        </p:nvSpPr>
+        <p:spPr>
+          <a:xfrm flipV="1">
+            <a:off x="2197979" y="3254714"/>
+            <a:ext cx="382611" cy="480335"/>
+          </a:xfrm>
+          <a:prstGeom prst="rightArrow">
+            <a:avLst/>
+          </a:prstGeom>
+        </p:spPr>
+        <p:style>
+          <a:lnRef idx="1">
+            <a:schemeClr val="accent1"/>
+          </a:lnRef>
+          <a:fillRef idx="3">
+            <a:schemeClr val="accent1"/>
+          </a:fillRef>
+          <a:effectRef idx="2">
+            <a:schemeClr val="accent1"/>
+          </a:effectRef>
+          <a:fontRef idx="minor">
+            <a:schemeClr val="lt1"/>
+          </a:fontRef>
+        </p:style>
+        <p:txBody>
+          <a:bodyPr rtlCol="0" anchor="ctr"/>
+          <a:lstStyle/>
+          <a:p>
+            <a:pPr algn="ctr"/>
+            <a:endParaRPr lang="en-US"/>
+          </a:p>
+        </p:txBody>
+      </p:sp>
+      <p:sp>
+        <p:nvSpPr>
+          <p:cNvPr id="15" name="Right Arrow 14"/>
+          <p:cNvSpPr/>
+          <p:nvPr/>
+        </p:nvSpPr>
+        <p:spPr>
+          <a:xfrm flipV="1">
+            <a:off x="3704003" y="2717389"/>
+            <a:ext cx="293064" cy="480335"/>
+          </a:xfrm>
+          <a:prstGeom prst="rightArrow">
+            <a:avLst/>
+          </a:prstGeom>
+        </p:spPr>
+        <p:style>
+          <a:lnRef idx="1">
+            <a:schemeClr val="accent1"/>
+          </a:lnRef>
+          <a:fillRef idx="3">
+            <a:schemeClr val="accent1"/>
+          </a:fillRef>
+          <a:effectRef idx="2">
+            <a:schemeClr val="accent1"/>
+          </a:effectRef>
+          <a:fontRef idx="minor">
+            <a:schemeClr val="lt1"/>
+          </a:fontRef>
+        </p:style>
+        <p:txBody>
+          <a:bodyPr rtlCol="0" anchor="ctr"/>
+          <a:lstStyle/>
+          <a:p>
+            <a:pPr algn="ctr"/>
+            <a:endParaRPr lang="en-US"/>
+          </a:p>
+        </p:txBody>
+      </p:sp>
+      <p:sp>
+        <p:nvSpPr>
+          <p:cNvPr id="16" name="Bent Arrow 15"/>
+          <p:cNvSpPr/>
+          <p:nvPr/>
+        </p:nvSpPr>
+        <p:spPr>
+          <a:xfrm rot="5400000">
+            <a:off x="6774773" y="1458635"/>
+            <a:ext cx="232032" cy="934029"/>
+          </a:xfrm>
+          <a:prstGeom prst="bentArrow">
+            <a:avLst>
+              <a:gd name="adj1" fmla="val 42656"/>
+              <a:gd name="adj2" fmla="val 50000"/>
+              <a:gd name="adj3" fmla="val 50000"/>
+              <a:gd name="adj4" fmla="val 50000"/>
+            </a:avLst>
+          </a:prstGeom>
+        </p:spPr>
+        <p:style>
+          <a:lnRef idx="1">
+            <a:schemeClr val="accent1"/>
+          </a:lnRef>
+          <a:fillRef idx="3">
+            <a:schemeClr val="accent1"/>
+          </a:fillRef>
+          <a:effectRef idx="2">
+            <a:schemeClr val="accent1"/>
+          </a:effectRef>
+          <a:fontRef idx="minor">
+            <a:schemeClr val="lt1"/>
+          </a:fontRef>
+        </p:style>
+        <p:txBody>
+          <a:bodyPr rtlCol="0" anchor="ctr"/>
+          <a:lstStyle/>
+          <a:p>
+            <a:pPr algn="ctr"/>
+            <a:endParaRPr lang="en-US">
+              <a:solidFill>
+                <a:schemeClr val="tx1"/>
+              </a:solidFill>
+            </a:endParaRPr>
+          </a:p>
+        </p:txBody>
+      </p:sp>
+      <p:sp>
+        <p:nvSpPr>
+          <p:cNvPr id="17" name="Down Arrow 16"/>
+          <p:cNvSpPr/>
+          <p:nvPr/>
+        </p:nvSpPr>
+        <p:spPr>
+          <a:xfrm>
+            <a:off x="1432757" y="3059324"/>
+            <a:ext cx="415174" cy="195390"/>
+          </a:xfrm>
+          <a:prstGeom prst="downArrow">
+            <a:avLst/>
+          </a:prstGeom>
+        </p:spPr>
+        <p:style>
+          <a:lnRef idx="1">
+            <a:schemeClr val="accent1"/>
+          </a:lnRef>
+          <a:fillRef idx="3">
+            <a:schemeClr val="accent1"/>
+          </a:fillRef>
+          <a:effectRef idx="2">
+            <a:schemeClr val="accent1"/>
+          </a:effectRef>
+          <a:fontRef idx="minor">
+            <a:schemeClr val="lt1"/>
+          </a:fontRef>
+        </p:style>
+        <p:txBody>
+          <a:bodyPr rtlCol="0" anchor="ctr"/>
+          <a:lstStyle/>
+          <a:p>
+            <a:pPr algn="ctr"/>
+            <a:endParaRPr lang="en-US"/>
+          </a:p>
+        </p:txBody>
+      </p:sp>
+      <p:sp>
+        <p:nvSpPr>
+          <p:cNvPr id="18" name="Rectangle 17"/>
+          <p:cNvSpPr/>
+          <p:nvPr/>
+        </p:nvSpPr>
+        <p:spPr>
+          <a:xfrm>
+            <a:off x="5902774" y="1764861"/>
+            <a:ext cx="521002" cy="276803"/>
+          </a:xfrm>
+          <a:prstGeom prst="rect">
+            <a:avLst/>
+          </a:prstGeom>
+        </p:spPr>
+        <p:style>
+          <a:lnRef idx="1">
+            <a:schemeClr val="accent1"/>
+          </a:lnRef>
+          <a:fillRef idx="3">
+            <a:schemeClr val="accent1"/>
+          </a:fillRef>
+          <a:effectRef idx="2">
+            <a:schemeClr val="accent1"/>
+          </a:effectRef>
+          <a:fontRef idx="minor">
+            <a:schemeClr val="lt1"/>
+          </a:fontRef>
+        </p:style>
+        <p:txBody>
+          <a:bodyPr rtlCol="0" anchor="ctr"/>
+          <a:lstStyle/>
+          <a:p>
+            <a:pPr algn="ctr"/>
+            <a:r>
+              <a:rPr lang="en-US" sz="1000" dirty="0" err="1" smtClean="0"/>
+              <a:t>imem</a:t>
+            </a:r>
+            <a:endParaRPr lang="en-US" sz="1000" dirty="0"/>
+          </a:p>
+        </p:txBody>
+      </p:sp>
+      <p:sp>
+        <p:nvSpPr>
+          <p:cNvPr id="19" name="Rectangle 18"/>
+          <p:cNvSpPr/>
+          <p:nvPr/>
+        </p:nvSpPr>
+        <p:spPr>
+          <a:xfrm>
+            <a:off x="5902774" y="2237056"/>
+            <a:ext cx="824129" cy="630671"/>
+          </a:xfrm>
+          <a:prstGeom prst="rect">
+            <a:avLst/>
+          </a:prstGeom>
+        </p:spPr>
+        <p:style>
+          <a:lnRef idx="1">
+            <a:schemeClr val="accent1"/>
+          </a:lnRef>
+          <a:fillRef idx="3">
+            <a:schemeClr val="accent1"/>
+          </a:fillRef>
+          <a:effectRef idx="2">
+            <a:schemeClr val="accent1"/>
+          </a:effectRef>
+          <a:fontRef idx="minor">
+            <a:schemeClr val="lt1"/>
+          </a:fontRef>
+        </p:style>
+        <p:txBody>
+          <a:bodyPr rtlCol="0" anchor="ctr"/>
+          <a:lstStyle/>
+          <a:p>
+            <a:pPr algn="ctr"/>
+            <a:r>
+              <a:rPr lang="en-US" sz="1000" dirty="0" smtClean="0"/>
+              <a:t>Action</a:t>
+            </a:r>
+          </a:p>
+          <a:p>
+            <a:pPr algn="ctr"/>
+            <a:r>
+              <a:rPr lang="en-US" sz="1000" dirty="0" smtClean="0"/>
+              <a:t>Data</a:t>
+            </a:r>
+            <a:endParaRPr lang="en-US" sz="1000" dirty="0"/>
+          </a:p>
+        </p:txBody>
+      </p:sp>
+      <p:sp>
+        <p:nvSpPr>
+          <p:cNvPr id="20" name="Rectangle 19"/>
+          <p:cNvSpPr/>
+          <p:nvPr/>
+        </p:nvSpPr>
+        <p:spPr>
+          <a:xfrm>
+            <a:off x="6101798" y="3254392"/>
+            <a:ext cx="693032" cy="521241"/>
+          </a:xfrm>
+          <a:prstGeom prst="rect">
+            <a:avLst/>
+          </a:prstGeom>
+        </p:spPr>
+        <p:style>
+          <a:lnRef idx="1">
+            <a:schemeClr val="accent1"/>
+          </a:lnRef>
+          <a:fillRef idx="3">
+            <a:schemeClr val="accent1"/>
+          </a:fillRef>
+          <a:effectRef idx="2">
+            <a:schemeClr val="accent1"/>
+          </a:effectRef>
+          <a:fontRef idx="minor">
+            <a:schemeClr val="lt1"/>
+          </a:fontRef>
+        </p:style>
+        <p:txBody>
+          <a:bodyPr rtlCol="0" anchor="ctr"/>
+          <a:lstStyle/>
+          <a:p>
+            <a:pPr algn="ctr"/>
+            <a:endParaRPr lang="en-US"/>
+          </a:p>
+        </p:txBody>
+      </p:sp>
+      <p:sp>
+        <p:nvSpPr>
+          <p:cNvPr id="21" name="Rectangle 20"/>
+          <p:cNvSpPr/>
+          <p:nvPr/>
+        </p:nvSpPr>
+        <p:spPr>
+          <a:xfrm>
+            <a:off x="6001095" y="3148560"/>
+            <a:ext cx="693032" cy="521241"/>
+          </a:xfrm>
+          <a:prstGeom prst="rect">
+            <a:avLst/>
+          </a:prstGeom>
+        </p:spPr>
+        <p:style>
+          <a:lnRef idx="1">
+            <a:schemeClr val="accent1"/>
+          </a:lnRef>
+          <a:fillRef idx="3">
+            <a:schemeClr val="accent1"/>
+          </a:fillRef>
+          <a:effectRef idx="2">
+            <a:schemeClr val="accent1"/>
+          </a:effectRef>
+          <a:fontRef idx="minor">
+            <a:schemeClr val="lt1"/>
+          </a:fontRef>
+        </p:style>
+        <p:txBody>
+          <a:bodyPr rtlCol="0" anchor="ctr"/>
+          <a:lstStyle/>
+          <a:p>
+            <a:pPr algn="ctr"/>
+            <a:endParaRPr lang="en-US"/>
+          </a:p>
+        </p:txBody>
+      </p:sp>
+      <p:sp>
+        <p:nvSpPr>
+          <p:cNvPr id="22" name="Rectangle 21"/>
+          <p:cNvSpPr/>
+          <p:nvPr/>
+        </p:nvSpPr>
+        <p:spPr>
+          <a:xfrm>
+            <a:off x="5902774" y="3059323"/>
+            <a:ext cx="693032" cy="521241"/>
+          </a:xfrm>
+          <a:prstGeom prst="rect">
+            <a:avLst/>
+          </a:prstGeom>
+        </p:spPr>
+        <p:style>
+          <a:lnRef idx="1">
+            <a:schemeClr val="accent1"/>
+          </a:lnRef>
+          <a:fillRef idx="3">
+            <a:schemeClr val="accent1"/>
+          </a:fillRef>
+          <a:effectRef idx="2">
+            <a:schemeClr val="accent1"/>
+          </a:effectRef>
+          <a:fontRef idx="minor">
+            <a:schemeClr val="lt1"/>
+          </a:fontRef>
+        </p:style>
+        <p:txBody>
+          <a:bodyPr rtlCol="0" anchor="ctr"/>
+          <a:lstStyle/>
+          <a:p>
+            <a:pPr algn="ctr"/>
+            <a:r>
+              <a:rPr lang="en-US" sz="1000" dirty="0" smtClean="0"/>
+              <a:t>counter meter selection</a:t>
+            </a:r>
+            <a:endParaRPr lang="en-US" sz="1000" dirty="0"/>
+          </a:p>
+        </p:txBody>
+      </p:sp>
+      <p:sp>
+        <p:nvSpPr>
+          <p:cNvPr id="23" name="Right Arrow 22"/>
+          <p:cNvSpPr/>
+          <p:nvPr/>
+        </p:nvSpPr>
+        <p:spPr>
+          <a:xfrm flipV="1">
+            <a:off x="5618485" y="2318467"/>
+            <a:ext cx="284290" cy="480335"/>
+          </a:xfrm>
+          <a:prstGeom prst="rightArrow">
+            <a:avLst/>
+          </a:prstGeom>
+        </p:spPr>
+        <p:style>
+          <a:lnRef idx="1">
+            <a:schemeClr val="accent1"/>
+          </a:lnRef>
+          <a:fillRef idx="3">
+            <a:schemeClr val="accent1"/>
+          </a:fillRef>
+          <a:effectRef idx="2">
+            <a:schemeClr val="accent1"/>
+          </a:effectRef>
+          <a:fontRef idx="minor">
+            <a:schemeClr val="lt1"/>
+          </a:fontRef>
+        </p:style>
+        <p:txBody>
+          <a:bodyPr rtlCol="0" anchor="ctr"/>
+          <a:lstStyle/>
+          <a:p>
+            <a:pPr algn="ctr"/>
+            <a:endParaRPr lang="en-US"/>
+          </a:p>
+        </p:txBody>
+      </p:sp>
+      <p:sp>
+        <p:nvSpPr>
+          <p:cNvPr id="24" name="Right Arrow 23"/>
+          <p:cNvSpPr/>
+          <p:nvPr/>
+        </p:nvSpPr>
+        <p:spPr>
+          <a:xfrm flipV="1">
+            <a:off x="5618485" y="1753397"/>
+            <a:ext cx="284290" cy="263734"/>
+          </a:xfrm>
+          <a:prstGeom prst="rightArrow">
+            <a:avLst/>
+          </a:prstGeom>
+        </p:spPr>
+        <p:style>
+          <a:lnRef idx="1">
+            <a:schemeClr val="accent1"/>
+          </a:lnRef>
+          <a:fillRef idx="3">
+            <a:schemeClr val="accent1"/>
+          </a:fillRef>
+          <a:effectRef idx="2">
+            <a:schemeClr val="accent1"/>
+          </a:effectRef>
+          <a:fontRef idx="minor">
+            <a:schemeClr val="lt1"/>
+          </a:fontRef>
+        </p:style>
+        <p:txBody>
+          <a:bodyPr rtlCol="0" anchor="ctr"/>
+          <a:lstStyle/>
+          <a:p>
+            <a:pPr algn="ctr"/>
+            <a:endParaRPr lang="en-US"/>
+          </a:p>
+        </p:txBody>
+      </p:sp>
+      <p:sp>
+        <p:nvSpPr>
+          <p:cNvPr id="25" name="Right Arrow 24"/>
+          <p:cNvSpPr/>
+          <p:nvPr/>
+        </p:nvSpPr>
+        <p:spPr>
+          <a:xfrm flipV="1">
+            <a:off x="5641725" y="3014545"/>
+            <a:ext cx="261049" cy="480335"/>
+          </a:xfrm>
+          <a:prstGeom prst="rightArrow">
+            <a:avLst/>
+          </a:prstGeom>
+        </p:spPr>
+        <p:style>
+          <a:lnRef idx="1">
+            <a:schemeClr val="accent1"/>
+          </a:lnRef>
+          <a:fillRef idx="3">
+            <a:schemeClr val="accent1"/>
+          </a:fillRef>
+          <a:effectRef idx="2">
+            <a:schemeClr val="accent1"/>
+          </a:effectRef>
+          <a:fontRef idx="minor">
+            <a:schemeClr val="lt1"/>
+          </a:fontRef>
+        </p:style>
+        <p:txBody>
+          <a:bodyPr rtlCol="0" anchor="ctr"/>
+          <a:lstStyle/>
+          <a:p>
+            <a:pPr algn="ctr"/>
+            <a:endParaRPr lang="en-US"/>
+          </a:p>
+        </p:txBody>
+      </p:sp>
+      <p:sp>
+        <p:nvSpPr>
+          <p:cNvPr id="26" name="Rectangle 25"/>
+          <p:cNvSpPr/>
+          <p:nvPr/>
+        </p:nvSpPr>
+        <p:spPr>
+          <a:xfrm>
+            <a:off x="6997290" y="2041664"/>
+            <a:ext cx="548968" cy="972881"/>
+          </a:xfrm>
+          <a:prstGeom prst="rect">
+            <a:avLst/>
+          </a:prstGeom>
+        </p:spPr>
+        <p:style>
+          <a:lnRef idx="1">
+            <a:schemeClr val="accent1"/>
+          </a:lnRef>
+          <a:fillRef idx="3">
+            <a:schemeClr val="accent1"/>
+          </a:fillRef>
+          <a:effectRef idx="2">
+            <a:schemeClr val="accent1"/>
+          </a:effectRef>
+          <a:fontRef idx="minor">
+            <a:schemeClr val="lt1"/>
+          </a:fontRef>
+        </p:style>
+        <p:txBody>
+          <a:bodyPr rtlCol="0" anchor="ctr"/>
+          <a:lstStyle/>
+          <a:p>
+            <a:pPr algn="ctr"/>
+            <a:r>
+              <a:rPr lang="en-US" sz="1200" dirty="0" smtClean="0"/>
+              <a:t>VLIW</a:t>
+            </a:r>
+          </a:p>
+          <a:p>
+            <a:pPr algn="ctr"/>
+            <a:r>
+              <a:rPr lang="en-US" sz="1200" dirty="0" smtClean="0"/>
+              <a:t>ALUs</a:t>
+            </a:r>
+            <a:endParaRPr lang="en-US" sz="1200" dirty="0"/>
+          </a:p>
+        </p:txBody>
+      </p:sp>
+      <p:sp>
+        <p:nvSpPr>
+          <p:cNvPr id="27" name="Rectangle 26"/>
+          <p:cNvSpPr/>
+          <p:nvPr/>
+        </p:nvSpPr>
+        <p:spPr>
+          <a:xfrm>
+            <a:off x="7761774" y="1443281"/>
+            <a:ext cx="529143" cy="2548216"/>
+          </a:xfrm>
+          <a:prstGeom prst="rect">
+            <a:avLst/>
+          </a:prstGeom>
+        </p:spPr>
+        <p:style>
+          <a:lnRef idx="1">
+            <a:schemeClr val="accent1"/>
+          </a:lnRef>
+          <a:fillRef idx="3">
+            <a:schemeClr val="accent1"/>
+          </a:fillRef>
+          <a:effectRef idx="2">
+            <a:schemeClr val="accent1"/>
+          </a:effectRef>
+          <a:fontRef idx="minor">
+            <a:schemeClr val="lt1"/>
+          </a:fontRef>
+        </p:style>
+        <p:txBody>
+          <a:bodyPr rtlCol="0" anchor="ctr"/>
+          <a:lstStyle/>
+          <a:p>
+            <a:pPr algn="ctr"/>
+            <a:r>
+              <a:rPr lang="en-US" dirty="0" smtClean="0"/>
+              <a:t>o</a:t>
+            </a:r>
+          </a:p>
+          <a:p>
+            <a:pPr algn="ctr"/>
+            <a:r>
+              <a:rPr lang="en-US" dirty="0" smtClean="0"/>
+              <a:t>P</a:t>
+            </a:r>
+          </a:p>
+          <a:p>
+            <a:pPr algn="ctr"/>
+            <a:r>
+              <a:rPr lang="en-US" dirty="0" smtClean="0"/>
+              <a:t>H</a:t>
+            </a:r>
+          </a:p>
+          <a:p>
+            <a:pPr algn="ctr"/>
+            <a:r>
+              <a:rPr lang="en-US" dirty="0"/>
+              <a:t>V</a:t>
+            </a:r>
+          </a:p>
+        </p:txBody>
+      </p:sp>
+      <p:sp>
+        <p:nvSpPr>
+          <p:cNvPr id="29" name="Right Arrow 28"/>
+          <p:cNvSpPr/>
+          <p:nvPr/>
+        </p:nvSpPr>
+        <p:spPr>
+          <a:xfrm flipV="1">
+            <a:off x="7546257" y="2265655"/>
+            <a:ext cx="215517" cy="480335"/>
+          </a:xfrm>
+          <a:prstGeom prst="rightArrow">
+            <a:avLst/>
+          </a:prstGeom>
+        </p:spPr>
+        <p:style>
+          <a:lnRef idx="1">
+            <a:schemeClr val="accent1"/>
+          </a:lnRef>
+          <a:fillRef idx="3">
+            <a:schemeClr val="accent1"/>
+          </a:fillRef>
+          <a:effectRef idx="2">
+            <a:schemeClr val="accent1"/>
+          </a:effectRef>
+          <a:fontRef idx="minor">
+            <a:schemeClr val="lt1"/>
+          </a:fontRef>
+        </p:style>
+        <p:txBody>
+          <a:bodyPr rtlCol="0" anchor="ctr"/>
+          <a:lstStyle/>
+          <a:p>
+            <a:pPr algn="ctr"/>
+            <a:endParaRPr lang="en-US"/>
+          </a:p>
+        </p:txBody>
+      </p:sp>
+      <p:sp>
+        <p:nvSpPr>
+          <p:cNvPr id="30" name="Right Arrow 29"/>
+          <p:cNvSpPr/>
+          <p:nvPr/>
+        </p:nvSpPr>
+        <p:spPr>
+          <a:xfrm flipV="1">
+            <a:off x="6735239" y="2310746"/>
+            <a:ext cx="262052" cy="480335"/>
+          </a:xfrm>
+          <a:prstGeom prst="rightArrow">
+            <a:avLst/>
+          </a:prstGeom>
+        </p:spPr>
+        <p:style>
+          <a:lnRef idx="1">
+            <a:schemeClr val="accent1"/>
+          </a:lnRef>
+          <a:fillRef idx="3">
+            <a:schemeClr val="accent1"/>
+          </a:fillRef>
+          <a:effectRef idx="2">
+            <a:schemeClr val="accent1"/>
+          </a:effectRef>
+          <a:fontRef idx="minor">
+            <a:schemeClr val="lt1"/>
+          </a:fontRef>
+        </p:style>
+        <p:txBody>
+          <a:bodyPr rtlCol="0" anchor="ctr"/>
+          <a:lstStyle/>
+          <a:p>
+            <a:pPr algn="ctr"/>
+            <a:endParaRPr lang="en-US"/>
+          </a:p>
+        </p:txBody>
+      </p:sp>
+      <p:sp>
+        <p:nvSpPr>
+          <p:cNvPr id="31" name="Right Arrow 30"/>
+          <p:cNvSpPr/>
+          <p:nvPr/>
+        </p:nvSpPr>
+        <p:spPr>
+          <a:xfrm flipV="1">
+            <a:off x="5625198" y="2066243"/>
+            <a:ext cx="1372092" cy="170812"/>
+          </a:xfrm>
+          <a:prstGeom prst="rightArrow">
+            <a:avLst/>
+          </a:prstGeom>
+        </p:spPr>
+        <p:style>
+          <a:lnRef idx="1">
+            <a:schemeClr val="accent1"/>
+          </a:lnRef>
+          <a:fillRef idx="3">
+            <a:schemeClr val="accent1"/>
+          </a:fillRef>
+          <a:effectRef idx="2">
+            <a:schemeClr val="accent1"/>
+          </a:effectRef>
+          <a:fontRef idx="minor">
+            <a:schemeClr val="lt1"/>
+          </a:fontRef>
+        </p:style>
+        <p:txBody>
+          <a:bodyPr rtlCol="0" anchor="ctr"/>
+          <a:lstStyle/>
+          <a:p>
+            <a:pPr algn="ctr"/>
+            <a:endParaRPr lang="en-US"/>
+          </a:p>
+        </p:txBody>
+      </p:sp>
+      <p:sp>
+        <p:nvSpPr>
+          <p:cNvPr id="32" name="Bent Arrow 31"/>
+          <p:cNvSpPr/>
+          <p:nvPr/>
+        </p:nvSpPr>
+        <p:spPr>
+          <a:xfrm rot="5400000" flipH="1">
+            <a:off x="3664883" y="253275"/>
+            <a:ext cx="1013588" cy="6536130"/>
+          </a:xfrm>
+          <a:prstGeom prst="bentArrow">
+            <a:avLst>
+              <a:gd name="adj1" fmla="val 8833"/>
+              <a:gd name="adj2" fmla="val 12874"/>
+              <a:gd name="adj3" fmla="val 22575"/>
+              <a:gd name="adj4" fmla="val 43750"/>
+            </a:avLst>
+          </a:prstGeom>
+        </p:spPr>
+        <p:style>
+          <a:lnRef idx="1">
+            <a:schemeClr val="accent1"/>
+          </a:lnRef>
+          <a:fillRef idx="3">
+            <a:schemeClr val="accent1"/>
+          </a:fillRef>
+          <a:effectRef idx="2">
+            <a:schemeClr val="accent1"/>
+          </a:effectRef>
+          <a:fontRef idx="minor">
+            <a:schemeClr val="lt1"/>
+          </a:fontRef>
+        </p:style>
+        <p:txBody>
+          <a:bodyPr rtlCol="0" anchor="ctr"/>
+          <a:lstStyle/>
+          <a:p>
+            <a:pPr algn="ctr"/>
+            <a:endParaRPr lang="en-US">
+              <a:solidFill>
+                <a:schemeClr val="tx1"/>
+              </a:solidFill>
+            </a:endParaRPr>
+          </a:p>
+        </p:txBody>
+      </p:sp>
+      <p:sp>
+        <p:nvSpPr>
+          <p:cNvPr id="33" name="Bent Arrow 32"/>
+          <p:cNvSpPr/>
+          <p:nvPr/>
+        </p:nvSpPr>
+        <p:spPr>
+          <a:xfrm rot="5400000">
+            <a:off x="3432824" y="2258282"/>
+            <a:ext cx="730289" cy="187932"/>
+          </a:xfrm>
+          <a:prstGeom prst="bentArrow">
+            <a:avLst/>
+          </a:prstGeom>
+        </p:spPr>
+        <p:style>
+          <a:lnRef idx="1">
+            <a:schemeClr val="accent1"/>
+          </a:lnRef>
+          <a:fillRef idx="3">
+            <a:schemeClr val="accent1"/>
+          </a:fillRef>
+          <a:effectRef idx="2">
+            <a:schemeClr val="accent1"/>
+          </a:effectRef>
+          <a:fontRef idx="minor">
+            <a:schemeClr val="lt1"/>
+          </a:fontRef>
+        </p:style>
+        <p:txBody>
+          <a:bodyPr rtlCol="0" anchor="ctr"/>
+          <a:lstStyle/>
+          <a:p>
+            <a:pPr algn="ctr"/>
+            <a:endParaRPr lang="en-US">
+              <a:solidFill>
+                <a:schemeClr val="tx1"/>
+              </a:solidFill>
+            </a:endParaRPr>
+          </a:p>
+        </p:txBody>
+      </p:sp>
+      <p:sp>
+        <p:nvSpPr>
+          <p:cNvPr id="34" name="Down Arrow 33"/>
+          <p:cNvSpPr/>
+          <p:nvPr/>
+        </p:nvSpPr>
+        <p:spPr>
+          <a:xfrm>
+            <a:off x="4211484" y="1443281"/>
+            <a:ext cx="196645" cy="321580"/>
+          </a:xfrm>
+          <a:prstGeom prst="downArrow">
+            <a:avLst/>
+          </a:prstGeom>
+        </p:spPr>
+        <p:style>
+          <a:lnRef idx="1">
+            <a:schemeClr val="accent1"/>
+          </a:lnRef>
+          <a:fillRef idx="3">
+            <a:schemeClr val="accent1"/>
+          </a:fillRef>
+          <a:effectRef idx="2">
+            <a:schemeClr val="accent1"/>
+          </a:effectRef>
+          <a:fontRef idx="minor">
+            <a:schemeClr val="lt1"/>
+          </a:fontRef>
+        </p:style>
+        <p:txBody>
+          <a:bodyPr rtlCol="0" anchor="ctr"/>
+          <a:lstStyle/>
+          <a:p>
+            <a:pPr algn="ctr"/>
+            <a:endParaRPr lang="en-US"/>
+          </a:p>
+        </p:txBody>
+      </p:sp>
+      <p:sp>
+        <p:nvSpPr>
+          <p:cNvPr id="35" name="Down Arrow 34"/>
+          <p:cNvSpPr/>
+          <p:nvPr/>
+        </p:nvSpPr>
+        <p:spPr>
+          <a:xfrm>
+            <a:off x="4167239" y="2328644"/>
+            <a:ext cx="240890" cy="1809083"/>
+          </a:xfrm>
+          <a:prstGeom prst="downArrow">
+            <a:avLst/>
+          </a:prstGeom>
+        </p:spPr>
+        <p:style>
+          <a:lnRef idx="1">
+            <a:schemeClr val="accent1"/>
+          </a:lnRef>
+          <a:fillRef idx="3">
+            <a:schemeClr val="accent1"/>
+          </a:fillRef>
+          <a:effectRef idx="2">
+            <a:schemeClr val="accent1"/>
+          </a:effectRef>
+          <a:fontRef idx="minor">
+            <a:schemeClr val="lt1"/>
+          </a:fontRef>
+        </p:style>
+        <p:txBody>
+          <a:bodyPr rtlCol="0" anchor="ctr"/>
+          <a:lstStyle/>
+          <a:p>
+            <a:pPr algn="ctr"/>
+            <a:endParaRPr lang="en-US"/>
+          </a:p>
+        </p:txBody>
+      </p:sp>
+      <p:sp>
+        <p:nvSpPr>
+          <p:cNvPr id="36" name="TextBox 35"/>
+          <p:cNvSpPr txBox="1"/>
+          <p:nvPr/>
+        </p:nvSpPr>
+        <p:spPr>
+          <a:xfrm>
+            <a:off x="3972484" y="1229014"/>
+            <a:ext cx="723738" cy="246221"/>
+          </a:xfrm>
+          <a:prstGeom prst="rect">
+            <a:avLst/>
+          </a:prstGeom>
+          <a:noFill/>
+        </p:spPr>
+        <p:txBody>
+          <a:bodyPr wrap="none" rtlCol="0">
+            <a:spAutoFit/>
+          </a:bodyPr>
+          <a:lstStyle/>
+          <a:p>
+            <a:r>
+              <a:rPr lang="en-US" sz="1000" dirty="0" smtClean="0"/>
+              <a:t>Next table</a:t>
+            </a:r>
+            <a:endParaRPr lang="en-US" sz="1000" dirty="0"/>
+          </a:p>
+        </p:txBody>
+      </p:sp>
+      <p:sp>
+        <p:nvSpPr>
+          <p:cNvPr id="3" name="TextBox 2"/>
+          <p:cNvSpPr txBox="1"/>
+          <p:nvPr/>
+        </p:nvSpPr>
+        <p:spPr>
+          <a:xfrm>
+            <a:off x="374470" y="4588387"/>
+            <a:ext cx="8250977" cy="1477328"/>
+          </a:xfrm>
+          <a:prstGeom prst="rect">
+            <a:avLst/>
+          </a:prstGeom>
+          <a:noFill/>
+        </p:spPr>
+        <p:txBody>
+          <a:bodyPr wrap="none" rtlCol="0">
+            <a:spAutoFit/>
+          </a:bodyPr>
+          <a:lstStyle/>
+          <a:p>
+            <a:pPr marL="285750" indent="-285750">
+              <a:buFont typeface="Arial"/>
+              <a:buChar char="•"/>
+            </a:pPr>
+            <a:r>
+              <a:rPr lang="en-US" dirty="0" smtClean="0"/>
+              <a:t>Many </a:t>
+            </a:r>
+            <a:r>
+              <a:rPr lang="en-US" dirty="0"/>
+              <a:t>components, each of which may or may not </a:t>
+            </a:r>
+            <a:r>
+              <a:rPr lang="en-US" dirty="0" smtClean="0"/>
+              <a:t>be used </a:t>
+            </a:r>
+            <a:r>
+              <a:rPr lang="en-US" dirty="0"/>
+              <a:t>for any given </a:t>
+            </a:r>
+            <a:r>
+              <a:rPr lang="en-US" dirty="0" smtClean="0"/>
+              <a:t>table</a:t>
+            </a:r>
+          </a:p>
+          <a:p>
+            <a:pPr marL="285750" indent="-285750">
+              <a:buFont typeface="Arial"/>
+              <a:buChar char="•"/>
+            </a:pPr>
+            <a:r>
+              <a:rPr lang="en-US" dirty="0" smtClean="0"/>
+              <a:t>Each part uses resources of some type that are shared between all tables in a stage</a:t>
+            </a:r>
+          </a:p>
+          <a:p>
+            <a:pPr marL="285750" indent="-285750">
+              <a:buFont typeface="Arial"/>
+              <a:buChar char="•"/>
+            </a:pPr>
+            <a:r>
+              <a:rPr lang="en-US" dirty="0" smtClean="0"/>
+              <a:t>Any given table and resource can be allocated to ingress or egress</a:t>
+            </a:r>
+          </a:p>
+          <a:p>
+            <a:pPr marL="285750" indent="-285750">
+              <a:buFont typeface="Arial"/>
+              <a:buChar char="•"/>
+            </a:pPr>
+            <a:endParaRPr lang="en-US" dirty="0"/>
+          </a:p>
+          <a:p>
+            <a:pPr marL="285750" indent="-285750">
+              <a:buFont typeface="Arial"/>
+              <a:buChar char="•"/>
+            </a:pPr>
+            <a:endParaRPr lang="en-US" dirty="0"/>
+          </a:p>
+        </p:txBody>
+      </p:sp>
+    </p:spTree>
+    <p:extLst>
+      <p:ext uri="{BB962C8B-B14F-4D97-AF65-F5344CB8AC3E}">
+        <p14:creationId xmlns:p14="http://schemas.microsoft.com/office/powerpoint/2010/main" val="3008119118"/>
+      </p:ext>
+    </p:extLst>
+  </p:cSld>
+  <p:clrMapOvr>
+    <a:masterClrMapping/>
+  </p:clrMapOvr>
+</p:sld>
+</file>
+
+<file path=ppt/slides/slide7.xml><?xml version="1.0" encoding="utf-8"?>
+<p:sld xmlns:a="http://schemas.openxmlformats.org/drawingml/2006/main" xmlns:r="http://schemas.openxmlformats.org/officeDocument/2006/relationships" xmlns:p="http://schemas.openxmlformats.org/presentationml/2006/main">
+  <p:cSld>
+    <p:spTree>
+      <p:nvGrpSpPr>
+        <p:cNvPr id="1" name=""/>
+        <p:cNvGrpSpPr/>
+        <p:nvPr/>
+      </p:nvGrpSpPr>
+      <p:grpSpPr>
+        <a:xfrm>
+          <a:off x="0" y="0"/>
+          <a:ext cx="0" cy="0"/>
+          <a:chOff x="0" y="0"/>
+          <a:chExt cx="0" cy="0"/>
+        </a:xfrm>
+      </p:grpSpPr>
+      <p:sp>
+        <p:nvSpPr>
           <p:cNvPr id="71" name="Rounded Rectangle 70"/>
           <p:cNvSpPr/>
           <p:nvPr/>
@@ -9451,7 +11970,7 @@
 </p:sld>
 </file>
 
-<file path=ppt/slides/slide7.xml><?xml version="1.0" encoding="utf-8"?>
+<file path=ppt/slides/slide8.xml><?xml version="1.0" encoding="utf-8"?>
 <p:sld xmlns:a="http://schemas.openxmlformats.org/drawingml/2006/main" xmlns:r="http://schemas.openxmlformats.org/officeDocument/2006/relationships" xmlns:p="http://schemas.openxmlformats.org/presentationml/2006/main">
   <p:cSld>
     <p:spTree>
@@ -10239,613 +12758,6 @@
 </p:sld>
 </file>
 
-<file path=ppt/slides/slide8.xml><?xml version="1.0" encoding="utf-8"?>
-<p:sld xmlns:a="http://schemas.openxmlformats.org/drawingml/2006/main" xmlns:r="http://schemas.openxmlformats.org/officeDocument/2006/relationships" xmlns:p="http://schemas.openxmlformats.org/presentationml/2006/main">
-  <p:cSld>
-    <p:spTree>
-      <p:nvGrpSpPr>
-        <p:cNvPr id="1" name=""/>
-        <p:cNvGrpSpPr/>
-        <p:nvPr/>
-      </p:nvGrpSpPr>
-      <p:grpSpPr>
-        <a:xfrm>
-          <a:off x="0" y="0"/>
-          <a:ext cx="0" cy="0"/>
-          <a:chOff x="0" y="0"/>
-          <a:chExt cx="0" cy="0"/>
-        </a:xfrm>
-      </p:grpSpPr>
-      <p:sp>
-        <p:nvSpPr>
-          <p:cNvPr id="2" name="TextBox 1"/>
-          <p:cNvSpPr txBox="1"/>
-          <p:nvPr/>
-        </p:nvSpPr>
-        <p:spPr>
-          <a:xfrm>
-            <a:off x="147484" y="778387"/>
-            <a:ext cx="8890000" cy="2862322"/>
-          </a:xfrm>
-          <a:prstGeom prst="rect">
-            <a:avLst/>
-          </a:prstGeom>
-          <a:noFill/>
-        </p:spPr>
-        <p:txBody>
-          <a:bodyPr wrap="square" rtlCol="0">
-            <a:spAutoFit/>
-          </a:bodyPr>
-          <a:lstStyle/>
-          <a:p>
-            <a:r>
-              <a:rPr lang="en-US" sz="1600" dirty="0">
-                <a:latin typeface="Courier New"/>
-                <a:cs typeface="Courier New"/>
-              </a:rPr>
-              <a:t>class </a:t>
-            </a:r>
-            <a:r>
-              <a:rPr lang="en-US" sz="1600" dirty="0" smtClean="0">
-                <a:latin typeface="Courier New"/>
-                <a:cs typeface="Courier New"/>
-              </a:rPr>
-              <a:t>MAU::Table </a:t>
-            </a:r>
-            <a:r>
-              <a:rPr lang="en-US" sz="1600" dirty="0">
-                <a:latin typeface="Courier New"/>
-                <a:cs typeface="Courier New"/>
-              </a:rPr>
-              <a:t>: </a:t>
-            </a:r>
-            <a:r>
-              <a:rPr lang="en-US" sz="1600" dirty="0" err="1">
-                <a:latin typeface="Courier New"/>
-                <a:cs typeface="Courier New"/>
-              </a:rPr>
-              <a:t>Tofino</a:t>
-            </a:r>
-            <a:r>
-              <a:rPr lang="en-US" sz="1600" dirty="0">
-                <a:latin typeface="Courier New"/>
-                <a:cs typeface="Courier New"/>
-              </a:rPr>
-              <a:t>::Unit {</a:t>
-            </a:r>
-          </a:p>
-          <a:p>
-            <a:r>
-              <a:rPr lang="hu-HU" sz="1600" dirty="0">
-                <a:latin typeface="Courier New"/>
-                <a:cs typeface="Courier New"/>
-              </a:rPr>
-              <a:t>    cstring                                     name;</a:t>
-            </a:r>
-          </a:p>
-          <a:p>
-            <a:r>
-              <a:rPr lang="hu-HU" sz="1600" dirty="0">
-                <a:latin typeface="Courier New"/>
-                <a:cs typeface="Courier New"/>
-              </a:rPr>
-              <a:t>    gress_t                                     gress;</a:t>
-            </a:r>
-          </a:p>
-          <a:p>
-            <a:r>
-              <a:rPr lang="en-US" sz="1600" dirty="0">
-                <a:latin typeface="Courier New"/>
-                <a:cs typeface="Courier New"/>
-              </a:rPr>
-              <a:t>    </a:t>
-            </a:r>
-            <a:r>
-              <a:rPr lang="en-US" sz="1600" dirty="0" err="1">
-                <a:latin typeface="Courier New"/>
-                <a:cs typeface="Courier New"/>
-              </a:rPr>
-              <a:t>int</a:t>
-            </a:r>
-            <a:r>
-              <a:rPr lang="en-US" sz="1600" dirty="0">
-                <a:latin typeface="Courier New"/>
-                <a:cs typeface="Courier New"/>
-              </a:rPr>
-              <a:t>                                         </a:t>
-            </a:r>
-            <a:r>
-              <a:rPr lang="en-US" sz="1600" dirty="0" err="1">
-                <a:latin typeface="Courier New"/>
-                <a:cs typeface="Courier New"/>
-              </a:rPr>
-              <a:t>logical_id</a:t>
-            </a:r>
-            <a:r>
-              <a:rPr lang="en-US" sz="1600" dirty="0">
-                <a:latin typeface="Courier New"/>
-                <a:cs typeface="Courier New"/>
-              </a:rPr>
-              <a:t> = -1;</a:t>
-            </a:r>
-          </a:p>
-          <a:p>
-            <a:r>
-              <a:rPr lang="en-US" sz="1600" dirty="0">
-                <a:latin typeface="Courier New"/>
-                <a:cs typeface="Courier New"/>
-              </a:rPr>
-              <a:t>    vector&lt;</a:t>
-            </a:r>
-            <a:r>
-              <a:rPr lang="en-US" sz="1600" dirty="0" err="1">
-                <a:latin typeface="Courier New"/>
-                <a:cs typeface="Courier New"/>
-              </a:rPr>
-              <a:t>std</a:t>
-            </a:r>
-            <a:r>
-              <a:rPr lang="en-US" sz="1600" dirty="0">
-                <a:latin typeface="Courier New"/>
-                <a:cs typeface="Courier New"/>
-              </a:rPr>
-              <a:t>::pair&lt;Expression, </a:t>
-            </a:r>
-            <a:r>
-              <a:rPr lang="en-US" sz="1600" dirty="0" err="1">
-                <a:latin typeface="Courier New"/>
-                <a:cs typeface="Courier New"/>
-              </a:rPr>
-              <a:t>cstring</a:t>
-            </a:r>
-            <a:r>
-              <a:rPr lang="en-US" sz="1600" dirty="0">
-                <a:latin typeface="Courier New"/>
-                <a:cs typeface="Courier New"/>
-              </a:rPr>
-              <a:t>&gt;&gt;      </a:t>
-            </a:r>
-            <a:r>
-              <a:rPr lang="en-US" sz="1600" dirty="0" err="1">
-                <a:latin typeface="Courier New"/>
-                <a:cs typeface="Courier New"/>
-              </a:rPr>
-              <a:t>gateway_rows</a:t>
-            </a:r>
-            <a:r>
-              <a:rPr lang="en-US" sz="1600" dirty="0">
-                <a:latin typeface="Courier New"/>
-                <a:cs typeface="Courier New"/>
-              </a:rPr>
-              <a:t>;</a:t>
-            </a:r>
-          </a:p>
-          <a:p>
-            <a:r>
-              <a:rPr lang="en-US" sz="1600" dirty="0" smtClean="0">
-                <a:latin typeface="Courier New"/>
-                <a:cs typeface="Courier New"/>
-              </a:rPr>
-              <a:t>    </a:t>
-            </a:r>
-            <a:r>
-              <a:rPr lang="en-US" sz="1600" dirty="0" err="1">
-                <a:latin typeface="Courier New"/>
-                <a:cs typeface="Courier New"/>
-              </a:rPr>
-              <a:t>NullOK</a:t>
-            </a:r>
-            <a:r>
-              <a:rPr lang="en-US" sz="1600" dirty="0">
-                <a:latin typeface="Courier New"/>
-                <a:cs typeface="Courier New"/>
-              </a:rPr>
-              <a:t> </a:t>
-            </a:r>
-            <a:r>
-              <a:rPr lang="en-US" sz="1600" dirty="0" err="1">
-                <a:latin typeface="Courier New"/>
-                <a:cs typeface="Courier New"/>
-              </a:rPr>
-              <a:t>ActionFunction</a:t>
-            </a:r>
-            <a:r>
-              <a:rPr lang="en-US" sz="1600" dirty="0">
-                <a:latin typeface="Courier New"/>
-                <a:cs typeface="Courier New"/>
-              </a:rPr>
-              <a:t>                       </a:t>
-            </a:r>
-            <a:r>
-              <a:rPr lang="en-US" sz="1600" dirty="0" err="1">
-                <a:latin typeface="Courier New"/>
-                <a:cs typeface="Courier New"/>
-              </a:rPr>
-              <a:t>gateway_payload</a:t>
-            </a:r>
-            <a:r>
-              <a:rPr lang="en-US" sz="1600" dirty="0">
-                <a:latin typeface="Courier New"/>
-                <a:cs typeface="Courier New"/>
-              </a:rPr>
-              <a:t>;</a:t>
-            </a:r>
-          </a:p>
-          <a:p>
-            <a:r>
-              <a:rPr lang="en-US" sz="1600" dirty="0">
-                <a:latin typeface="Courier New"/>
-                <a:cs typeface="Courier New"/>
-              </a:rPr>
-              <a:t>    </a:t>
-            </a:r>
-            <a:r>
-              <a:rPr lang="en-US" sz="1600" dirty="0" err="1">
-                <a:latin typeface="Courier New"/>
-                <a:cs typeface="Courier New"/>
-              </a:rPr>
-              <a:t>NullOK</a:t>
-            </a:r>
-            <a:r>
-              <a:rPr lang="en-US" sz="1600" dirty="0">
-                <a:latin typeface="Courier New"/>
-                <a:cs typeface="Courier New"/>
-              </a:rPr>
-              <a:t> IR::V1Table                          </a:t>
-            </a:r>
-            <a:r>
-              <a:rPr lang="en-US" sz="1600" dirty="0" err="1">
-                <a:latin typeface="Courier New"/>
-                <a:cs typeface="Courier New"/>
-              </a:rPr>
-              <a:t>match_table</a:t>
-            </a:r>
-            <a:r>
-              <a:rPr lang="en-US" sz="1600" dirty="0">
-                <a:latin typeface="Courier New"/>
-                <a:cs typeface="Courier New"/>
-              </a:rPr>
-              <a:t>;</a:t>
-            </a:r>
-          </a:p>
-          <a:p>
-            <a:r>
-              <a:rPr lang="en-US" sz="1600" dirty="0">
-                <a:latin typeface="Courier New"/>
-                <a:cs typeface="Courier New"/>
-              </a:rPr>
-              <a:t>    inline Vector&lt;Attached&gt;                     attached;</a:t>
-            </a:r>
-          </a:p>
-          <a:p>
-            <a:r>
-              <a:rPr lang="en-US" sz="1600" dirty="0">
-                <a:latin typeface="Courier New"/>
-                <a:cs typeface="Courier New"/>
-              </a:rPr>
-              <a:t>    inline </a:t>
-            </a:r>
-            <a:r>
-              <a:rPr lang="en-US" sz="1600" dirty="0" err="1">
-                <a:latin typeface="Courier New"/>
-                <a:cs typeface="Courier New"/>
-              </a:rPr>
-              <a:t>NameMap</a:t>
-            </a:r>
-            <a:r>
-              <a:rPr lang="en-US" sz="1600" dirty="0">
-                <a:latin typeface="Courier New"/>
-                <a:cs typeface="Courier New"/>
-              </a:rPr>
-              <a:t>&lt;</a:t>
-            </a:r>
-            <a:r>
-              <a:rPr lang="en-US" sz="1600" dirty="0" err="1">
-                <a:latin typeface="Courier New"/>
-                <a:cs typeface="Courier New"/>
-              </a:rPr>
-              <a:t>ActionFunction</a:t>
-            </a:r>
-            <a:r>
-              <a:rPr lang="en-US" sz="1600" dirty="0">
-                <a:latin typeface="Courier New"/>
-                <a:cs typeface="Courier New"/>
-              </a:rPr>
-              <a:t>, </a:t>
-            </a:r>
-            <a:r>
-              <a:rPr lang="en-US" sz="1600" dirty="0" err="1">
-                <a:latin typeface="Courier New"/>
-                <a:cs typeface="Courier New"/>
-              </a:rPr>
-              <a:t>ordered_map</a:t>
-            </a:r>
-            <a:r>
-              <a:rPr lang="en-US" sz="1600" dirty="0">
-                <a:latin typeface="Courier New"/>
-                <a:cs typeface="Courier New"/>
-              </a:rPr>
-              <a:t>&gt; actions;</a:t>
-            </a:r>
-          </a:p>
-          <a:p>
-            <a:r>
-              <a:rPr lang="de-DE" sz="1600" dirty="0">
-                <a:latin typeface="Courier New"/>
-                <a:cs typeface="Courier New"/>
-              </a:rPr>
-              <a:t>    inline </a:t>
-            </a:r>
-            <a:r>
-              <a:rPr lang="de-DE" sz="1600" dirty="0" err="1">
-                <a:latin typeface="Courier New"/>
-                <a:cs typeface="Courier New"/>
-              </a:rPr>
-              <a:t>NameMap</a:t>
-            </a:r>
-            <a:r>
-              <a:rPr lang="de-DE" sz="1600" dirty="0">
-                <a:latin typeface="Courier New"/>
-                <a:cs typeface="Courier New"/>
-              </a:rPr>
-              <a:t>&lt;</a:t>
-            </a:r>
-            <a:r>
-              <a:rPr lang="de-DE" sz="1600" dirty="0" err="1">
-                <a:latin typeface="Courier New"/>
-                <a:cs typeface="Courier New"/>
-              </a:rPr>
-              <a:t>TableSeq</a:t>
-            </a:r>
-            <a:r>
-              <a:rPr lang="de-DE" sz="1600" dirty="0">
-                <a:latin typeface="Courier New"/>
-                <a:cs typeface="Courier New"/>
-              </a:rPr>
-              <a:t>&gt;                    </a:t>
-            </a:r>
-            <a:r>
-              <a:rPr lang="de-DE" sz="1600" dirty="0" err="1">
-                <a:latin typeface="Courier New"/>
-                <a:cs typeface="Courier New"/>
-              </a:rPr>
-              <a:t>next</a:t>
-            </a:r>
-            <a:r>
-              <a:rPr lang="de-DE" sz="1600" dirty="0">
-                <a:latin typeface="Courier New"/>
-                <a:cs typeface="Courier New"/>
-              </a:rPr>
-              <a:t>;</a:t>
-            </a:r>
-          </a:p>
-          <a:p>
-            <a:endParaRPr lang="en-US" dirty="0"/>
-          </a:p>
-        </p:txBody>
-      </p:sp>
-      <p:sp>
-        <p:nvSpPr>
-          <p:cNvPr id="3" name="TextBox 2"/>
-          <p:cNvSpPr txBox="1"/>
-          <p:nvPr/>
-        </p:nvSpPr>
-        <p:spPr>
-          <a:xfrm>
-            <a:off x="319548" y="4399936"/>
-            <a:ext cx="7572506" cy="1815882"/>
-          </a:xfrm>
-          <a:prstGeom prst="rect">
-            <a:avLst/>
-          </a:prstGeom>
-          <a:noFill/>
-        </p:spPr>
-        <p:txBody>
-          <a:bodyPr wrap="none" rtlCol="0">
-            <a:spAutoFit/>
-          </a:bodyPr>
-          <a:lstStyle/>
-          <a:p>
-            <a:r>
-              <a:rPr lang="en-US" sz="1600" dirty="0">
-                <a:latin typeface="Courier New"/>
-                <a:cs typeface="Courier New"/>
-              </a:rPr>
-              <a:t>// a sequence of tables -- may be reordered if </a:t>
-            </a:r>
-            <a:r>
-              <a:rPr lang="en-US" sz="1600" dirty="0" err="1">
-                <a:latin typeface="Courier New"/>
-                <a:cs typeface="Courier New"/>
-              </a:rPr>
-              <a:t>deps</a:t>
-            </a:r>
-            <a:r>
-              <a:rPr lang="en-US" sz="1600" dirty="0">
-                <a:latin typeface="Courier New"/>
-                <a:cs typeface="Courier New"/>
-              </a:rPr>
-              <a:t> allow.</a:t>
-            </a:r>
-          </a:p>
-          <a:p>
-            <a:r>
-              <a:rPr lang="en-US" sz="1600" dirty="0">
-                <a:latin typeface="Courier New"/>
-                <a:cs typeface="Courier New"/>
-              </a:rPr>
-              <a:t>// </a:t>
-            </a:r>
-            <a:r>
-              <a:rPr lang="en-US" sz="1600" dirty="0" err="1">
-                <a:latin typeface="Courier New"/>
-                <a:cs typeface="Courier New"/>
-              </a:rPr>
-              <a:t>deps</a:t>
-            </a:r>
-            <a:r>
-              <a:rPr lang="en-US" sz="1600" dirty="0">
-                <a:latin typeface="Courier New"/>
-                <a:cs typeface="Courier New"/>
-              </a:rPr>
-              <a:t>(</a:t>
-            </a:r>
-            <a:r>
-              <a:rPr lang="en-US" sz="1600" dirty="0" err="1">
-                <a:latin typeface="Courier New"/>
-                <a:cs typeface="Courier New"/>
-              </a:rPr>
-              <a:t>i,j</a:t>
-            </a:r>
-            <a:r>
-              <a:rPr lang="en-US" sz="1600" dirty="0">
-                <a:latin typeface="Courier New"/>
-                <a:cs typeface="Courier New"/>
-              </a:rPr>
-              <a:t>) is true </a:t>
-            </a:r>
-            <a:r>
-              <a:rPr lang="en-US" sz="1600" dirty="0" err="1">
-                <a:latin typeface="Courier New"/>
-                <a:cs typeface="Courier New"/>
-              </a:rPr>
-              <a:t>iff</a:t>
-            </a:r>
-            <a:r>
-              <a:rPr lang="en-US" sz="1600" dirty="0">
-                <a:latin typeface="Courier New"/>
-                <a:cs typeface="Courier New"/>
-              </a:rPr>
-              <a:t> tables[</a:t>
-            </a:r>
-            <a:r>
-              <a:rPr lang="en-US" sz="1600" dirty="0" err="1">
-                <a:latin typeface="Courier New"/>
-                <a:cs typeface="Courier New"/>
-              </a:rPr>
-              <a:t>i</a:t>
-            </a:r>
-            <a:r>
-              <a:rPr lang="en-US" sz="1600" dirty="0">
-                <a:latin typeface="Courier New"/>
-                <a:cs typeface="Courier New"/>
-              </a:rPr>
-              <a:t>] is dependent on tables[j]</a:t>
-            </a:r>
-          </a:p>
-          <a:p>
-            <a:r>
-              <a:rPr lang="en-US" sz="1600" dirty="0">
-                <a:latin typeface="Courier New"/>
-                <a:cs typeface="Courier New"/>
-              </a:rPr>
-              <a:t>// (so must have j &lt; </a:t>
-            </a:r>
-            <a:r>
-              <a:rPr lang="en-US" sz="1600" dirty="0" err="1">
-                <a:latin typeface="Courier New"/>
-                <a:cs typeface="Courier New"/>
-              </a:rPr>
-              <a:t>i</a:t>
-            </a:r>
-            <a:r>
-              <a:rPr lang="en-US" sz="1600" dirty="0">
-                <a:latin typeface="Courier New"/>
-                <a:cs typeface="Courier New"/>
-              </a:rPr>
-              <a:t>) */</a:t>
-            </a:r>
-          </a:p>
-          <a:p>
-            <a:r>
-              <a:rPr lang="en-US" sz="1600" dirty="0">
-                <a:latin typeface="Courier New"/>
-                <a:cs typeface="Courier New"/>
-              </a:rPr>
-              <a:t>class </a:t>
-            </a:r>
-            <a:r>
-              <a:rPr lang="en-US" sz="1600" dirty="0" err="1">
-                <a:latin typeface="Courier New"/>
-                <a:cs typeface="Courier New"/>
-              </a:rPr>
-              <a:t>TableSeq</a:t>
-            </a:r>
-            <a:r>
-              <a:rPr lang="en-US" sz="1600" dirty="0">
-                <a:latin typeface="Courier New"/>
-                <a:cs typeface="Courier New"/>
-              </a:rPr>
-              <a:t> {</a:t>
-            </a:r>
-          </a:p>
-          <a:p>
-            <a:r>
-              <a:rPr lang="en-US" sz="1600" dirty="0">
-                <a:latin typeface="Courier New"/>
-                <a:cs typeface="Courier New"/>
-              </a:rPr>
-              <a:t>    inline Vector&lt;Table&gt;        tables;</a:t>
-            </a:r>
-          </a:p>
-          <a:p>
-            <a:r>
-              <a:rPr lang="fr-FR" sz="1600" dirty="0">
-                <a:latin typeface="Courier New"/>
-                <a:cs typeface="Courier New"/>
-              </a:rPr>
-              <a:t>    </a:t>
-            </a:r>
-            <a:r>
-              <a:rPr lang="fr-FR" sz="1600" dirty="0" err="1">
-                <a:latin typeface="Courier New"/>
-                <a:cs typeface="Courier New"/>
-              </a:rPr>
-              <a:t>LTBitMatrix</a:t>
-            </a:r>
-            <a:r>
-              <a:rPr lang="fr-FR" sz="1600" dirty="0">
-                <a:latin typeface="Courier New"/>
-                <a:cs typeface="Courier New"/>
-              </a:rPr>
-              <a:t>                 </a:t>
-            </a:r>
-            <a:r>
-              <a:rPr lang="fr-FR" sz="1600" dirty="0" err="1">
-                <a:latin typeface="Courier New"/>
-                <a:cs typeface="Courier New"/>
-              </a:rPr>
-              <a:t>deps</a:t>
-            </a:r>
-            <a:r>
-              <a:rPr lang="fr-FR" sz="1600" dirty="0">
-                <a:latin typeface="Courier New"/>
-                <a:cs typeface="Courier New"/>
-              </a:rPr>
-              <a:t>;</a:t>
-            </a:r>
-          </a:p>
-          <a:p>
-            <a:endParaRPr lang="en-US" sz="1600" dirty="0">
-              <a:latin typeface="Courier New"/>
-              <a:cs typeface="Courier New"/>
-            </a:endParaRPr>
-          </a:p>
-        </p:txBody>
-      </p:sp>
-    </p:spTree>
-    <p:extLst>
-      <p:ext uri="{BB962C8B-B14F-4D97-AF65-F5344CB8AC3E}">
-        <p14:creationId xmlns:p14="http://schemas.microsoft.com/office/powerpoint/2010/main" val="3278174823"/>
-      </p:ext>
-    </p:extLst>
-  </p:cSld>
-  <p:clrMapOvr>
-    <a:masterClrMapping/>
-  </p:clrMapOvr>
-</p:sld>
-</file>
-
 <file path=ppt/slides/slide9.xml><?xml version="1.0" encoding="utf-8"?>
 <p:sld xmlns:a="http://schemas.openxmlformats.org/drawingml/2006/main" xmlns:r="http://schemas.openxmlformats.org/officeDocument/2006/relationships" xmlns:p="http://schemas.openxmlformats.org/presentationml/2006/main">
   <p:cSld>
@@ -10865,571 +12777,585 @@
       </p:grpSpPr>
       <p:sp>
         <p:nvSpPr>
-          <p:cNvPr id="2" name="Title 1"/>
-          <p:cNvSpPr>
-            <a:spLocks noGrp="1"/>
-          </p:cNvSpPr>
-          <p:nvPr>
-            <p:ph type="title"/>
-          </p:nvPr>
-        </p:nvSpPr>
-        <p:spPr/>
-        <p:txBody>
-          <a:bodyPr/>
-          <a:lstStyle/>
-          <a:p>
-            <a:r>
-              <a:rPr lang="en-US" dirty="0" smtClean="0"/>
+          <p:cNvPr id="2" name="TextBox 1"/>
+          <p:cNvSpPr txBox="1"/>
+          <p:nvPr/>
+        </p:nvSpPr>
+        <p:spPr>
+          <a:xfrm>
+            <a:off x="147484" y="778387"/>
+            <a:ext cx="8890000" cy="2862322"/>
+          </a:xfrm>
+          <a:prstGeom prst="rect">
+            <a:avLst/>
+          </a:prstGeom>
+          <a:noFill/>
+        </p:spPr>
+        <p:txBody>
+          <a:bodyPr wrap="square" rtlCol="0">
+            <a:spAutoFit/>
+          </a:bodyPr>
+          <a:lstStyle/>
+          <a:p>
+            <a:r>
+              <a:rPr lang="en-US" sz="1600" dirty="0">
+                <a:latin typeface="Courier New"/>
+                <a:cs typeface="Courier New"/>
+              </a:rPr>
+              <a:t>class </a:t>
+            </a:r>
+            <a:r>
+              <a:rPr lang="en-US" sz="1600" dirty="0" smtClean="0">
+                <a:latin typeface="Courier New"/>
+                <a:cs typeface="Courier New"/>
+              </a:rPr>
+              <a:t>MAU::Table </a:t>
+            </a:r>
+            <a:r>
+              <a:rPr lang="en-US" sz="1600" dirty="0">
+                <a:latin typeface="Courier New"/>
+                <a:cs typeface="Courier New"/>
+              </a:rPr>
+              <a:t>: </a:t>
+            </a:r>
+            <a:r>
+              <a:rPr lang="en-US" sz="1600" dirty="0" err="1">
+                <a:latin typeface="Courier New"/>
+                <a:cs typeface="Courier New"/>
+              </a:rPr>
+              <a:t>Tofino</a:t>
+            </a:r>
+            <a:r>
+              <a:rPr lang="en-US" sz="1600" dirty="0">
+                <a:latin typeface="Courier New"/>
+                <a:cs typeface="Courier New"/>
+              </a:rPr>
+              <a:t>::Unit {</a:t>
+            </a:r>
+          </a:p>
+          <a:p>
+            <a:r>
+              <a:rPr lang="hu-HU" sz="1600" dirty="0">
+                <a:latin typeface="Courier New"/>
+                <a:cs typeface="Courier New"/>
+              </a:rPr>
+              <a:t>    cstring                                     name;</a:t>
+            </a:r>
+          </a:p>
+          <a:p>
+            <a:r>
+              <a:rPr lang="hu-HU" sz="1600" dirty="0">
+                <a:latin typeface="Courier New"/>
+                <a:cs typeface="Courier New"/>
+              </a:rPr>
+              <a:t>    gress_t                                     gress;</a:t>
+            </a:r>
+          </a:p>
+          <a:p>
+            <a:r>
+              <a:rPr lang="en-US" sz="1600" dirty="0">
+                <a:latin typeface="Courier New"/>
+                <a:cs typeface="Courier New"/>
+              </a:rPr>
+              <a:t>    </a:t>
+            </a:r>
+            <a:r>
+              <a:rPr lang="en-US" sz="1600" dirty="0" err="1">
+                <a:latin typeface="Courier New"/>
+                <a:cs typeface="Courier New"/>
+              </a:rPr>
+              <a:t>int</a:t>
+            </a:r>
+            <a:r>
+              <a:rPr lang="en-US" sz="1600" dirty="0">
+                <a:latin typeface="Courier New"/>
+                <a:cs typeface="Courier New"/>
+              </a:rPr>
+              <a:t>                                         </a:t>
+            </a:r>
+            <a:r>
+              <a:rPr lang="en-US" sz="1600" dirty="0" err="1">
+                <a:latin typeface="Courier New"/>
+                <a:cs typeface="Courier New"/>
+              </a:rPr>
+              <a:t>logical_id</a:t>
+            </a:r>
+            <a:r>
+              <a:rPr lang="en-US" sz="1600" dirty="0">
+                <a:latin typeface="Courier New"/>
+                <a:cs typeface="Courier New"/>
+              </a:rPr>
+              <a:t> = -1;</a:t>
+            </a:r>
+          </a:p>
+          <a:p>
+            <a:r>
+              <a:rPr lang="en-US" sz="1600" dirty="0">
+                <a:latin typeface="Courier New"/>
+                <a:cs typeface="Courier New"/>
+              </a:rPr>
+              <a:t>    vector&lt;</a:t>
+            </a:r>
+            <a:r>
+              <a:rPr lang="en-US" sz="1600" dirty="0" err="1">
+                <a:latin typeface="Courier New"/>
+                <a:cs typeface="Courier New"/>
+              </a:rPr>
+              <a:t>std</a:t>
+            </a:r>
+            <a:r>
+              <a:rPr lang="en-US" sz="1600" dirty="0">
+                <a:latin typeface="Courier New"/>
+                <a:cs typeface="Courier New"/>
+              </a:rPr>
+              <a:t>::pair&lt;Expression, </a:t>
+            </a:r>
+            <a:r>
+              <a:rPr lang="en-US" sz="1600" dirty="0" err="1">
+                <a:latin typeface="Courier New"/>
+                <a:cs typeface="Courier New"/>
+              </a:rPr>
+              <a:t>cstring</a:t>
+            </a:r>
+            <a:r>
+              <a:rPr lang="en-US" sz="1600" dirty="0">
+                <a:latin typeface="Courier New"/>
+                <a:cs typeface="Courier New"/>
+              </a:rPr>
+              <a:t>&gt;&gt;      </a:t>
+            </a:r>
+            <a:r>
+              <a:rPr lang="en-US" sz="1600" dirty="0" err="1">
+                <a:latin typeface="Courier New"/>
+                <a:cs typeface="Courier New"/>
+              </a:rPr>
+              <a:t>gateway_rows</a:t>
+            </a:r>
+            <a:r>
+              <a:rPr lang="en-US" sz="1600" dirty="0">
+                <a:latin typeface="Courier New"/>
+                <a:cs typeface="Courier New"/>
+              </a:rPr>
+              <a:t>;</a:t>
+            </a:r>
+          </a:p>
+          <a:p>
+            <a:r>
+              <a:rPr lang="en-US" sz="1600" dirty="0" smtClean="0">
+                <a:latin typeface="Courier New"/>
+                <a:cs typeface="Courier New"/>
+              </a:rPr>
+              <a:t>    </a:t>
+            </a:r>
+            <a:r>
+              <a:rPr lang="en-US" sz="1600" dirty="0" err="1">
+                <a:latin typeface="Courier New"/>
+                <a:cs typeface="Courier New"/>
+              </a:rPr>
+              <a:t>NullOK</a:t>
+            </a:r>
+            <a:r>
+              <a:rPr lang="en-US" sz="1600" dirty="0">
+                <a:latin typeface="Courier New"/>
+                <a:cs typeface="Courier New"/>
+              </a:rPr>
               <a:t> </a:t>
             </a:r>
+            <a:r>
+              <a:rPr lang="en-US" sz="1600" dirty="0" err="1">
+                <a:latin typeface="Courier New"/>
+                <a:cs typeface="Courier New"/>
+              </a:rPr>
+              <a:t>ActionFunction</a:t>
+            </a:r>
+            <a:r>
+              <a:rPr lang="en-US" sz="1600" dirty="0">
+                <a:latin typeface="Courier New"/>
+                <a:cs typeface="Courier New"/>
+              </a:rPr>
+              <a:t>                       </a:t>
+            </a:r>
+            <a:r>
+              <a:rPr lang="en-US" sz="1600" dirty="0" err="1">
+                <a:latin typeface="Courier New"/>
+                <a:cs typeface="Courier New"/>
+              </a:rPr>
+              <a:t>gateway_payload</a:t>
+            </a:r>
+            <a:r>
+              <a:rPr lang="en-US" sz="1600" dirty="0">
+                <a:latin typeface="Courier New"/>
+                <a:cs typeface="Courier New"/>
+              </a:rPr>
+              <a:t>;</a:t>
+            </a:r>
+          </a:p>
+          <a:p>
+            <a:r>
+              <a:rPr lang="en-US" sz="1600" dirty="0">
+                <a:latin typeface="Courier New"/>
+                <a:cs typeface="Courier New"/>
+              </a:rPr>
+              <a:t>    </a:t>
+            </a:r>
+            <a:r>
+              <a:rPr lang="en-US" sz="1600" dirty="0" err="1">
+                <a:latin typeface="Courier New"/>
+                <a:cs typeface="Courier New"/>
+              </a:rPr>
+              <a:t>NullOK</a:t>
+            </a:r>
+            <a:r>
+              <a:rPr lang="en-US" sz="1600" dirty="0">
+                <a:latin typeface="Courier New"/>
+                <a:cs typeface="Courier New"/>
+              </a:rPr>
+              <a:t> IR::V1Table                          </a:t>
+            </a:r>
+            <a:r>
+              <a:rPr lang="en-US" sz="1600" dirty="0" err="1">
+                <a:latin typeface="Courier New"/>
+                <a:cs typeface="Courier New"/>
+              </a:rPr>
+              <a:t>match_table</a:t>
+            </a:r>
+            <a:r>
+              <a:rPr lang="en-US" sz="1600" dirty="0">
+                <a:latin typeface="Courier New"/>
+                <a:cs typeface="Courier New"/>
+              </a:rPr>
+              <a:t>;</a:t>
+            </a:r>
+          </a:p>
+          <a:p>
+            <a:r>
+              <a:rPr lang="en-US" sz="1600" dirty="0">
+                <a:latin typeface="Courier New"/>
+                <a:cs typeface="Courier New"/>
+              </a:rPr>
+              <a:t>    inline Vector&lt;Attached&gt;                     attached;</a:t>
+            </a:r>
+          </a:p>
+          <a:p>
+            <a:r>
+              <a:rPr lang="en-US" sz="1600" dirty="0">
+                <a:latin typeface="Courier New"/>
+                <a:cs typeface="Courier New"/>
+              </a:rPr>
+              <a:t>    inline </a:t>
+            </a:r>
+            <a:r>
+              <a:rPr lang="en-US" sz="1600" dirty="0" err="1">
+                <a:latin typeface="Courier New"/>
+                <a:cs typeface="Courier New"/>
+              </a:rPr>
+              <a:t>NameMap</a:t>
+            </a:r>
+            <a:r>
+              <a:rPr lang="en-US" sz="1600" dirty="0">
+                <a:latin typeface="Courier New"/>
+                <a:cs typeface="Courier New"/>
+              </a:rPr>
+              <a:t>&lt;</a:t>
+            </a:r>
+            <a:r>
+              <a:rPr lang="en-US" sz="1600" dirty="0" err="1">
+                <a:latin typeface="Courier New"/>
+                <a:cs typeface="Courier New"/>
+              </a:rPr>
+              <a:t>ActionFunction</a:t>
+            </a:r>
+            <a:r>
+              <a:rPr lang="en-US" sz="1600" dirty="0">
+                <a:latin typeface="Courier New"/>
+                <a:cs typeface="Courier New"/>
+              </a:rPr>
+              <a:t>, </a:t>
+            </a:r>
+            <a:r>
+              <a:rPr lang="en-US" sz="1600" dirty="0" err="1">
+                <a:latin typeface="Courier New"/>
+                <a:cs typeface="Courier New"/>
+              </a:rPr>
+              <a:t>ordered_map</a:t>
+            </a:r>
+            <a:r>
+              <a:rPr lang="en-US" sz="1600" dirty="0">
+                <a:latin typeface="Courier New"/>
+                <a:cs typeface="Courier New"/>
+              </a:rPr>
+              <a:t>&gt; actions;</a:t>
+            </a:r>
+          </a:p>
+          <a:p>
+            <a:r>
+              <a:rPr lang="de-DE" sz="1600" dirty="0">
+                <a:latin typeface="Courier New"/>
+                <a:cs typeface="Courier New"/>
+              </a:rPr>
+              <a:t>    inline </a:t>
+            </a:r>
+            <a:r>
+              <a:rPr lang="de-DE" sz="1600" dirty="0" err="1">
+                <a:latin typeface="Courier New"/>
+                <a:cs typeface="Courier New"/>
+              </a:rPr>
+              <a:t>NameMap</a:t>
+            </a:r>
+            <a:r>
+              <a:rPr lang="de-DE" sz="1600" dirty="0">
+                <a:latin typeface="Courier New"/>
+                <a:cs typeface="Courier New"/>
+              </a:rPr>
+              <a:t>&lt;</a:t>
+            </a:r>
+            <a:r>
+              <a:rPr lang="de-DE" sz="1600" dirty="0" err="1">
+                <a:latin typeface="Courier New"/>
+                <a:cs typeface="Courier New"/>
+              </a:rPr>
+              <a:t>TableSeq</a:t>
+            </a:r>
+            <a:r>
+              <a:rPr lang="de-DE" sz="1600" dirty="0">
+                <a:latin typeface="Courier New"/>
+                <a:cs typeface="Courier New"/>
+              </a:rPr>
+              <a:t>&gt;                    </a:t>
+            </a:r>
+            <a:r>
+              <a:rPr lang="de-DE" sz="1600" dirty="0" err="1">
+                <a:latin typeface="Courier New"/>
+                <a:cs typeface="Courier New"/>
+              </a:rPr>
+              <a:t>next</a:t>
+            </a:r>
+            <a:r>
+              <a:rPr lang="de-DE" sz="1600" dirty="0">
+                <a:latin typeface="Courier New"/>
+                <a:cs typeface="Courier New"/>
+              </a:rPr>
+              <a:t>;</a:t>
+            </a:r>
+          </a:p>
+          <a:p>
             <a:endParaRPr lang="en-US" dirty="0"/>
           </a:p>
         </p:txBody>
       </p:sp>
       <p:sp>
         <p:nvSpPr>
-          <p:cNvPr id="3" name="Text Placeholder 2"/>
-          <p:cNvSpPr>
-            <a:spLocks noGrp="1"/>
-          </p:cNvSpPr>
-          <p:nvPr>
-            <p:ph type="body" idx="1"/>
-          </p:nvPr>
-        </p:nvSpPr>
-        <p:spPr/>
-        <p:txBody>
-          <a:bodyPr/>
-          <a:lstStyle/>
-          <a:p>
-            <a:r>
-              <a:rPr lang="en-US" dirty="0" smtClean="0"/>
-              <a:t> </a:t>
-            </a:r>
-            <a:endParaRPr lang="en-US" dirty="0"/>
-          </a:p>
-        </p:txBody>
-      </p:sp>
-      <p:sp>
-        <p:nvSpPr>
-          <p:cNvPr id="4" name="Content Placeholder 3"/>
-          <p:cNvSpPr>
-            <a:spLocks noGrp="1"/>
-          </p:cNvSpPr>
-          <p:nvPr>
-            <p:ph sz="half" idx="2"/>
-          </p:nvPr>
-        </p:nvSpPr>
-        <p:spPr>
-          <a:xfrm>
-            <a:off x="457200" y="1535113"/>
-            <a:ext cx="4040188" cy="4591050"/>
-          </a:xfrm>
-        </p:spPr>
-        <p:txBody>
-          <a:bodyPr/>
-          <a:lstStyle/>
-          <a:p>
-            <a:pPr marL="0" indent="0">
-              <a:buNone/>
-            </a:pPr>
-            <a:r>
-              <a:rPr lang="en-US" dirty="0"/>
-              <a:t>control ingress {</a:t>
-            </a:r>
-          </a:p>
-          <a:p>
-            <a:pPr marL="0" indent="0">
-              <a:buNone/>
-            </a:pPr>
-            <a:r>
-              <a:rPr lang="en-US" dirty="0"/>
-              <a:t>    if (data.b2 == 1) {</a:t>
-            </a:r>
-          </a:p>
-          <a:p>
-            <a:pPr marL="0" indent="0">
-              <a:buNone/>
-            </a:pPr>
-            <a:r>
-              <a:rPr lang="en-US" dirty="0"/>
-              <a:t>        apply(test1);</a:t>
-            </a:r>
-          </a:p>
-          <a:p>
-            <a:pPr marL="0" indent="0">
-              <a:buNone/>
-            </a:pPr>
-            <a:r>
-              <a:rPr lang="da-DK" dirty="0"/>
-              <a:t>    } </a:t>
-            </a:r>
-            <a:r>
-              <a:rPr lang="da-DK" dirty="0" err="1"/>
-              <a:t>else</a:t>
-            </a:r>
-            <a:r>
-              <a:rPr lang="da-DK" dirty="0"/>
+          <p:cNvPr id="3" name="TextBox 2"/>
+          <p:cNvSpPr txBox="1"/>
+          <p:nvPr/>
+        </p:nvSpPr>
+        <p:spPr>
+          <a:xfrm>
+            <a:off x="319548" y="4399936"/>
+            <a:ext cx="7572506" cy="1815882"/>
+          </a:xfrm>
+          <a:prstGeom prst="rect">
+            <a:avLst/>
+          </a:prstGeom>
+          <a:noFill/>
+        </p:spPr>
+        <p:txBody>
+          <a:bodyPr wrap="none" rtlCol="0">
+            <a:spAutoFit/>
+          </a:bodyPr>
+          <a:lstStyle/>
+          <a:p>
+            <a:r>
+              <a:rPr lang="en-US" sz="1600" dirty="0">
+                <a:latin typeface="Courier New"/>
+                <a:cs typeface="Courier New"/>
+              </a:rPr>
+              <a:t>// a sequence of tables -- may be reordered if </a:t>
+            </a:r>
+            <a:r>
+              <a:rPr lang="en-US" sz="1600" dirty="0" err="1">
+                <a:latin typeface="Courier New"/>
+                <a:cs typeface="Courier New"/>
+              </a:rPr>
+              <a:t>deps</a:t>
+            </a:r>
+            <a:r>
+              <a:rPr lang="en-US" sz="1600" dirty="0">
+                <a:latin typeface="Courier New"/>
+                <a:cs typeface="Courier New"/>
+              </a:rPr>
+              <a:t> allow.</a:t>
+            </a:r>
+          </a:p>
+          <a:p>
+            <a:r>
+              <a:rPr lang="en-US" sz="1600" dirty="0">
+                <a:latin typeface="Courier New"/>
+                <a:cs typeface="Courier New"/>
+              </a:rPr>
+              <a:t>// </a:t>
+            </a:r>
+            <a:r>
+              <a:rPr lang="en-US" sz="1600" dirty="0" err="1">
+                <a:latin typeface="Courier New"/>
+                <a:cs typeface="Courier New"/>
+              </a:rPr>
+              <a:t>deps</a:t>
+            </a:r>
+            <a:r>
+              <a:rPr lang="en-US" sz="1600" dirty="0">
+                <a:latin typeface="Courier New"/>
+                <a:cs typeface="Courier New"/>
+              </a:rPr>
+              <a:t>(</a:t>
+            </a:r>
+            <a:r>
+              <a:rPr lang="en-US" sz="1600" dirty="0" err="1">
+                <a:latin typeface="Courier New"/>
+                <a:cs typeface="Courier New"/>
+              </a:rPr>
+              <a:t>i,j</a:t>
+            </a:r>
+            <a:r>
+              <a:rPr lang="en-US" sz="1600" dirty="0">
+                <a:latin typeface="Courier New"/>
+                <a:cs typeface="Courier New"/>
+              </a:rPr>
+              <a:t>) is true </a:t>
+            </a:r>
+            <a:r>
+              <a:rPr lang="en-US" sz="1600" dirty="0" err="1">
+                <a:latin typeface="Courier New"/>
+                <a:cs typeface="Courier New"/>
+              </a:rPr>
+              <a:t>iff</a:t>
+            </a:r>
+            <a:r>
+              <a:rPr lang="en-US" sz="1600" dirty="0">
+                <a:latin typeface="Courier New"/>
+                <a:cs typeface="Courier New"/>
+              </a:rPr>
+              <a:t> tables[</a:t>
+            </a:r>
+            <a:r>
+              <a:rPr lang="en-US" sz="1600" dirty="0" err="1">
+                <a:latin typeface="Courier New"/>
+                <a:cs typeface="Courier New"/>
+              </a:rPr>
+              <a:t>i</a:t>
+            </a:r>
+            <a:r>
+              <a:rPr lang="en-US" sz="1600" dirty="0">
+                <a:latin typeface="Courier New"/>
+                <a:cs typeface="Courier New"/>
+              </a:rPr>
+              <a:t>] is dependent on tables[j]</a:t>
+            </a:r>
+          </a:p>
+          <a:p>
+            <a:r>
+              <a:rPr lang="en-US" sz="1600" dirty="0">
+                <a:latin typeface="Courier New"/>
+                <a:cs typeface="Courier New"/>
+              </a:rPr>
+              <a:t>// (so must have j &lt; </a:t>
+            </a:r>
+            <a:r>
+              <a:rPr lang="en-US" sz="1600" dirty="0" err="1">
+                <a:latin typeface="Courier New"/>
+                <a:cs typeface="Courier New"/>
+              </a:rPr>
+              <a:t>i</a:t>
+            </a:r>
+            <a:r>
+              <a:rPr lang="en-US" sz="1600" dirty="0">
+                <a:latin typeface="Courier New"/>
+                <a:cs typeface="Courier New"/>
+              </a:rPr>
+              <a:t>) */</a:t>
+            </a:r>
+          </a:p>
+          <a:p>
+            <a:r>
+              <a:rPr lang="en-US" sz="1600" dirty="0">
+                <a:latin typeface="Courier New"/>
+                <a:cs typeface="Courier New"/>
+              </a:rPr>
+              <a:t>class </a:t>
+            </a:r>
+            <a:r>
+              <a:rPr lang="en-US" sz="1600" dirty="0" err="1">
+                <a:latin typeface="Courier New"/>
+                <a:cs typeface="Courier New"/>
+              </a:rPr>
+              <a:t>TableSeq</a:t>
+            </a:r>
+            <a:r>
+              <a:rPr lang="en-US" sz="1600" dirty="0">
+                <a:latin typeface="Courier New"/>
+                <a:cs typeface="Courier New"/>
+              </a:rPr>
               <a:t> {</a:t>
             </a:r>
           </a:p>
           <a:p>
-            <a:pPr marL="0" indent="0">
-              <a:buNone/>
-            </a:pPr>
-            <a:r>
-              <a:rPr lang="en-US" dirty="0"/>
-              <a:t>        apply(test2);</a:t>
-            </a:r>
-          </a:p>
-          <a:p>
-            <a:pPr marL="0" indent="0">
-              <a:buNone/>
-            </a:pPr>
-            <a:r>
-              <a:rPr lang="en-US" dirty="0"/>
-              <a:t>    }</a:t>
-            </a:r>
-          </a:p>
-          <a:p>
-            <a:pPr marL="0" indent="0">
-              <a:buNone/>
-            </a:pPr>
-            <a:r>
-              <a:rPr lang="en-US" dirty="0"/>
-              <a:t>}</a:t>
-            </a:r>
-          </a:p>
-          <a:p>
-            <a:endParaRPr lang="en-US" dirty="0"/>
-          </a:p>
-        </p:txBody>
-      </p:sp>
-      <p:sp>
-        <p:nvSpPr>
-          <p:cNvPr id="5" name="Text Placeholder 4"/>
-          <p:cNvSpPr>
-            <a:spLocks noGrp="1"/>
-          </p:cNvSpPr>
-          <p:nvPr>
-            <p:ph type="body" sz="quarter" idx="3"/>
-          </p:nvPr>
-        </p:nvSpPr>
-        <p:spPr/>
-        <p:txBody>
-          <a:bodyPr/>
-          <a:lstStyle/>
-          <a:p>
-            <a:r>
-              <a:rPr lang="en-US" dirty="0" smtClean="0"/>
-              <a:t> </a:t>
-            </a:r>
-            <a:endParaRPr lang="en-US" dirty="0"/>
-          </a:p>
-        </p:txBody>
-      </p:sp>
-      <p:sp>
-        <p:nvSpPr>
-          <p:cNvPr id="6" name="Content Placeholder 5"/>
-          <p:cNvSpPr>
-            <a:spLocks noGrp="1"/>
-          </p:cNvSpPr>
-          <p:nvPr>
-            <p:ph sz="quarter" idx="4"/>
-          </p:nvPr>
-        </p:nvSpPr>
-        <p:spPr>
-          <a:xfrm>
-            <a:off x="3465871" y="1535113"/>
-            <a:ext cx="5604387" cy="4591050"/>
-          </a:xfrm>
-        </p:spPr>
-        <p:txBody>
-          <a:bodyPr>
-            <a:normAutofit/>
-          </a:bodyPr>
-          <a:lstStyle/>
-          <a:p>
-            <a:pPr marL="0" indent="0">
-              <a:buNone/>
-            </a:pPr>
-            <a:r>
-              <a:rPr lang="en-US" sz="1600" dirty="0"/>
-              <a:t>  </a:t>
-            </a:r>
-            <a:r>
-              <a:rPr lang="en-US" sz="1600" dirty="0" err="1"/>
-              <a:t>mau</a:t>
-            </a:r>
-            <a:r>
-              <a:rPr lang="en-US" sz="1600" dirty="0"/>
-              <a:t>: [1050] MAU::</a:t>
-            </a:r>
-            <a:r>
-              <a:rPr lang="en-US" sz="1600" dirty="0" err="1"/>
-              <a:t>TableSeq</a:t>
-            </a:r>
-            <a:r>
-              <a:rPr lang="en-US" sz="1600" dirty="0"/>
-              <a:t> </a:t>
-            </a:r>
-            <a:r>
-              <a:rPr lang="en-US" sz="1600" dirty="0" err="1"/>
+            <a:r>
+              <a:rPr lang="en-US" sz="1600" dirty="0">
+                <a:latin typeface="Courier New"/>
+                <a:cs typeface="Courier New"/>
+              </a:rPr>
+              <a:t>    inline Vector&lt;Table&gt;        tables;</a:t>
+            </a:r>
+          </a:p>
+          <a:p>
+            <a:r>
+              <a:rPr lang="fr-FR" sz="1600" dirty="0">
+                <a:latin typeface="Courier New"/>
+                <a:cs typeface="Courier New"/>
+              </a:rPr>
+              <a:t>    </a:t>
+            </a:r>
+            <a:r>
+              <a:rPr lang="fr-FR" sz="1600" dirty="0" err="1">
+                <a:latin typeface="Courier New"/>
+                <a:cs typeface="Courier New"/>
+              </a:rPr>
+              <a:t>LTBitMatrix</a:t>
+            </a:r>
+            <a:r>
+              <a:rPr lang="fr-FR" sz="1600" dirty="0">
+                <a:latin typeface="Courier New"/>
+                <a:cs typeface="Courier New"/>
+              </a:rPr>
+              <a:t>                 </a:t>
+            </a:r>
+            <a:r>
+              <a:rPr lang="fr-FR" sz="1600" dirty="0" err="1">
+                <a:latin typeface="Courier New"/>
+                <a:cs typeface="Courier New"/>
+              </a:rPr>
               <a:t>deps</a:t>
             </a:r>
             <a:r>
-              <a:rPr lang="en-US" sz="1600" dirty="0"/>
-              <a:t>=</a:t>
-            </a:r>
-          </a:p>
-          <a:p>
-            <a:pPr marL="0" indent="0">
-              <a:buNone/>
-            </a:pPr>
-            <a:r>
-              <a:rPr lang="en-US" sz="1600" dirty="0"/>
-              <a:t>    [1052] MAU::Table name=cond-0 </a:t>
-            </a:r>
-            <a:r>
-              <a:rPr lang="en-US" sz="1600" dirty="0" err="1"/>
-              <a:t>gress</a:t>
-            </a:r>
-            <a:r>
-              <a:rPr lang="en-US" sz="1600" dirty="0"/>
-              <a:t>=ingress </a:t>
-            </a:r>
-            <a:r>
-              <a:rPr lang="en-US" sz="1600" dirty="0" err="1"/>
-              <a:t>logical_id</a:t>
-            </a:r>
-            <a:r>
-              <a:rPr lang="en-US" sz="1600" dirty="0"/>
-              <a:t>=-1 </a:t>
-            </a:r>
-          </a:p>
-          <a:p>
-            <a:pPr marL="0" indent="0">
-              <a:buNone/>
-            </a:pPr>
-            <a:r>
-              <a:rPr lang="pl-PL" sz="1600" dirty="0"/>
-              <a:t>      </a:t>
-            </a:r>
-            <a:r>
-              <a:rPr lang="pl-PL" sz="1600" dirty="0" err="1"/>
-              <a:t>gateway_row</a:t>
-            </a:r>
-            <a:r>
-              <a:rPr lang="pl-PL" sz="1600" dirty="0"/>
-              <a:t>: [594] </a:t>
-            </a:r>
-            <a:r>
-              <a:rPr lang="pl-PL" sz="1600" dirty="0" err="1"/>
-              <a:t>Equ</a:t>
-            </a:r>
-            <a:endParaRPr lang="pl-PL" sz="1600" dirty="0"/>
-          </a:p>
-          <a:p>
-            <a:pPr marL="0" indent="0">
-              <a:buNone/>
-            </a:pPr>
-            <a:r>
-              <a:rPr lang="pl-PL" sz="1600" dirty="0"/>
-              <a:t>        ...</a:t>
-            </a:r>
-          </a:p>
-          <a:p>
-            <a:pPr marL="0" indent="0">
-              <a:buNone/>
-            </a:pPr>
-            <a:r>
-              <a:rPr lang="pl-PL" sz="1600" dirty="0"/>
-              <a:t>      </a:t>
-            </a:r>
-            <a:r>
-              <a:rPr lang="pl-PL" sz="1600" dirty="0" err="1"/>
-              <a:t>true</a:t>
-            </a:r>
-            <a:r>
-              <a:rPr lang="pl-PL" sz="1600" dirty="0"/>
-              <a:t>: [1056] MAU::</a:t>
-            </a:r>
-            <a:r>
-              <a:rPr lang="pl-PL" sz="1600" dirty="0" err="1"/>
-              <a:t>TableSeq</a:t>
-            </a:r>
-            <a:r>
-              <a:rPr lang="pl-PL" sz="1600" dirty="0"/>
-              <a:t> </a:t>
-            </a:r>
-            <a:r>
-              <a:rPr lang="pl-PL" sz="1600" dirty="0" err="1"/>
-              <a:t>deps</a:t>
-            </a:r>
-            <a:r>
-              <a:rPr lang="pl-PL" sz="1600" dirty="0"/>
-              <a:t>=</a:t>
-            </a:r>
-          </a:p>
-          <a:p>
-            <a:pPr marL="0" indent="0">
-              <a:buNone/>
-            </a:pPr>
-            <a:r>
-              <a:rPr lang="pl-PL" sz="1600" dirty="0"/>
-              <a:t>        [1058] MAU::</a:t>
-            </a:r>
-            <a:r>
-              <a:rPr lang="pl-PL" sz="1600" dirty="0" err="1"/>
-              <a:t>Table</a:t>
-            </a:r>
-            <a:r>
-              <a:rPr lang="pl-PL" sz="1600" dirty="0"/>
-              <a:t> </a:t>
-            </a:r>
-            <a:r>
-              <a:rPr lang="pl-PL" sz="1600" dirty="0" err="1"/>
-              <a:t>name</a:t>
-            </a:r>
-            <a:r>
-              <a:rPr lang="pl-PL" sz="1600" dirty="0"/>
-              <a:t>=test1 </a:t>
-            </a:r>
-            <a:r>
-              <a:rPr lang="pl-PL" sz="1600" dirty="0" err="1"/>
-              <a:t>gress</a:t>
-            </a:r>
-            <a:r>
-              <a:rPr lang="pl-PL" sz="1600" dirty="0"/>
-              <a:t>=</a:t>
-            </a:r>
-            <a:r>
-              <a:rPr lang="pl-PL" sz="1600" dirty="0" err="1"/>
-              <a:t>ingress</a:t>
-            </a:r>
-            <a:r>
-              <a:rPr lang="pl-PL" sz="1600" dirty="0"/>
-              <a:t> </a:t>
-            </a:r>
-            <a:r>
-              <a:rPr lang="pl-PL" sz="1600" dirty="0" err="1"/>
-              <a:t>logical_id</a:t>
-            </a:r>
-            <a:r>
-              <a:rPr lang="pl-PL" sz="1600" dirty="0"/>
-              <a:t>=-1 </a:t>
-            </a:r>
-          </a:p>
-          <a:p>
-            <a:pPr marL="0" indent="0">
-              <a:buNone/>
-            </a:pPr>
-            <a:r>
-              <a:rPr lang="en-US" sz="1600" dirty="0"/>
-              <a:t>          </a:t>
-            </a:r>
-            <a:r>
-              <a:rPr lang="en-US" sz="1600" dirty="0" err="1"/>
-              <a:t>match_table</a:t>
-            </a:r>
-            <a:r>
-              <a:rPr lang="en-US" sz="1600" dirty="0"/>
-              <a:t>: [449] V1Table name=test1</a:t>
-            </a:r>
-          </a:p>
-          <a:p>
-            <a:pPr marL="0" indent="0">
-              <a:buNone/>
-            </a:pPr>
-            <a:r>
-              <a:rPr lang="en-US" sz="1600" dirty="0"/>
-              <a:t>          [607] </a:t>
-            </a:r>
-            <a:r>
-              <a:rPr lang="en-US" sz="1600" dirty="0" err="1"/>
-              <a:t>ActionFunction</a:t>
-            </a:r>
-            <a:r>
-              <a:rPr lang="en-US" sz="1600" dirty="0"/>
-              <a:t> name=setb1</a:t>
-            </a:r>
-          </a:p>
-          <a:p>
-            <a:pPr marL="0" indent="0">
-              <a:buNone/>
-            </a:pPr>
-            <a:r>
-              <a:rPr lang="en-US" sz="1600" dirty="0"/>
-              <a:t>            ...</a:t>
-            </a:r>
-          </a:p>
-          <a:p>
-            <a:pPr marL="0" indent="0">
-              <a:buNone/>
-            </a:pPr>
-            <a:r>
-              <a:rPr lang="en-US" sz="1600" dirty="0"/>
-              <a:t>          [63] </a:t>
-            </a:r>
-            <a:r>
-              <a:rPr lang="en-US" sz="1600" dirty="0" err="1"/>
-              <a:t>ActionFunction</a:t>
-            </a:r>
-            <a:r>
-              <a:rPr lang="en-US" sz="1600" dirty="0"/>
-              <a:t> name=</a:t>
-            </a:r>
-            <a:r>
-              <a:rPr lang="en-US" sz="1600" dirty="0" err="1"/>
-              <a:t>noop</a:t>
-            </a:r>
-            <a:endParaRPr lang="en-US" sz="1600" dirty="0"/>
-          </a:p>
-          <a:p>
-            <a:pPr marL="0" indent="0">
-              <a:buNone/>
-            </a:pPr>
-            <a:r>
-              <a:rPr lang="da-DK" sz="1600" dirty="0"/>
-              <a:t>      false: [1062] MAU::</a:t>
-            </a:r>
-            <a:r>
-              <a:rPr lang="da-DK" sz="1600" dirty="0" err="1"/>
-              <a:t>TableSeq</a:t>
-            </a:r>
-            <a:r>
-              <a:rPr lang="da-DK" sz="1600" dirty="0"/>
-              <a:t> </a:t>
-            </a:r>
-            <a:r>
-              <a:rPr lang="da-DK" sz="1600" dirty="0" err="1"/>
-              <a:t>deps</a:t>
-            </a:r>
-            <a:r>
-              <a:rPr lang="da-DK" sz="1600" dirty="0" smtClean="0"/>
-              <a:t>=</a:t>
-            </a:r>
-          </a:p>
-          <a:p>
-            <a:pPr marL="0" indent="0">
-              <a:buNone/>
-            </a:pPr>
-            <a:r>
-              <a:rPr lang="da-DK" sz="1600" dirty="0" smtClean="0"/>
-              <a:t>        </a:t>
-            </a:r>
-            <a:r>
-              <a:rPr lang="da-DK" sz="1600" dirty="0"/>
-              <a:t>[1064] MAU::</a:t>
-            </a:r>
-            <a:r>
-              <a:rPr lang="da-DK" sz="1600" dirty="0" err="1"/>
-              <a:t>Table</a:t>
-            </a:r>
-            <a:r>
-              <a:rPr lang="da-DK" sz="1600" dirty="0"/>
-              <a:t> </a:t>
-            </a:r>
-            <a:r>
-              <a:rPr lang="da-DK" sz="1600" dirty="0" err="1"/>
-              <a:t>name</a:t>
-            </a:r>
-            <a:r>
-              <a:rPr lang="da-DK" sz="1600" dirty="0"/>
-              <a:t>=test2 </a:t>
-            </a:r>
-            <a:r>
-              <a:rPr lang="da-DK" sz="1600" dirty="0" err="1"/>
-              <a:t>gress</a:t>
-            </a:r>
-            <a:r>
-              <a:rPr lang="da-DK" sz="1600" dirty="0"/>
-              <a:t>=</a:t>
-            </a:r>
-            <a:r>
-              <a:rPr lang="da-DK" sz="1600" dirty="0" err="1"/>
-              <a:t>ingress</a:t>
-            </a:r>
-            <a:r>
-              <a:rPr lang="da-DK" sz="1600" dirty="0"/>
-              <a:t> </a:t>
-            </a:r>
-            <a:r>
-              <a:rPr lang="da-DK" sz="1600" dirty="0" err="1"/>
-              <a:t>logical_id</a:t>
-            </a:r>
-            <a:r>
-              <a:rPr lang="da-DK" sz="1600" dirty="0"/>
-              <a:t>=-1 </a:t>
-            </a:r>
-          </a:p>
-          <a:p>
-            <a:pPr marL="0" indent="0">
-              <a:buNone/>
-            </a:pPr>
-            <a:r>
-              <a:rPr lang="en-US" sz="1600" dirty="0"/>
-              <a:t>          </a:t>
-            </a:r>
-            <a:r>
-              <a:rPr lang="en-US" sz="1600" dirty="0" err="1"/>
-              <a:t>match_table</a:t>
-            </a:r>
-            <a:r>
-              <a:rPr lang="en-US" sz="1600" dirty="0"/>
-              <a:t>: [457] V1Table name=test2</a:t>
-            </a:r>
-          </a:p>
-          <a:p>
-            <a:pPr marL="0" indent="0">
-              <a:buNone/>
-            </a:pPr>
-            <a:r>
-              <a:rPr lang="en-US" sz="1600" dirty="0"/>
-              <a:t>          [607] </a:t>
-            </a:r>
-            <a:r>
-              <a:rPr lang="en-US" sz="1600" dirty="0" err="1"/>
-              <a:t>ActionFunction</a:t>
-            </a:r>
-            <a:r>
-              <a:rPr lang="en-US" sz="1600" dirty="0"/>
-              <a:t> name=setb1...</a:t>
-            </a:r>
-          </a:p>
-          <a:p>
-            <a:pPr marL="0" indent="0">
-              <a:buNone/>
-            </a:pPr>
-            <a:r>
-              <a:rPr lang="en-US" sz="1600" dirty="0"/>
-              <a:t>          [63] </a:t>
-            </a:r>
-            <a:r>
-              <a:rPr lang="en-US" sz="1600" dirty="0" err="1"/>
-              <a:t>ActionFunction</a:t>
-            </a:r>
-            <a:r>
-              <a:rPr lang="en-US" sz="1600" dirty="0"/>
-              <a:t> name=</a:t>
-            </a:r>
-            <a:r>
-              <a:rPr lang="en-US" sz="1600" dirty="0" err="1"/>
-              <a:t>noop</a:t>
-            </a:r>
-            <a:endParaRPr lang="en-US" sz="1600" dirty="0"/>
-          </a:p>
-          <a:p>
-            <a:pPr marL="0" indent="0">
-              <a:buNone/>
-            </a:pPr>
-            <a:endParaRPr lang="en-US" sz="1200" dirty="0"/>
+              <a:rPr lang="fr-FR" sz="1600" dirty="0">
+                <a:latin typeface="Courier New"/>
+                <a:cs typeface="Courier New"/>
+              </a:rPr>
+              <a:t>;</a:t>
+            </a:r>
+          </a:p>
+          <a:p>
+            <a:endParaRPr lang="en-US" sz="1600" dirty="0">
+              <a:latin typeface="Courier New"/>
+              <a:cs typeface="Courier New"/>
+            </a:endParaRPr>
           </a:p>
         </p:txBody>
       </p:sp>
     </p:spTree>
     <p:extLst>
       <p:ext uri="{BB962C8B-B14F-4D97-AF65-F5344CB8AC3E}">
-        <p14:creationId xmlns:p14="http://schemas.microsoft.com/office/powerpoint/2010/main" val="1798580766"/>
+        <p14:creationId xmlns:p14="http://schemas.microsoft.com/office/powerpoint/2010/main" val="3278174823"/>
       </p:ext>
     </p:extLst>
   </p:cSld>
